--- a/slides/04-summarizing-data.pptx
+++ b/slides/04-summarizing-data.pptx
@@ -11,72 +11,72 @@
   <p:sldIdLst>
     <p:sldId id="256" r:id="rId3"/>
     <p:sldId id="333" r:id="rId4"/>
-    <p:sldId id="265" r:id="rId5"/>
-    <p:sldId id="266" r:id="rId6"/>
-    <p:sldId id="267" r:id="rId7"/>
-    <p:sldId id="268" r:id="rId8"/>
-    <p:sldId id="269" r:id="rId9"/>
-    <p:sldId id="270" r:id="rId10"/>
-    <p:sldId id="271" r:id="rId11"/>
-    <p:sldId id="272" r:id="rId12"/>
-    <p:sldId id="273" r:id="rId13"/>
-    <p:sldId id="274" r:id="rId14"/>
-    <p:sldId id="275" r:id="rId15"/>
-    <p:sldId id="276" r:id="rId16"/>
-    <p:sldId id="277" r:id="rId17"/>
-    <p:sldId id="278" r:id="rId18"/>
-    <p:sldId id="279" r:id="rId19"/>
-    <p:sldId id="280" r:id="rId20"/>
-    <p:sldId id="281" r:id="rId21"/>
-    <p:sldId id="282" r:id="rId22"/>
-    <p:sldId id="283" r:id="rId23"/>
-    <p:sldId id="284" r:id="rId24"/>
-    <p:sldId id="264" r:id="rId25"/>
-    <p:sldId id="295" r:id="rId26"/>
-    <p:sldId id="287" r:id="rId27"/>
-    <p:sldId id="288" r:id="rId28"/>
-    <p:sldId id="289" r:id="rId29"/>
-    <p:sldId id="290" r:id="rId30"/>
-    <p:sldId id="291" r:id="rId31"/>
-    <p:sldId id="292" r:id="rId32"/>
-    <p:sldId id="293" r:id="rId33"/>
-    <p:sldId id="294" r:id="rId34"/>
-    <p:sldId id="296" r:id="rId35"/>
-    <p:sldId id="297" r:id="rId36"/>
-    <p:sldId id="298" r:id="rId37"/>
-    <p:sldId id="344" r:id="rId38"/>
-    <p:sldId id="299" r:id="rId39"/>
-    <p:sldId id="300" r:id="rId40"/>
-    <p:sldId id="301" r:id="rId41"/>
-    <p:sldId id="302" r:id="rId42"/>
-    <p:sldId id="303" r:id="rId43"/>
-    <p:sldId id="304" r:id="rId44"/>
-    <p:sldId id="305" r:id="rId45"/>
-    <p:sldId id="306" r:id="rId46"/>
-    <p:sldId id="307" r:id="rId47"/>
-    <p:sldId id="308" r:id="rId48"/>
-    <p:sldId id="309" r:id="rId49"/>
-    <p:sldId id="310" r:id="rId50"/>
-    <p:sldId id="311" r:id="rId51"/>
-    <p:sldId id="334" r:id="rId52"/>
-    <p:sldId id="350" r:id="rId53"/>
-    <p:sldId id="260" r:id="rId54"/>
-    <p:sldId id="261" r:id="rId55"/>
-    <p:sldId id="335" r:id="rId56"/>
-    <p:sldId id="340" r:id="rId57"/>
-    <p:sldId id="341" r:id="rId58"/>
-    <p:sldId id="342" r:id="rId59"/>
-    <p:sldId id="343" r:id="rId60"/>
-    <p:sldId id="258" r:id="rId61"/>
-    <p:sldId id="259" r:id="rId62"/>
-    <p:sldId id="336" r:id="rId63"/>
-    <p:sldId id="337" r:id="rId64"/>
-    <p:sldId id="338" r:id="rId65"/>
-    <p:sldId id="339" r:id="rId66"/>
-    <p:sldId id="346" r:id="rId67"/>
-    <p:sldId id="347" r:id="rId68"/>
-    <p:sldId id="348" r:id="rId69"/>
-    <p:sldId id="349" r:id="rId70"/>
+    <p:sldId id="351" r:id="rId5"/>
+    <p:sldId id="265" r:id="rId6"/>
+    <p:sldId id="266" r:id="rId7"/>
+    <p:sldId id="267" r:id="rId8"/>
+    <p:sldId id="268" r:id="rId9"/>
+    <p:sldId id="269" r:id="rId10"/>
+    <p:sldId id="270" r:id="rId11"/>
+    <p:sldId id="271" r:id="rId12"/>
+    <p:sldId id="272" r:id="rId13"/>
+    <p:sldId id="273" r:id="rId14"/>
+    <p:sldId id="274" r:id="rId15"/>
+    <p:sldId id="275" r:id="rId16"/>
+    <p:sldId id="276" r:id="rId17"/>
+    <p:sldId id="277" r:id="rId18"/>
+    <p:sldId id="278" r:id="rId19"/>
+    <p:sldId id="279" r:id="rId20"/>
+    <p:sldId id="280" r:id="rId21"/>
+    <p:sldId id="281" r:id="rId22"/>
+    <p:sldId id="282" r:id="rId23"/>
+    <p:sldId id="283" r:id="rId24"/>
+    <p:sldId id="284" r:id="rId25"/>
+    <p:sldId id="352" r:id="rId26"/>
+    <p:sldId id="264" r:id="rId27"/>
+    <p:sldId id="295" r:id="rId28"/>
+    <p:sldId id="287" r:id="rId29"/>
+    <p:sldId id="288" r:id="rId30"/>
+    <p:sldId id="289" r:id="rId31"/>
+    <p:sldId id="290" r:id="rId32"/>
+    <p:sldId id="291" r:id="rId33"/>
+    <p:sldId id="292" r:id="rId34"/>
+    <p:sldId id="293" r:id="rId35"/>
+    <p:sldId id="294" r:id="rId36"/>
+    <p:sldId id="296" r:id="rId37"/>
+    <p:sldId id="297" r:id="rId38"/>
+    <p:sldId id="298" r:id="rId39"/>
+    <p:sldId id="344" r:id="rId40"/>
+    <p:sldId id="299" r:id="rId41"/>
+    <p:sldId id="300" r:id="rId42"/>
+    <p:sldId id="301" r:id="rId43"/>
+    <p:sldId id="302" r:id="rId44"/>
+    <p:sldId id="303" r:id="rId45"/>
+    <p:sldId id="304" r:id="rId46"/>
+    <p:sldId id="305" r:id="rId47"/>
+    <p:sldId id="306" r:id="rId48"/>
+    <p:sldId id="307" r:id="rId49"/>
+    <p:sldId id="308" r:id="rId50"/>
+    <p:sldId id="309" r:id="rId51"/>
+    <p:sldId id="310" r:id="rId52"/>
+    <p:sldId id="311" r:id="rId53"/>
+    <p:sldId id="334" r:id="rId54"/>
+    <p:sldId id="353" r:id="rId55"/>
+    <p:sldId id="350" r:id="rId56"/>
+    <p:sldId id="260" r:id="rId57"/>
+    <p:sldId id="261" r:id="rId58"/>
+    <p:sldId id="335" r:id="rId59"/>
+    <p:sldId id="340" r:id="rId60"/>
+    <p:sldId id="341" r:id="rId61"/>
+    <p:sldId id="342" r:id="rId62"/>
+    <p:sldId id="343" r:id="rId63"/>
+    <p:sldId id="354" r:id="rId64"/>
+    <p:sldId id="258" r:id="rId65"/>
+    <p:sldId id="259" r:id="rId66"/>
+    <p:sldId id="336" r:id="rId67"/>
+    <p:sldId id="337" r:id="rId68"/>
+    <p:sldId id="338" r:id="rId69"/>
+    <p:sldId id="339" r:id="rId70"/>
   </p:sldIdLst>
   <p:sldSz cx="12192000" cy="6858000"/>
   <p:notesSz cx="6858000" cy="9144000"/>
@@ -265,7 +265,7 @@
           <a:p>
             <a:fld id="{2DA3ADC8-0AFD-F647-904F-5290280CD8F0}" type="datetimeFigureOut">
               <a:rPr lang="en-US" smtClean="0"/>
-              <a:t>7/27/23</a:t>
+              <a:t>9/14/23</a:t>
             </a:fld>
             <a:endParaRPr lang="en-US"/>
           </a:p>
@@ -4966,7 +4966,7 @@
             <a:fld id="{13D3DDD1-A2AC-0143-A10E-767D06A6F773}" type="slidenum">
               <a:rPr lang="en-US" smtClean="0"/>
               <a:pPr/>
-              <a:t>51</a:t>
+              <a:t>54</a:t>
             </a:fld>
             <a:endParaRPr lang="en-US" dirty="0"/>
           </a:p>
@@ -6545,346 +6545,6 @@
 </p:notes>
 </file>
 
-<file path=ppt/notesSlides/notesSlide62.xml><?xml version="1.0" encoding="utf-8"?>
-<p:notes xmlns:a="http://schemas.openxmlformats.org/drawingml/2006/main" xmlns:r="http://schemas.openxmlformats.org/officeDocument/2006/relationships" xmlns:p="http://schemas.openxmlformats.org/presentationml/2006/main">
-  <p:cSld>
-    <p:spTree>
-      <p:nvGrpSpPr>
-        <p:cNvPr id="1" name=""/>
-        <p:cNvGrpSpPr/>
-        <p:nvPr/>
-      </p:nvGrpSpPr>
-      <p:grpSpPr>
-        <a:xfrm>
-          <a:off x="0" y="0"/>
-          <a:ext cx="0" cy="0"/>
-          <a:chOff x="0" y="0"/>
-          <a:chExt cx="0" cy="0"/>
-        </a:xfrm>
-      </p:grpSpPr>
-      <p:sp>
-        <p:nvSpPr>
-          <p:cNvPr id="2" name="Slide Image Placeholder 1"/>
-          <p:cNvSpPr>
-            <a:spLocks noGrp="1" noRot="1" noChangeAspect="1"/>
-          </p:cNvSpPr>
-          <p:nvPr>
-            <p:ph type="sldImg"/>
-          </p:nvPr>
-        </p:nvSpPr>
-        <p:spPr/>
-      </p:sp>
-      <p:sp>
-        <p:nvSpPr>
-          <p:cNvPr id="3" name="Notes Placeholder 2"/>
-          <p:cNvSpPr>
-            <a:spLocks noGrp="1"/>
-          </p:cNvSpPr>
-          <p:nvPr>
-            <p:ph type="body" idx="1"/>
-          </p:nvPr>
-        </p:nvSpPr>
-        <p:spPr/>
-        <p:txBody>
-          <a:bodyPr/>
-          <a:lstStyle/>
-          <a:p>
-            <a:endParaRPr lang="en-US"/>
-          </a:p>
-        </p:txBody>
-      </p:sp>
-      <p:sp>
-        <p:nvSpPr>
-          <p:cNvPr id="4" name="Slide Number Placeholder 3"/>
-          <p:cNvSpPr>
-            <a:spLocks noGrp="1"/>
-          </p:cNvSpPr>
-          <p:nvPr>
-            <p:ph type="sldNum" sz="quarter" idx="10"/>
-          </p:nvPr>
-        </p:nvSpPr>
-        <p:spPr/>
-        <p:txBody>
-          <a:bodyPr/>
-          <a:lstStyle/>
-          <a:p>
-            <a:fld id="{13D3DDD1-A2AC-0143-A10E-767D06A6F773}" type="slidenum">
-              <a:rPr lang="en-US" smtClean="0"/>
-              <a:pPr/>
-              <a:t>65</a:t>
-            </a:fld>
-            <a:endParaRPr lang="en-US" dirty="0"/>
-          </a:p>
-        </p:txBody>
-      </p:sp>
-    </p:spTree>
-    <p:extLst>
-      <p:ext uri="{BB962C8B-B14F-4D97-AF65-F5344CB8AC3E}">
-        <p14:creationId xmlns:p14="http://schemas.microsoft.com/office/powerpoint/2010/main" val="631701900"/>
-      </p:ext>
-    </p:extLst>
-  </p:cSld>
-  <p:clrMapOvr>
-    <a:masterClrMapping/>
-  </p:clrMapOvr>
-</p:notes>
-</file>
-
-<file path=ppt/notesSlides/notesSlide63.xml><?xml version="1.0" encoding="utf-8"?>
-<p:notes xmlns:a="http://schemas.openxmlformats.org/drawingml/2006/main" xmlns:r="http://schemas.openxmlformats.org/officeDocument/2006/relationships" xmlns:p="http://schemas.openxmlformats.org/presentationml/2006/main">
-  <p:cSld>
-    <p:spTree>
-      <p:nvGrpSpPr>
-        <p:cNvPr id="1" name=""/>
-        <p:cNvGrpSpPr/>
-        <p:nvPr/>
-      </p:nvGrpSpPr>
-      <p:grpSpPr>
-        <a:xfrm>
-          <a:off x="0" y="0"/>
-          <a:ext cx="0" cy="0"/>
-          <a:chOff x="0" y="0"/>
-          <a:chExt cx="0" cy="0"/>
-        </a:xfrm>
-      </p:grpSpPr>
-      <p:sp>
-        <p:nvSpPr>
-          <p:cNvPr id="2" name="Slide Image Placeholder 1"/>
-          <p:cNvSpPr>
-            <a:spLocks noGrp="1" noRot="1" noChangeAspect="1"/>
-          </p:cNvSpPr>
-          <p:nvPr>
-            <p:ph type="sldImg"/>
-          </p:nvPr>
-        </p:nvSpPr>
-        <p:spPr/>
-      </p:sp>
-      <p:sp>
-        <p:nvSpPr>
-          <p:cNvPr id="3" name="Notes Placeholder 2"/>
-          <p:cNvSpPr>
-            <a:spLocks noGrp="1"/>
-          </p:cNvSpPr>
-          <p:nvPr>
-            <p:ph type="body" idx="1"/>
-          </p:nvPr>
-        </p:nvSpPr>
-        <p:spPr/>
-        <p:txBody>
-          <a:bodyPr/>
-          <a:lstStyle/>
-          <a:p>
-            <a:endParaRPr lang="en-US"/>
-          </a:p>
-        </p:txBody>
-      </p:sp>
-      <p:sp>
-        <p:nvSpPr>
-          <p:cNvPr id="4" name="Slide Number Placeholder 3"/>
-          <p:cNvSpPr>
-            <a:spLocks noGrp="1"/>
-          </p:cNvSpPr>
-          <p:nvPr>
-            <p:ph type="sldNum" sz="quarter" idx="10"/>
-          </p:nvPr>
-        </p:nvSpPr>
-        <p:spPr/>
-        <p:txBody>
-          <a:bodyPr/>
-          <a:lstStyle/>
-          <a:p>
-            <a:fld id="{13D3DDD1-A2AC-0143-A10E-767D06A6F773}" type="slidenum">
-              <a:rPr lang="en-US" smtClean="0"/>
-              <a:pPr/>
-              <a:t>66</a:t>
-            </a:fld>
-            <a:endParaRPr lang="en-US" dirty="0"/>
-          </a:p>
-        </p:txBody>
-      </p:sp>
-    </p:spTree>
-    <p:extLst>
-      <p:ext uri="{BB962C8B-B14F-4D97-AF65-F5344CB8AC3E}">
-        <p14:creationId xmlns:p14="http://schemas.microsoft.com/office/powerpoint/2010/main" val="1461823601"/>
-      </p:ext>
-    </p:extLst>
-  </p:cSld>
-  <p:clrMapOvr>
-    <a:masterClrMapping/>
-  </p:clrMapOvr>
-</p:notes>
-</file>
-
-<file path=ppt/notesSlides/notesSlide64.xml><?xml version="1.0" encoding="utf-8"?>
-<p:notes xmlns:a="http://schemas.openxmlformats.org/drawingml/2006/main" xmlns:r="http://schemas.openxmlformats.org/officeDocument/2006/relationships" xmlns:p="http://schemas.openxmlformats.org/presentationml/2006/main">
-  <p:cSld>
-    <p:spTree>
-      <p:nvGrpSpPr>
-        <p:cNvPr id="1" name=""/>
-        <p:cNvGrpSpPr/>
-        <p:nvPr/>
-      </p:nvGrpSpPr>
-      <p:grpSpPr>
-        <a:xfrm>
-          <a:off x="0" y="0"/>
-          <a:ext cx="0" cy="0"/>
-          <a:chOff x="0" y="0"/>
-          <a:chExt cx="0" cy="0"/>
-        </a:xfrm>
-      </p:grpSpPr>
-      <p:sp>
-        <p:nvSpPr>
-          <p:cNvPr id="2" name="Slide Image Placeholder 1"/>
-          <p:cNvSpPr>
-            <a:spLocks noGrp="1" noRot="1" noChangeAspect="1"/>
-          </p:cNvSpPr>
-          <p:nvPr>
-            <p:ph type="sldImg"/>
-          </p:nvPr>
-        </p:nvSpPr>
-        <p:spPr/>
-      </p:sp>
-      <p:sp>
-        <p:nvSpPr>
-          <p:cNvPr id="3" name="Notes Placeholder 2"/>
-          <p:cNvSpPr>
-            <a:spLocks noGrp="1"/>
-          </p:cNvSpPr>
-          <p:nvPr>
-            <p:ph type="body" idx="1"/>
-          </p:nvPr>
-        </p:nvSpPr>
-        <p:spPr/>
-        <p:txBody>
-          <a:bodyPr/>
-          <a:lstStyle/>
-          <a:p>
-            <a:endParaRPr lang="en-US"/>
-          </a:p>
-        </p:txBody>
-      </p:sp>
-      <p:sp>
-        <p:nvSpPr>
-          <p:cNvPr id="4" name="Slide Number Placeholder 3"/>
-          <p:cNvSpPr>
-            <a:spLocks noGrp="1"/>
-          </p:cNvSpPr>
-          <p:nvPr>
-            <p:ph type="sldNum" sz="quarter" idx="10"/>
-          </p:nvPr>
-        </p:nvSpPr>
-        <p:spPr/>
-        <p:txBody>
-          <a:bodyPr/>
-          <a:lstStyle/>
-          <a:p>
-            <a:fld id="{13D3DDD1-A2AC-0143-A10E-767D06A6F773}" type="slidenum">
-              <a:rPr lang="en-US" smtClean="0"/>
-              <a:pPr/>
-              <a:t>67</a:t>
-            </a:fld>
-            <a:endParaRPr lang="en-US" dirty="0"/>
-          </a:p>
-        </p:txBody>
-      </p:sp>
-    </p:spTree>
-    <p:extLst>
-      <p:ext uri="{BB962C8B-B14F-4D97-AF65-F5344CB8AC3E}">
-        <p14:creationId xmlns:p14="http://schemas.microsoft.com/office/powerpoint/2010/main" val="55638502"/>
-      </p:ext>
-    </p:extLst>
-  </p:cSld>
-  <p:clrMapOvr>
-    <a:masterClrMapping/>
-  </p:clrMapOvr>
-</p:notes>
-</file>
-
-<file path=ppt/notesSlides/notesSlide65.xml><?xml version="1.0" encoding="utf-8"?>
-<p:notes xmlns:a="http://schemas.openxmlformats.org/drawingml/2006/main" xmlns:r="http://schemas.openxmlformats.org/officeDocument/2006/relationships" xmlns:p="http://schemas.openxmlformats.org/presentationml/2006/main">
-  <p:cSld>
-    <p:spTree>
-      <p:nvGrpSpPr>
-        <p:cNvPr id="1" name=""/>
-        <p:cNvGrpSpPr/>
-        <p:nvPr/>
-      </p:nvGrpSpPr>
-      <p:grpSpPr>
-        <a:xfrm>
-          <a:off x="0" y="0"/>
-          <a:ext cx="0" cy="0"/>
-          <a:chOff x="0" y="0"/>
-          <a:chExt cx="0" cy="0"/>
-        </a:xfrm>
-      </p:grpSpPr>
-      <p:sp>
-        <p:nvSpPr>
-          <p:cNvPr id="2" name="Slide Image Placeholder 1"/>
-          <p:cNvSpPr>
-            <a:spLocks noGrp="1" noRot="1" noChangeAspect="1"/>
-          </p:cNvSpPr>
-          <p:nvPr>
-            <p:ph type="sldImg"/>
-          </p:nvPr>
-        </p:nvSpPr>
-        <p:spPr/>
-      </p:sp>
-      <p:sp>
-        <p:nvSpPr>
-          <p:cNvPr id="3" name="Notes Placeholder 2"/>
-          <p:cNvSpPr>
-            <a:spLocks noGrp="1"/>
-          </p:cNvSpPr>
-          <p:nvPr>
-            <p:ph type="body" idx="1"/>
-          </p:nvPr>
-        </p:nvSpPr>
-        <p:spPr/>
-        <p:txBody>
-          <a:bodyPr/>
-          <a:lstStyle/>
-          <a:p>
-            <a:endParaRPr lang="en-US"/>
-          </a:p>
-        </p:txBody>
-      </p:sp>
-      <p:sp>
-        <p:nvSpPr>
-          <p:cNvPr id="4" name="Slide Number Placeholder 3"/>
-          <p:cNvSpPr>
-            <a:spLocks noGrp="1"/>
-          </p:cNvSpPr>
-          <p:nvPr>
-            <p:ph type="sldNum" sz="quarter" idx="10"/>
-          </p:nvPr>
-        </p:nvSpPr>
-        <p:spPr/>
-        <p:txBody>
-          <a:bodyPr/>
-          <a:lstStyle/>
-          <a:p>
-            <a:fld id="{13D3DDD1-A2AC-0143-A10E-767D06A6F773}" type="slidenum">
-              <a:rPr lang="en-US" smtClean="0"/>
-              <a:pPr/>
-              <a:t>68</a:t>
-            </a:fld>
-            <a:endParaRPr lang="en-US" dirty="0"/>
-          </a:p>
-        </p:txBody>
-      </p:sp>
-    </p:spTree>
-    <p:extLst>
-      <p:ext uri="{BB962C8B-B14F-4D97-AF65-F5344CB8AC3E}">
-        <p14:creationId xmlns:p14="http://schemas.microsoft.com/office/powerpoint/2010/main" val="494262690"/>
-      </p:ext>
-    </p:extLst>
-  </p:cSld>
-  <p:clrMapOvr>
-    <a:masterClrMapping/>
-  </p:clrMapOvr>
-</p:notes>
-</file>
-
 <file path=ppt/notesSlides/notesSlide7.xml><?xml version="1.0" encoding="utf-8"?>
 <p:notes xmlns:a="http://schemas.openxmlformats.org/drawingml/2006/main" xmlns:r="http://schemas.openxmlformats.org/officeDocument/2006/relationships" xmlns:p="http://schemas.openxmlformats.org/presentationml/2006/main" showMasterSp="0" showMasterPhAnim="0">
   <p:cSld>
@@ -7421,7 +7081,7 @@
           <a:p>
             <a:fld id="{42BD1637-0D27-F54B-A3CE-C829B5942E2D}" type="datetimeFigureOut">
               <a:rPr lang="en-US" smtClean="0"/>
-              <a:t>7/27/23</a:t>
+              <a:t>9/14/23</a:t>
             </a:fld>
             <a:endParaRPr lang="en-US"/>
           </a:p>
@@ -7591,7 +7251,7 @@
           <a:p>
             <a:fld id="{42BD1637-0D27-F54B-A3CE-C829B5942E2D}" type="datetimeFigureOut">
               <a:rPr lang="en-US" smtClean="0"/>
-              <a:t>7/27/23</a:t>
+              <a:t>9/14/23</a:t>
             </a:fld>
             <a:endParaRPr lang="en-US"/>
           </a:p>
@@ -7771,7 +7431,7 @@
           <a:p>
             <a:fld id="{42BD1637-0D27-F54B-A3CE-C829B5942E2D}" type="datetimeFigureOut">
               <a:rPr lang="en-US" smtClean="0"/>
-              <a:t>7/27/23</a:t>
+              <a:t>9/14/23</a:t>
             </a:fld>
             <a:endParaRPr lang="en-US"/>
           </a:p>
@@ -7833,226 +7493,6 @@
 </file>
 
 <file path=ppt/slideLayouts/slideLayout12.xml><?xml version="1.0" encoding="utf-8"?>
-<p:sldLayout xmlns:a="http://schemas.openxmlformats.org/drawingml/2006/main" xmlns:r="http://schemas.openxmlformats.org/officeDocument/2006/relationships" xmlns:p="http://schemas.openxmlformats.org/presentationml/2006/main" userDrawn="1">
-  <p:cSld name="Title and bullets">
-    <p:spTree>
-      <p:nvGrpSpPr>
-        <p:cNvPr id="1" name=""/>
-        <p:cNvGrpSpPr/>
-        <p:nvPr/>
-      </p:nvGrpSpPr>
-      <p:grpSpPr>
-        <a:xfrm>
-          <a:off x="0" y="0"/>
-          <a:ext cx="0" cy="0"/>
-          <a:chOff x="0" y="0"/>
-          <a:chExt cx="0" cy="0"/>
-        </a:xfrm>
-      </p:grpSpPr>
-      <p:sp>
-        <p:nvSpPr>
-          <p:cNvPr id="2" name="Title 1"/>
-          <p:cNvSpPr>
-            <a:spLocks noGrp="1"/>
-          </p:cNvSpPr>
-          <p:nvPr>
-            <p:ph type="title" hasCustomPrompt="1"/>
-          </p:nvPr>
-        </p:nvSpPr>
-        <p:spPr/>
-        <p:txBody>
-          <a:bodyPr/>
-          <a:lstStyle/>
-          <a:p>
-            <a:r>
-              <a:rPr lang="en-US" dirty="0"/>
-              <a:t>Click to add slide title for slide with bullets</a:t>
-            </a:r>
-          </a:p>
-        </p:txBody>
-      </p:sp>
-      <p:sp>
-        <p:nvSpPr>
-          <p:cNvPr id="3" name="Content Placeholder 1"/>
-          <p:cNvSpPr>
-            <a:spLocks noGrp="1"/>
-          </p:cNvSpPr>
-          <p:nvPr>
-            <p:ph idx="1" hasCustomPrompt="1"/>
-          </p:nvPr>
-        </p:nvSpPr>
-        <p:spPr/>
-        <p:txBody>
-          <a:bodyPr/>
-          <a:lstStyle>
-            <a:lvl1pPr marL="385224" indent="-385224">
-              <a:buFont typeface="Arial" panose="020B0604020202020204" pitchFamily="34" charset="0"/>
-              <a:buChar char="►"/>
-              <a:defRPr baseline="0"/>
-            </a:lvl1pPr>
-            <a:lvl2pPr marL="757748" indent="-378875">
-              <a:buFont typeface="Arial" panose="020B0604020202020204" pitchFamily="34" charset="0"/>
-              <a:buChar char="►"/>
-              <a:defRPr/>
-            </a:lvl2pPr>
-            <a:lvl3pPr marL="1077357" indent="-313259">
-              <a:buFont typeface="Arial" panose="020B0604020202020204" pitchFamily="34" charset="0"/>
-              <a:buChar char="●"/>
-              <a:tabLst/>
-              <a:defRPr/>
-            </a:lvl3pPr>
-            <a:lvl4pPr marL="1828754" indent="0">
-              <a:buNone/>
-              <a:defRPr/>
-            </a:lvl4pPr>
-            <a:lvl5pPr marL="2438339" indent="0">
-              <a:buNone/>
-              <a:defRPr/>
-            </a:lvl5pPr>
-          </a:lstStyle>
-          <a:p>
-            <a:pPr lvl="0"/>
-            <a:r>
-              <a:rPr lang="en-US" dirty="0"/>
-              <a:t>Click to add first-level bullet</a:t>
-            </a:r>
-          </a:p>
-          <a:p>
-            <a:pPr lvl="1"/>
-            <a:r>
-              <a:rPr lang="en-US" dirty="0"/>
-              <a:t>Second level</a:t>
-            </a:r>
-          </a:p>
-          <a:p>
-            <a:pPr lvl="2"/>
-            <a:r>
-              <a:rPr lang="en-US" dirty="0"/>
-              <a:t>Third level</a:t>
-            </a:r>
-          </a:p>
-        </p:txBody>
-      </p:sp>
-      <p:sp>
-        <p:nvSpPr>
-          <p:cNvPr id="5" name="Source"/>
-          <p:cNvSpPr>
-            <a:spLocks noGrp="1"/>
-          </p:cNvSpPr>
-          <p:nvPr>
-            <p:ph idx="11" hasCustomPrompt="1"/>
-          </p:nvPr>
-        </p:nvSpPr>
-        <p:spPr>
-          <a:xfrm>
-            <a:off x="199085" y="6378786"/>
-            <a:ext cx="10841449" cy="373381"/>
-          </a:xfrm>
-          <a:prstGeom prst="rect">
-            <a:avLst/>
-          </a:prstGeom>
-          <a:noFill/>
-          <a:ln w="9525" cap="flat" cmpd="sng" algn="ctr">
-            <a:noFill/>
-            <a:prstDash val="solid"/>
-            <a:miter lim="800000"/>
-            <a:headEnd type="none" w="med" len="med"/>
-            <a:tailEnd type="none" w="med" len="med"/>
-          </a:ln>
-        </p:spPr>
-        <p:txBody>
-          <a:bodyPr lIns="0" tIns="0" rIns="0" bIns="0" anchor="b">
-            <a:normAutofit/>
-          </a:bodyPr>
-          <a:lstStyle>
-            <a:lvl1pPr marL="0" marR="0" indent="0" algn="l" defTabSz="1219170" rtl="0" eaLnBrk="0" fontAlgn="base" latinLnBrk="0" hangingPunct="0">
-              <a:lnSpc>
-                <a:spcPct val="100000"/>
-              </a:lnSpc>
-              <a:spcBef>
-                <a:spcPts val="0"/>
-              </a:spcBef>
-              <a:spcAft>
-                <a:spcPct val="0"/>
-              </a:spcAft>
-              <a:buClr>
-                <a:srgbClr val="B50D0D"/>
-              </a:buClr>
-              <a:buSzPct val="100000"/>
-              <a:buFont typeface="Wingdings" pitchFamily="-1" charset="2"/>
-              <a:buNone/>
-              <a:tabLst/>
-              <a:defRPr sz="1600" baseline="0">
-                <a:solidFill>
-                  <a:srgbClr val="000000"/>
-                </a:solidFill>
-                <a:latin typeface="Calibri"/>
-                <a:cs typeface="Calibri"/>
-              </a:defRPr>
-            </a:lvl1pPr>
-            <a:lvl2pPr marL="999042" indent="-541853">
-              <a:spcBef>
-                <a:spcPts val="0"/>
-              </a:spcBef>
-              <a:buClr>
-                <a:srgbClr val="B50D0D"/>
-              </a:buClr>
-              <a:buFont typeface="Lucida Grande"/>
-              <a:buNone/>
-              <a:defRPr sz="1333">
-                <a:latin typeface="Georgia"/>
-                <a:cs typeface="Georgia"/>
-              </a:defRPr>
-            </a:lvl2pPr>
-            <a:lvl3pPr marL="1066773" indent="457189">
-              <a:spcBef>
-                <a:spcPts val="0"/>
-              </a:spcBef>
-              <a:buClr>
-                <a:srgbClr val="B50D0D"/>
-              </a:buClr>
-              <a:buNone/>
-              <a:defRPr sz="1333" baseline="0">
-                <a:latin typeface="Georgia"/>
-                <a:cs typeface="Georgia"/>
-              </a:defRPr>
-            </a:lvl3pPr>
-            <a:lvl4pPr>
-              <a:buClr>
-                <a:srgbClr val="B50D0D"/>
-              </a:buClr>
-              <a:defRPr sz="3733"/>
-            </a:lvl4pPr>
-            <a:lvl5pPr>
-              <a:buClr>
-                <a:srgbClr val="B50D0D"/>
-              </a:buClr>
-              <a:defRPr sz="3733"/>
-            </a:lvl5pPr>
-          </a:lstStyle>
-          <a:p>
-            <a:pPr lvl="0"/>
-            <a:r>
-              <a:rPr lang="en-US" dirty="0"/>
-              <a:t>Click to add source information</a:t>
-            </a:r>
-          </a:p>
-        </p:txBody>
-      </p:sp>
-    </p:spTree>
-    <p:extLst>
-      <p:ext uri="{BB962C8B-B14F-4D97-AF65-F5344CB8AC3E}">
-        <p14:creationId xmlns:p14="http://schemas.microsoft.com/office/powerpoint/2010/main" val="2050420918"/>
-      </p:ext>
-    </p:extLst>
-  </p:cSld>
-  <p:clrMapOvr>
-    <a:masterClrMapping/>
-  </p:clrMapOvr>
-</p:sldLayout>
-</file>
-
-<file path=ppt/slideLayouts/slideLayout13.xml><?xml version="1.0" encoding="utf-8"?>
 <p:sldLayout xmlns:a="http://schemas.openxmlformats.org/drawingml/2006/main" xmlns:r="http://schemas.openxmlformats.org/officeDocument/2006/relationships" xmlns:p="http://schemas.openxmlformats.org/presentationml/2006/main" userDrawn="1">
   <p:cSld name="Two column content">
     <p:bg>
@@ -8376,7 +7816,7 @@
 </p:sldLayout>
 </file>
 
-<file path=ppt/slideLayouts/slideLayout14.xml><?xml version="1.0" encoding="utf-8"?>
+<file path=ppt/slideLayouts/slideLayout13.xml><?xml version="1.0" encoding="utf-8"?>
 <p:sldLayout xmlns:a="http://schemas.openxmlformats.org/drawingml/2006/main" xmlns:r="http://schemas.openxmlformats.org/officeDocument/2006/relationships" xmlns:p="http://schemas.openxmlformats.org/presentationml/2006/main" matchingName="Title and body" type="tx">
   <p:cSld name="Title and body">
     <p:spTree>
@@ -8753,7 +8193,7 @@
 </p:sldLayout>
 </file>
 
-<file path=ppt/slideLayouts/slideLayout15.xml><?xml version="1.0" encoding="utf-8"?>
+<file path=ppt/slideLayouts/slideLayout14.xml><?xml version="1.0" encoding="utf-8"?>
 <p:sldLayout xmlns:a="http://schemas.openxmlformats.org/drawingml/2006/main" xmlns:r="http://schemas.openxmlformats.org/officeDocument/2006/relationships" xmlns:p="http://schemas.openxmlformats.org/presentationml/2006/main" matchingName="Title and two columns" type="twoColTx">
   <p:cSld name="Title and two columns">
     <p:spTree>
@@ -9263,7 +8703,7 @@
 </p:sldLayout>
 </file>
 
-<file path=ppt/slideLayouts/slideLayout16.xml><?xml version="1.0" encoding="utf-8"?>
+<file path=ppt/slideLayouts/slideLayout15.xml><?xml version="1.0" encoding="utf-8"?>
 <p:sldLayout xmlns:a="http://schemas.openxmlformats.org/drawingml/2006/main" xmlns:r="http://schemas.openxmlformats.org/officeDocument/2006/relationships" xmlns:p="http://schemas.openxmlformats.org/presentationml/2006/main" matchingName="Title only" type="titleOnly">
   <p:cSld name="Title only">
     <p:spTree>
@@ -9507,7 +8947,7 @@
 </p:sldLayout>
 </file>
 
-<file path=ppt/slideLayouts/slideLayout17.xml><?xml version="1.0" encoding="utf-8"?>
+<file path=ppt/slideLayouts/slideLayout16.xml><?xml version="1.0" encoding="utf-8"?>
 <p:sldLayout xmlns:a="http://schemas.openxmlformats.org/drawingml/2006/main" xmlns:r="http://schemas.openxmlformats.org/officeDocument/2006/relationships" xmlns:p="http://schemas.openxmlformats.org/presentationml/2006/main" matchingName="Caption">
   <p:cSld name="Caption">
     <p:spTree>
@@ -9769,7 +9209,7 @@
 </p:sldLayout>
 </file>
 
-<file path=ppt/slideLayouts/slideLayout18.xml><?xml version="1.0" encoding="utf-8"?>
+<file path=ppt/slideLayouts/slideLayout17.xml><?xml version="1.0" encoding="utf-8"?>
 <p:sldLayout xmlns:a="http://schemas.openxmlformats.org/drawingml/2006/main" xmlns:r="http://schemas.openxmlformats.org/officeDocument/2006/relationships" xmlns:p="http://schemas.openxmlformats.org/presentationml/2006/main" matchingName="Blank" type="blank">
   <p:cSld name="Blank">
     <p:spTree>
@@ -9799,7 +9239,7 @@
 </p:sldLayout>
 </file>
 
-<file path=ppt/slideLayouts/slideLayout19.xml><?xml version="1.0" encoding="utf-8"?>
+<file path=ppt/slideLayouts/slideLayout18.xml><?xml version="1.0" encoding="utf-8"?>
 <p:sldLayout xmlns:a="http://schemas.openxmlformats.org/drawingml/2006/main" xmlns:r="http://schemas.openxmlformats.org/officeDocument/2006/relationships" xmlns:p="http://schemas.openxmlformats.org/presentationml/2006/main" userDrawn="1">
   <p:cSld name="Title and bullets">
     <p:spTree>
@@ -10010,6 +9450,340 @@
     <p:extLst>
       <p:ext uri="{BB962C8B-B14F-4D97-AF65-F5344CB8AC3E}">
         <p14:creationId xmlns:p14="http://schemas.microsoft.com/office/powerpoint/2010/main" val="2113198898"/>
+      </p:ext>
+    </p:extLst>
+  </p:cSld>
+  <p:clrMapOvr>
+    <a:masterClrMapping/>
+  </p:clrMapOvr>
+</p:sldLayout>
+</file>
+
+<file path=ppt/slideLayouts/slideLayout19.xml><?xml version="1.0" encoding="utf-8"?>
+<p:sldLayout xmlns:a="http://schemas.openxmlformats.org/drawingml/2006/main" xmlns:r="http://schemas.openxmlformats.org/officeDocument/2006/relationships" xmlns:p="http://schemas.openxmlformats.org/presentationml/2006/main" userDrawn="1">
+  <p:cSld name="1_Title &amp; Wide Bullets &amp; 2 Content">
+    <p:spTree>
+      <p:nvGrpSpPr>
+        <p:cNvPr id="1" name=""/>
+        <p:cNvGrpSpPr/>
+        <p:nvPr/>
+      </p:nvGrpSpPr>
+      <p:grpSpPr>
+        <a:xfrm>
+          <a:off x="0" y="0"/>
+          <a:ext cx="0" cy="0"/>
+          <a:chOff x="0" y="0"/>
+          <a:chExt cx="0" cy="0"/>
+        </a:xfrm>
+      </p:grpSpPr>
+      <p:sp>
+        <p:nvSpPr>
+          <p:cNvPr id="2" name="Title 1"/>
+          <p:cNvSpPr>
+            <a:spLocks noGrp="1"/>
+          </p:cNvSpPr>
+          <p:nvPr>
+            <p:ph type="title" hasCustomPrompt="1"/>
+          </p:nvPr>
+        </p:nvSpPr>
+        <p:spPr/>
+        <p:txBody>
+          <a:bodyPr/>
+          <a:lstStyle/>
+          <a:p>
+            <a:r>
+              <a:rPr lang="en-US" dirty="0"/>
+              <a:t>Click to add slide title for slide with bullets &amp; wide image/content</a:t>
+            </a:r>
+          </a:p>
+        </p:txBody>
+      </p:sp>
+      <p:sp>
+        <p:nvSpPr>
+          <p:cNvPr id="3" name="Content Placeholder 1"/>
+          <p:cNvSpPr>
+            <a:spLocks noGrp="1"/>
+          </p:cNvSpPr>
+          <p:nvPr>
+            <p:ph idx="1" hasCustomPrompt="1"/>
+          </p:nvPr>
+        </p:nvSpPr>
+        <p:spPr>
+          <a:xfrm>
+            <a:off x="199085" y="1600202"/>
+            <a:ext cx="11810881" cy="2219959"/>
+          </a:xfrm>
+        </p:spPr>
+        <p:txBody>
+          <a:bodyPr/>
+          <a:lstStyle>
+            <a:lvl1pPr marL="385224" indent="-385224">
+              <a:buFont typeface="Arial" panose="020B0604020202020204" pitchFamily="34" charset="0"/>
+              <a:buChar char="►"/>
+              <a:defRPr baseline="0"/>
+            </a:lvl1pPr>
+            <a:lvl2pPr marL="757748" indent="-378875">
+              <a:buFont typeface="Arial" panose="020B0604020202020204" pitchFamily="34" charset="0"/>
+              <a:buChar char="►"/>
+              <a:defRPr/>
+            </a:lvl2pPr>
+            <a:lvl3pPr marL="1077357" indent="-313259">
+              <a:buFont typeface="Arial" panose="020B0604020202020204" pitchFamily="34" charset="0"/>
+              <a:buChar char="●"/>
+              <a:tabLst/>
+              <a:defRPr/>
+            </a:lvl3pPr>
+            <a:lvl4pPr marL="1828754" indent="0">
+              <a:buNone/>
+              <a:defRPr/>
+            </a:lvl4pPr>
+            <a:lvl5pPr marL="2438339" indent="0">
+              <a:buNone/>
+              <a:defRPr/>
+            </a:lvl5pPr>
+          </a:lstStyle>
+          <a:p>
+            <a:pPr lvl="0"/>
+            <a:r>
+              <a:rPr lang="en-US" dirty="0"/>
+              <a:t>Click to add first-level bullet</a:t>
+            </a:r>
+          </a:p>
+          <a:p>
+            <a:pPr lvl="1"/>
+            <a:r>
+              <a:rPr lang="en-US" dirty="0"/>
+              <a:t>Second level</a:t>
+            </a:r>
+          </a:p>
+          <a:p>
+            <a:pPr lvl="2"/>
+            <a:r>
+              <a:rPr lang="en-US" dirty="0"/>
+              <a:t>Third level</a:t>
+            </a:r>
+          </a:p>
+        </p:txBody>
+      </p:sp>
+      <p:sp>
+        <p:nvSpPr>
+          <p:cNvPr id="6" name="Content Placeholder 2"/>
+          <p:cNvSpPr>
+            <a:spLocks noGrp="1"/>
+          </p:cNvSpPr>
+          <p:nvPr>
+            <p:ph idx="12" hasCustomPrompt="1"/>
+          </p:nvPr>
+        </p:nvSpPr>
+        <p:spPr>
+          <a:xfrm>
+            <a:off x="199084" y="3901442"/>
+            <a:ext cx="3480888" cy="2219959"/>
+          </a:xfrm>
+        </p:spPr>
+        <p:txBody>
+          <a:bodyPr/>
+          <a:lstStyle>
+            <a:lvl1pPr marL="385224" indent="-385224" algn="l">
+              <a:buFont typeface="Arial" panose="020B0604020202020204" pitchFamily="34" charset="0"/>
+              <a:buChar char="►"/>
+              <a:defRPr baseline="0"/>
+            </a:lvl1pPr>
+            <a:lvl2pPr marL="757748" indent="-378875" algn="l">
+              <a:buFont typeface="Arial" panose="020B0604020202020204" pitchFamily="34" charset="0"/>
+              <a:buChar char="►"/>
+              <a:defRPr/>
+            </a:lvl2pPr>
+            <a:lvl3pPr marL="1077357" indent="-313259" algn="l">
+              <a:buFont typeface="Arial" panose="020B0604020202020204" pitchFamily="34" charset="0"/>
+              <a:buChar char="●"/>
+              <a:tabLst/>
+              <a:defRPr/>
+            </a:lvl3pPr>
+            <a:lvl4pPr marL="1828754" indent="0">
+              <a:buNone/>
+              <a:defRPr/>
+            </a:lvl4pPr>
+            <a:lvl5pPr marL="2438339" indent="0">
+              <a:buNone/>
+              <a:defRPr/>
+            </a:lvl5pPr>
+          </a:lstStyle>
+          <a:p>
+            <a:pPr lvl="0"/>
+            <a:r>
+              <a:rPr lang="en-US" dirty="0"/>
+              <a:t>Click to add first-level bullet</a:t>
+            </a:r>
+          </a:p>
+          <a:p>
+            <a:pPr lvl="1"/>
+            <a:r>
+              <a:rPr lang="en-US" dirty="0"/>
+              <a:t>Second level</a:t>
+            </a:r>
+          </a:p>
+          <a:p>
+            <a:pPr lvl="2"/>
+            <a:r>
+              <a:rPr lang="en-US" dirty="0"/>
+              <a:t>Third level</a:t>
+            </a:r>
+          </a:p>
+        </p:txBody>
+      </p:sp>
+      <p:sp>
+        <p:nvSpPr>
+          <p:cNvPr id="5" name="Source"/>
+          <p:cNvSpPr>
+            <a:spLocks noGrp="1"/>
+          </p:cNvSpPr>
+          <p:nvPr>
+            <p:ph idx="11" hasCustomPrompt="1"/>
+          </p:nvPr>
+        </p:nvSpPr>
+        <p:spPr>
+          <a:xfrm>
+            <a:off x="199085" y="6378786"/>
+            <a:ext cx="10841449" cy="373381"/>
+          </a:xfrm>
+          <a:prstGeom prst="rect">
+            <a:avLst/>
+          </a:prstGeom>
+          <a:noFill/>
+          <a:ln w="9525" cap="flat" cmpd="sng" algn="ctr">
+            <a:noFill/>
+            <a:prstDash val="solid"/>
+            <a:miter lim="800000"/>
+            <a:headEnd type="none" w="med" len="med"/>
+            <a:tailEnd type="none" w="med" len="med"/>
+          </a:ln>
+        </p:spPr>
+        <p:txBody>
+          <a:bodyPr lIns="0" tIns="0" rIns="0" bIns="0" anchor="b">
+            <a:normAutofit/>
+          </a:bodyPr>
+          <a:lstStyle>
+            <a:lvl1pPr marL="0" marR="0" indent="0" algn="l" defTabSz="1219170" rtl="0" eaLnBrk="0" fontAlgn="base" latinLnBrk="0" hangingPunct="0">
+              <a:lnSpc>
+                <a:spcPct val="100000"/>
+              </a:lnSpc>
+              <a:spcBef>
+                <a:spcPts val="0"/>
+              </a:spcBef>
+              <a:spcAft>
+                <a:spcPct val="0"/>
+              </a:spcAft>
+              <a:buClr>
+                <a:srgbClr val="B50D0D"/>
+              </a:buClr>
+              <a:buSzPct val="100000"/>
+              <a:buFont typeface="Wingdings" pitchFamily="-1" charset="2"/>
+              <a:buNone/>
+              <a:tabLst/>
+              <a:defRPr sz="1600" baseline="0">
+                <a:solidFill>
+                  <a:srgbClr val="000000"/>
+                </a:solidFill>
+                <a:latin typeface="Calibri"/>
+                <a:cs typeface="Calibri"/>
+              </a:defRPr>
+            </a:lvl1pPr>
+            <a:lvl2pPr marL="999042" indent="-541853">
+              <a:spcBef>
+                <a:spcPts val="0"/>
+              </a:spcBef>
+              <a:buClr>
+                <a:srgbClr val="B50D0D"/>
+              </a:buClr>
+              <a:buFont typeface="Lucida Grande"/>
+              <a:buNone/>
+              <a:defRPr sz="1333">
+                <a:latin typeface="Georgia"/>
+                <a:cs typeface="Georgia"/>
+              </a:defRPr>
+            </a:lvl2pPr>
+            <a:lvl3pPr marL="1066773" indent="457189">
+              <a:spcBef>
+                <a:spcPts val="0"/>
+              </a:spcBef>
+              <a:buClr>
+                <a:srgbClr val="B50D0D"/>
+              </a:buClr>
+              <a:buNone/>
+              <a:defRPr sz="1333" baseline="0">
+                <a:latin typeface="Georgia"/>
+                <a:cs typeface="Georgia"/>
+              </a:defRPr>
+            </a:lvl3pPr>
+            <a:lvl4pPr>
+              <a:buClr>
+                <a:srgbClr val="B50D0D"/>
+              </a:buClr>
+              <a:defRPr sz="3733"/>
+            </a:lvl4pPr>
+            <a:lvl5pPr>
+              <a:buClr>
+                <a:srgbClr val="B50D0D"/>
+              </a:buClr>
+              <a:defRPr sz="3733"/>
+            </a:lvl5pPr>
+          </a:lstStyle>
+          <a:p>
+            <a:pPr lvl="0"/>
+            <a:r>
+              <a:rPr lang="en-US" dirty="0"/>
+              <a:t>Click to add source information</a:t>
+            </a:r>
+          </a:p>
+        </p:txBody>
+      </p:sp>
+      <p:sp>
+        <p:nvSpPr>
+          <p:cNvPr id="13" name="Content Placeholder 12"/>
+          <p:cNvSpPr>
+            <a:spLocks noGrp="1"/>
+          </p:cNvSpPr>
+          <p:nvPr>
+            <p:ph sz="quarter" idx="13" hasCustomPrompt="1"/>
+          </p:nvPr>
+        </p:nvSpPr>
+        <p:spPr>
+          <a:xfrm>
+            <a:off x="3856567" y="3901440"/>
+            <a:ext cx="8153399" cy="2219959"/>
+          </a:xfrm>
+        </p:spPr>
+        <p:txBody>
+          <a:bodyPr/>
+          <a:lstStyle/>
+          <a:p>
+            <a:pPr lvl="0"/>
+            <a:r>
+              <a:rPr lang="en-US" dirty="0"/>
+              <a:t>Click to add first-level bullet</a:t>
+            </a:r>
+          </a:p>
+          <a:p>
+            <a:pPr lvl="1"/>
+            <a:r>
+              <a:rPr lang="en-US" dirty="0"/>
+              <a:t>Second level</a:t>
+            </a:r>
+          </a:p>
+          <a:p>
+            <a:pPr lvl="2"/>
+            <a:r>
+              <a:rPr lang="en-US" dirty="0"/>
+              <a:t>Third level</a:t>
+            </a:r>
+          </a:p>
+        </p:txBody>
+      </p:sp>
+    </p:spTree>
+    <p:extLst>
+      <p:ext uri="{BB962C8B-B14F-4D97-AF65-F5344CB8AC3E}">
+        <p14:creationId xmlns:p14="http://schemas.microsoft.com/office/powerpoint/2010/main" val="502255815"/>
       </p:ext>
     </p:extLst>
   </p:cSld>
@@ -10128,7 +9902,7 @@
           <a:p>
             <a:fld id="{42BD1637-0D27-F54B-A3CE-C829B5942E2D}" type="datetimeFigureOut">
               <a:rPr lang="en-US" smtClean="0"/>
-              <a:t>7/27/23</a:t>
+              <a:t>9/14/23</a:t>
             </a:fld>
             <a:endParaRPr lang="en-US"/>
           </a:p>
@@ -10191,7 +9965,7 @@
 
 <file path=ppt/slideLayouts/slideLayout20.xml><?xml version="1.0" encoding="utf-8"?>
 <p:sldLayout xmlns:a="http://schemas.openxmlformats.org/drawingml/2006/main" xmlns:r="http://schemas.openxmlformats.org/officeDocument/2006/relationships" xmlns:p="http://schemas.openxmlformats.org/presentationml/2006/main" userDrawn="1">
-  <p:cSld name="1_Title &amp; Wide Bullets &amp; 2 Content">
+  <p:cSld name="Title &amp; Bullets &amp; Wide Image">
     <p:spTree>
       <p:nvGrpSpPr>
         <p:cNvPr id="1" name=""/>
@@ -10308,23 +10082,23 @@
         <p:spPr>
           <a:xfrm>
             <a:off x="199084" y="3901442"/>
-            <a:ext cx="3480888" cy="2219959"/>
+            <a:ext cx="11810881" cy="2219959"/>
           </a:xfrm>
         </p:spPr>
         <p:txBody>
           <a:bodyPr/>
           <a:lstStyle>
-            <a:lvl1pPr marL="385224" indent="-385224" algn="l">
+            <a:lvl1pPr marL="385224" indent="-385224">
               <a:buFont typeface="Arial" panose="020B0604020202020204" pitchFamily="34" charset="0"/>
               <a:buChar char="►"/>
               <a:defRPr baseline="0"/>
             </a:lvl1pPr>
-            <a:lvl2pPr marL="757748" indent="-378875" algn="l">
+            <a:lvl2pPr marL="757748" indent="-378875">
               <a:buFont typeface="Arial" panose="020B0604020202020204" pitchFamily="34" charset="0"/>
               <a:buChar char="►"/>
               <a:defRPr/>
             </a:lvl2pPr>
-            <a:lvl3pPr marL="1077357" indent="-313259" algn="l">
+            <a:lvl3pPr marL="1077357" indent="-313259">
               <a:buFont typeface="Arial" panose="020B0604020202020204" pitchFamily="34" charset="0"/>
               <a:buChar char="●"/>
               <a:tabLst/>
@@ -10468,340 +10242,6 @@
           </a:p>
         </p:txBody>
       </p:sp>
-      <p:sp>
-        <p:nvSpPr>
-          <p:cNvPr id="13" name="Content Placeholder 12"/>
-          <p:cNvSpPr>
-            <a:spLocks noGrp="1"/>
-          </p:cNvSpPr>
-          <p:nvPr>
-            <p:ph sz="quarter" idx="13" hasCustomPrompt="1"/>
-          </p:nvPr>
-        </p:nvSpPr>
-        <p:spPr>
-          <a:xfrm>
-            <a:off x="3856567" y="3901440"/>
-            <a:ext cx="8153399" cy="2219959"/>
-          </a:xfrm>
-        </p:spPr>
-        <p:txBody>
-          <a:bodyPr/>
-          <a:lstStyle/>
-          <a:p>
-            <a:pPr lvl="0"/>
-            <a:r>
-              <a:rPr lang="en-US" dirty="0"/>
-              <a:t>Click to add first-level bullet</a:t>
-            </a:r>
-          </a:p>
-          <a:p>
-            <a:pPr lvl="1"/>
-            <a:r>
-              <a:rPr lang="en-US" dirty="0"/>
-              <a:t>Second level</a:t>
-            </a:r>
-          </a:p>
-          <a:p>
-            <a:pPr lvl="2"/>
-            <a:r>
-              <a:rPr lang="en-US" dirty="0"/>
-              <a:t>Third level</a:t>
-            </a:r>
-          </a:p>
-        </p:txBody>
-      </p:sp>
-    </p:spTree>
-    <p:extLst>
-      <p:ext uri="{BB962C8B-B14F-4D97-AF65-F5344CB8AC3E}">
-        <p14:creationId xmlns:p14="http://schemas.microsoft.com/office/powerpoint/2010/main" val="502255815"/>
-      </p:ext>
-    </p:extLst>
-  </p:cSld>
-  <p:clrMapOvr>
-    <a:masterClrMapping/>
-  </p:clrMapOvr>
-</p:sldLayout>
-</file>
-
-<file path=ppt/slideLayouts/slideLayout21.xml><?xml version="1.0" encoding="utf-8"?>
-<p:sldLayout xmlns:a="http://schemas.openxmlformats.org/drawingml/2006/main" xmlns:r="http://schemas.openxmlformats.org/officeDocument/2006/relationships" xmlns:p="http://schemas.openxmlformats.org/presentationml/2006/main" userDrawn="1">
-  <p:cSld name="Title &amp; Bullets &amp; Wide Image">
-    <p:spTree>
-      <p:nvGrpSpPr>
-        <p:cNvPr id="1" name=""/>
-        <p:cNvGrpSpPr/>
-        <p:nvPr/>
-      </p:nvGrpSpPr>
-      <p:grpSpPr>
-        <a:xfrm>
-          <a:off x="0" y="0"/>
-          <a:ext cx="0" cy="0"/>
-          <a:chOff x="0" y="0"/>
-          <a:chExt cx="0" cy="0"/>
-        </a:xfrm>
-      </p:grpSpPr>
-      <p:sp>
-        <p:nvSpPr>
-          <p:cNvPr id="2" name="Title 1"/>
-          <p:cNvSpPr>
-            <a:spLocks noGrp="1"/>
-          </p:cNvSpPr>
-          <p:nvPr>
-            <p:ph type="title" hasCustomPrompt="1"/>
-          </p:nvPr>
-        </p:nvSpPr>
-        <p:spPr/>
-        <p:txBody>
-          <a:bodyPr/>
-          <a:lstStyle/>
-          <a:p>
-            <a:r>
-              <a:rPr lang="en-US" dirty="0"/>
-              <a:t>Click to add slide title for slide with bullets &amp; wide image/content</a:t>
-            </a:r>
-          </a:p>
-        </p:txBody>
-      </p:sp>
-      <p:sp>
-        <p:nvSpPr>
-          <p:cNvPr id="3" name="Content Placeholder 1"/>
-          <p:cNvSpPr>
-            <a:spLocks noGrp="1"/>
-          </p:cNvSpPr>
-          <p:nvPr>
-            <p:ph idx="1" hasCustomPrompt="1"/>
-          </p:nvPr>
-        </p:nvSpPr>
-        <p:spPr>
-          <a:xfrm>
-            <a:off x="199085" y="1600202"/>
-            <a:ext cx="11810881" cy="2219959"/>
-          </a:xfrm>
-        </p:spPr>
-        <p:txBody>
-          <a:bodyPr/>
-          <a:lstStyle>
-            <a:lvl1pPr marL="385224" indent="-385224">
-              <a:buFont typeface="Arial" panose="020B0604020202020204" pitchFamily="34" charset="0"/>
-              <a:buChar char="►"/>
-              <a:defRPr baseline="0"/>
-            </a:lvl1pPr>
-            <a:lvl2pPr marL="757748" indent="-378875">
-              <a:buFont typeface="Arial" panose="020B0604020202020204" pitchFamily="34" charset="0"/>
-              <a:buChar char="►"/>
-              <a:defRPr/>
-            </a:lvl2pPr>
-            <a:lvl3pPr marL="1077357" indent="-313259">
-              <a:buFont typeface="Arial" panose="020B0604020202020204" pitchFamily="34" charset="0"/>
-              <a:buChar char="●"/>
-              <a:tabLst/>
-              <a:defRPr/>
-            </a:lvl3pPr>
-            <a:lvl4pPr marL="1828754" indent="0">
-              <a:buNone/>
-              <a:defRPr/>
-            </a:lvl4pPr>
-            <a:lvl5pPr marL="2438339" indent="0">
-              <a:buNone/>
-              <a:defRPr/>
-            </a:lvl5pPr>
-          </a:lstStyle>
-          <a:p>
-            <a:pPr lvl="0"/>
-            <a:r>
-              <a:rPr lang="en-US" dirty="0"/>
-              <a:t>Click to add first-level bullet</a:t>
-            </a:r>
-          </a:p>
-          <a:p>
-            <a:pPr lvl="1"/>
-            <a:r>
-              <a:rPr lang="en-US" dirty="0"/>
-              <a:t>Second level</a:t>
-            </a:r>
-          </a:p>
-          <a:p>
-            <a:pPr lvl="2"/>
-            <a:r>
-              <a:rPr lang="en-US" dirty="0"/>
-              <a:t>Third level</a:t>
-            </a:r>
-          </a:p>
-        </p:txBody>
-      </p:sp>
-      <p:sp>
-        <p:nvSpPr>
-          <p:cNvPr id="6" name="Content Placeholder 2"/>
-          <p:cNvSpPr>
-            <a:spLocks noGrp="1"/>
-          </p:cNvSpPr>
-          <p:nvPr>
-            <p:ph idx="12" hasCustomPrompt="1"/>
-          </p:nvPr>
-        </p:nvSpPr>
-        <p:spPr>
-          <a:xfrm>
-            <a:off x="199084" y="3901442"/>
-            <a:ext cx="11810881" cy="2219959"/>
-          </a:xfrm>
-        </p:spPr>
-        <p:txBody>
-          <a:bodyPr/>
-          <a:lstStyle>
-            <a:lvl1pPr marL="385224" indent="-385224">
-              <a:buFont typeface="Arial" panose="020B0604020202020204" pitchFamily="34" charset="0"/>
-              <a:buChar char="►"/>
-              <a:defRPr baseline="0"/>
-            </a:lvl1pPr>
-            <a:lvl2pPr marL="757748" indent="-378875">
-              <a:buFont typeface="Arial" panose="020B0604020202020204" pitchFamily="34" charset="0"/>
-              <a:buChar char="►"/>
-              <a:defRPr/>
-            </a:lvl2pPr>
-            <a:lvl3pPr marL="1077357" indent="-313259">
-              <a:buFont typeface="Arial" panose="020B0604020202020204" pitchFamily="34" charset="0"/>
-              <a:buChar char="●"/>
-              <a:tabLst/>
-              <a:defRPr/>
-            </a:lvl3pPr>
-            <a:lvl4pPr marL="1828754" indent="0">
-              <a:buNone/>
-              <a:defRPr/>
-            </a:lvl4pPr>
-            <a:lvl5pPr marL="2438339" indent="0">
-              <a:buNone/>
-              <a:defRPr/>
-            </a:lvl5pPr>
-          </a:lstStyle>
-          <a:p>
-            <a:pPr lvl="0"/>
-            <a:r>
-              <a:rPr lang="en-US" dirty="0"/>
-              <a:t>Click to add first-level bullet</a:t>
-            </a:r>
-          </a:p>
-          <a:p>
-            <a:pPr lvl="1"/>
-            <a:r>
-              <a:rPr lang="en-US" dirty="0"/>
-              <a:t>Second level</a:t>
-            </a:r>
-          </a:p>
-          <a:p>
-            <a:pPr lvl="2"/>
-            <a:r>
-              <a:rPr lang="en-US" dirty="0"/>
-              <a:t>Third level</a:t>
-            </a:r>
-          </a:p>
-        </p:txBody>
-      </p:sp>
-      <p:sp>
-        <p:nvSpPr>
-          <p:cNvPr id="5" name="Source"/>
-          <p:cNvSpPr>
-            <a:spLocks noGrp="1"/>
-          </p:cNvSpPr>
-          <p:nvPr>
-            <p:ph idx="11" hasCustomPrompt="1"/>
-          </p:nvPr>
-        </p:nvSpPr>
-        <p:spPr>
-          <a:xfrm>
-            <a:off x="199085" y="6378786"/>
-            <a:ext cx="10841449" cy="373381"/>
-          </a:xfrm>
-          <a:prstGeom prst="rect">
-            <a:avLst/>
-          </a:prstGeom>
-          <a:noFill/>
-          <a:ln w="9525" cap="flat" cmpd="sng" algn="ctr">
-            <a:noFill/>
-            <a:prstDash val="solid"/>
-            <a:miter lim="800000"/>
-            <a:headEnd type="none" w="med" len="med"/>
-            <a:tailEnd type="none" w="med" len="med"/>
-          </a:ln>
-        </p:spPr>
-        <p:txBody>
-          <a:bodyPr lIns="0" tIns="0" rIns="0" bIns="0" anchor="b">
-            <a:normAutofit/>
-          </a:bodyPr>
-          <a:lstStyle>
-            <a:lvl1pPr marL="0" marR="0" indent="0" algn="l" defTabSz="1219170" rtl="0" eaLnBrk="0" fontAlgn="base" latinLnBrk="0" hangingPunct="0">
-              <a:lnSpc>
-                <a:spcPct val="100000"/>
-              </a:lnSpc>
-              <a:spcBef>
-                <a:spcPts val="0"/>
-              </a:spcBef>
-              <a:spcAft>
-                <a:spcPct val="0"/>
-              </a:spcAft>
-              <a:buClr>
-                <a:srgbClr val="B50D0D"/>
-              </a:buClr>
-              <a:buSzPct val="100000"/>
-              <a:buFont typeface="Wingdings" pitchFamily="-1" charset="2"/>
-              <a:buNone/>
-              <a:tabLst/>
-              <a:defRPr sz="1600" baseline="0">
-                <a:solidFill>
-                  <a:srgbClr val="000000"/>
-                </a:solidFill>
-                <a:latin typeface="Calibri"/>
-                <a:cs typeface="Calibri"/>
-              </a:defRPr>
-            </a:lvl1pPr>
-            <a:lvl2pPr marL="999042" indent="-541853">
-              <a:spcBef>
-                <a:spcPts val="0"/>
-              </a:spcBef>
-              <a:buClr>
-                <a:srgbClr val="B50D0D"/>
-              </a:buClr>
-              <a:buFont typeface="Lucida Grande"/>
-              <a:buNone/>
-              <a:defRPr sz="1333">
-                <a:latin typeface="Georgia"/>
-                <a:cs typeface="Georgia"/>
-              </a:defRPr>
-            </a:lvl2pPr>
-            <a:lvl3pPr marL="1066773" indent="457189">
-              <a:spcBef>
-                <a:spcPts val="0"/>
-              </a:spcBef>
-              <a:buClr>
-                <a:srgbClr val="B50D0D"/>
-              </a:buClr>
-              <a:buNone/>
-              <a:defRPr sz="1333" baseline="0">
-                <a:latin typeface="Georgia"/>
-                <a:cs typeface="Georgia"/>
-              </a:defRPr>
-            </a:lvl3pPr>
-            <a:lvl4pPr>
-              <a:buClr>
-                <a:srgbClr val="B50D0D"/>
-              </a:buClr>
-              <a:defRPr sz="3733"/>
-            </a:lvl4pPr>
-            <a:lvl5pPr>
-              <a:buClr>
-                <a:srgbClr val="B50D0D"/>
-              </a:buClr>
-              <a:defRPr sz="3733"/>
-            </a:lvl5pPr>
-          </a:lstStyle>
-          <a:p>
-            <a:pPr lvl="0"/>
-            <a:r>
-              <a:rPr lang="en-US" dirty="0"/>
-              <a:t>Click to add source information</a:t>
-            </a:r>
-          </a:p>
-        </p:txBody>
-      </p:sp>
     </p:spTree>
     <p:extLst>
       <p:ext uri="{BB962C8B-B14F-4D97-AF65-F5344CB8AC3E}">
@@ -10815,7 +10255,7 @@
 </p:sldLayout>
 </file>
 
-<file path=ppt/slideLayouts/slideLayout22.xml><?xml version="1.0" encoding="utf-8"?>
+<file path=ppt/slideLayouts/slideLayout21.xml><?xml version="1.0" encoding="utf-8"?>
 <p:sldLayout xmlns:a="http://schemas.openxmlformats.org/drawingml/2006/main" xmlns:r="http://schemas.openxmlformats.org/officeDocument/2006/relationships" xmlns:p="http://schemas.openxmlformats.org/presentationml/2006/main" userDrawn="1">
   <p:cSld name="Title and table/content">
     <p:spTree>
@@ -11239,7 +10679,7 @@
           <a:p>
             <a:fld id="{42BD1637-0D27-F54B-A3CE-C829B5942E2D}" type="datetimeFigureOut">
               <a:rPr lang="en-US" smtClean="0"/>
-              <a:t>7/27/23</a:t>
+              <a:t>9/14/23</a:t>
             </a:fld>
             <a:endParaRPr lang="en-US"/>
           </a:p>
@@ -11527,7 +10967,7 @@
           <a:p>
             <a:fld id="{42BD1637-0D27-F54B-A3CE-C829B5942E2D}" type="datetimeFigureOut">
               <a:rPr lang="en-US" smtClean="0"/>
-              <a:t>7/27/23</a:t>
+              <a:t>9/14/23</a:t>
             </a:fld>
             <a:endParaRPr lang="en-US"/>
           </a:p>
@@ -11969,7 +11409,7 @@
           <a:p>
             <a:fld id="{42BD1637-0D27-F54B-A3CE-C829B5942E2D}" type="datetimeFigureOut">
               <a:rPr lang="en-US" smtClean="0"/>
-              <a:t>7/27/23</a:t>
+              <a:t>9/14/23</a:t>
             </a:fld>
             <a:endParaRPr lang="en-US"/>
           </a:p>
@@ -12087,7 +11527,7 @@
           <a:p>
             <a:fld id="{42BD1637-0D27-F54B-A3CE-C829B5942E2D}" type="datetimeFigureOut">
               <a:rPr lang="en-US" smtClean="0"/>
-              <a:t>7/27/23</a:t>
+              <a:t>9/14/23</a:t>
             </a:fld>
             <a:endParaRPr lang="en-US"/>
           </a:p>
@@ -12182,7 +11622,7 @@
           <a:p>
             <a:fld id="{42BD1637-0D27-F54B-A3CE-C829B5942E2D}" type="datetimeFigureOut">
               <a:rPr lang="en-US" smtClean="0"/>
-              <a:t>7/27/23</a:t>
+              <a:t>9/14/23</a:t>
             </a:fld>
             <a:endParaRPr lang="en-US"/>
           </a:p>
@@ -12470,7 +11910,7 @@
           <a:p>
             <a:fld id="{42BD1637-0D27-F54B-A3CE-C829B5942E2D}" type="datetimeFigureOut">
               <a:rPr lang="en-US" smtClean="0"/>
-              <a:t>7/27/23</a:t>
+              <a:t>9/14/23</a:t>
             </a:fld>
             <a:endParaRPr lang="en-US"/>
           </a:p>
@@ -12743,7 +12183,7 @@
           <a:p>
             <a:fld id="{42BD1637-0D27-F54B-A3CE-C829B5942E2D}" type="datetimeFigureOut">
               <a:rPr lang="en-US" smtClean="0"/>
-              <a:t>7/27/23</a:t>
+              <a:t>9/14/23</a:t>
             </a:fld>
             <a:endParaRPr lang="en-US"/>
           </a:p>
@@ -13040,7 +12480,7 @@
           <a:p>
             <a:fld id="{42BD1637-0D27-F54B-A3CE-C829B5942E2D}" type="datetimeFigureOut">
               <a:rPr lang="en-US" smtClean="0"/>
-              <a:t>7/27/23</a:t>
+              <a:t>9/14/23</a:t>
             </a:fld>
             <a:endParaRPr lang="en-US"/>
           </a:p>
@@ -13143,8 +12583,7 @@
     <p:sldLayoutId id="2147483681" r:id="rId9"/>
     <p:sldLayoutId id="2147483682" r:id="rId10"/>
     <p:sldLayoutId id="2147483683" r:id="rId11"/>
-    <p:sldLayoutId id="2147483698" r:id="rId12"/>
-    <p:sldLayoutId id="2147483699" r:id="rId13"/>
+    <p:sldLayoutId id="2147483699" r:id="rId12"/>
   </p:sldLayoutIdLst>
   <p:txStyles>
     <p:titleStyle>
@@ -14843,6 +14282,147 @@
   <p:cSld>
     <p:spTree>
       <p:nvGrpSpPr>
+        <p:cNvPr id="1" name="Shape 132"/>
+        <p:cNvGrpSpPr/>
+        <p:nvPr/>
+      </p:nvGrpSpPr>
+      <p:grpSpPr>
+        <a:xfrm>
+          <a:off x="0" y="0"/>
+          <a:ext cx="0" cy="0"/>
+          <a:chOff x="0" y="0"/>
+          <a:chExt cx="0" cy="0"/>
+        </a:xfrm>
+      </p:grpSpPr>
+      <p:sp>
+        <p:nvSpPr>
+          <p:cNvPr id="133" name="Google Shape;133;p22"/>
+          <p:cNvSpPr txBox="1">
+            <a:spLocks noGrp="1"/>
+          </p:cNvSpPr>
+          <p:nvPr>
+            <p:ph type="body" idx="1"/>
+          </p:nvPr>
+        </p:nvSpPr>
+        <p:spPr>
+          <a:xfrm>
+            <a:off x="1981200" y="1493850"/>
+            <a:ext cx="8154000" cy="5013300"/>
+          </a:xfrm>
+          <a:prstGeom prst="rect">
+            <a:avLst/>
+          </a:prstGeom>
+        </p:spPr>
+        <p:txBody>
+          <a:bodyPr spcFirstLastPara="1" wrap="square" lIns="91425" tIns="91425" rIns="91425" bIns="91425" anchor="t" anchorCtr="0">
+            <a:noAutofit/>
+          </a:bodyPr>
+          <a:lstStyle/>
+          <a:p>
+            <a:pPr marL="0" indent="0">
+              <a:lnSpc>
+                <a:spcPct val="115000"/>
+              </a:lnSpc>
+              <a:buNone/>
+            </a:pPr>
+            <a:r>
+              <a:rPr lang="en" sz="1900">
+                <a:solidFill>
+                  <a:srgbClr val="000000"/>
+                </a:solidFill>
+              </a:rPr>
+              <a:t>How would you describe the shape of the distribution of hours per week students spend on extracurricular activities?</a:t>
+            </a:r>
+            <a:endParaRPr sz="1900">
+              <a:solidFill>
+                <a:schemeClr val="accent1"/>
+              </a:solidFill>
+            </a:endParaRPr>
+          </a:p>
+        </p:txBody>
+      </p:sp>
+      <p:sp>
+        <p:nvSpPr>
+          <p:cNvPr id="134" name="Google Shape;134;p22"/>
+          <p:cNvSpPr txBox="1">
+            <a:spLocks noGrp="1"/>
+          </p:cNvSpPr>
+          <p:nvPr>
+            <p:ph type="title"/>
+          </p:nvPr>
+        </p:nvSpPr>
+        <p:spPr>
+          <a:xfrm>
+            <a:off x="1981200" y="350838"/>
+            <a:ext cx="8229600" cy="1143000"/>
+          </a:xfrm>
+          <a:prstGeom prst="rect">
+            <a:avLst/>
+          </a:prstGeom>
+        </p:spPr>
+        <p:txBody>
+          <a:bodyPr spcFirstLastPara="1" wrap="square" lIns="91425" tIns="91425" rIns="91425" bIns="91425" anchor="b" anchorCtr="0">
+            <a:noAutofit/>
+          </a:bodyPr>
+          <a:lstStyle/>
+          <a:p>
+            <a:r>
+              <a:rPr lang="en">
+                <a:solidFill>
+                  <a:schemeClr val="accent1"/>
+                </a:solidFill>
+              </a:rPr>
+              <a:t>Extracurricular activities</a:t>
+            </a:r>
+            <a:endParaRPr>
+              <a:solidFill>
+                <a:schemeClr val="accent1"/>
+              </a:solidFill>
+            </a:endParaRPr>
+          </a:p>
+        </p:txBody>
+      </p:sp>
+      <p:pic>
+        <p:nvPicPr>
+          <p:cNvPr id="135" name="Google Shape;135;p22"/>
+          <p:cNvPicPr preferRelativeResize="0"/>
+          <p:nvPr/>
+        </p:nvPicPr>
+        <p:blipFill>
+          <a:blip r:embed="rId3">
+            <a:alphaModFix/>
+          </a:blip>
+          <a:stretch>
+            <a:fillRect/>
+          </a:stretch>
+        </p:blipFill>
+        <p:spPr>
+          <a:xfrm>
+            <a:off x="3457624" y="2556899"/>
+            <a:ext cx="5201149" cy="3023925"/>
+          </a:xfrm>
+          <a:prstGeom prst="rect">
+            <a:avLst/>
+          </a:prstGeom>
+          <a:noFill/>
+          <a:ln>
+            <a:noFill/>
+          </a:ln>
+        </p:spPr>
+      </p:pic>
+    </p:spTree>
+  </p:cSld>
+  <p:clrMapOvr>
+    <a:masterClrMapping/>
+  </p:clrMapOvr>
+</p:sld>
+</file>
+
+<file path=ppt/slides/slide11.xml><?xml version="1.0" encoding="utf-8"?>
+<p:sld xmlns:a="http://schemas.openxmlformats.org/drawingml/2006/main" xmlns:r="http://schemas.openxmlformats.org/officeDocument/2006/relationships" xmlns:p="http://schemas.openxmlformats.org/presentationml/2006/main">
+  <p:cSld>
+    <p:spTree>
+      <p:nvGrpSpPr>
         <p:cNvPr id="1" name="Shape 139"/>
         <p:cNvGrpSpPr/>
         <p:nvPr/>
@@ -15002,9 +14582,9 @@
               </a:buClr>
             </a:pPr>
             <a:r>
-              <a:rPr lang="en" i="1" kern="0">
-                <a:solidFill>
-                  <a:srgbClr val="000000"/>
+              <a:rPr lang="en" i="1" kern="0" dirty="0">
+                <a:solidFill>
+                  <a:srgbClr val="FFC000"/>
                 </a:solidFill>
                 <a:latin typeface="Arial"/>
                 <a:cs typeface="Arial"/>
@@ -15012,9 +14592,9 @@
               </a:rPr>
               <a:t>Unimodal and right skewed, with a potentially unusual observation at 60 hours/week.</a:t>
             </a:r>
-            <a:endParaRPr i="1" kern="0">
+            <a:endParaRPr i="1" kern="0" dirty="0">
               <a:solidFill>
-                <a:srgbClr val="000000"/>
+                <a:srgbClr val="FFC000"/>
               </a:solidFill>
               <a:latin typeface="Arial"/>
               <a:cs typeface="Arial"/>
@@ -15031,7 +14611,7 @@
 </p:sld>
 </file>
 
-<file path=ppt/slides/slide11.xml><?xml version="1.0" encoding="utf-8"?>
+<file path=ppt/slides/slide12.xml><?xml version="1.0" encoding="utf-8"?>
 <p:sld xmlns:a="http://schemas.openxmlformats.org/drawingml/2006/main" xmlns:r="http://schemas.openxmlformats.org/officeDocument/2006/relationships" xmlns:p="http://schemas.openxmlformats.org/presentationml/2006/main">
   <p:cSld>
     <p:spTree>
@@ -15149,7 +14729,7 @@
 </p:sld>
 </file>
 
-<file path=ppt/slides/slide12.xml><?xml version="1.0" encoding="utf-8"?>
+<file path=ppt/slides/slide13.xml><?xml version="1.0" encoding="utf-8"?>
 <p:sld xmlns:a="http://schemas.openxmlformats.org/drawingml/2006/main" xmlns:r="http://schemas.openxmlformats.org/officeDocument/2006/relationships" xmlns:p="http://schemas.openxmlformats.org/presentationml/2006/main">
   <p:cSld>
     <p:spTree>
@@ -15378,7 +14958,7 @@
 </p:sld>
 </file>
 
-<file path=ppt/slides/slide13.xml><?xml version="1.0" encoding="utf-8"?>
+<file path=ppt/slides/slide14.xml><?xml version="1.0" encoding="utf-8"?>
 <p:sld xmlns:a="http://schemas.openxmlformats.org/drawingml/2006/main" xmlns:r="http://schemas.openxmlformats.org/officeDocument/2006/relationships" xmlns:p="http://schemas.openxmlformats.org/presentationml/2006/main">
   <p:cSld>
     <p:spTree>
@@ -15688,7 +15268,7 @@
 </p:sld>
 </file>
 
-<file path=ppt/slides/slide14.xml><?xml version="1.0" encoding="utf-8"?>
+<file path=ppt/slides/slide15.xml><?xml version="1.0" encoding="utf-8"?>
 <p:sld xmlns:a="http://schemas.openxmlformats.org/drawingml/2006/main" xmlns:r="http://schemas.openxmlformats.org/officeDocument/2006/relationships" xmlns:p="http://schemas.openxmlformats.org/presentationml/2006/main">
   <p:cSld>
     <p:spTree>
@@ -16079,7 +15659,7 @@
 </p:sld>
 </file>
 
-<file path=ppt/slides/slide15.xml><?xml version="1.0" encoding="utf-8"?>
+<file path=ppt/slides/slide16.xml><?xml version="1.0" encoding="utf-8"?>
 <p:sld xmlns:a="http://schemas.openxmlformats.org/drawingml/2006/main" xmlns:r="http://schemas.openxmlformats.org/officeDocument/2006/relationships" xmlns:p="http://schemas.openxmlformats.org/presentationml/2006/main">
   <p:cSld>
     <p:spTree>
@@ -16551,7 +16131,7 @@
 </p:sld>
 </file>
 
-<file path=ppt/slides/slide16.xml><?xml version="1.0" encoding="utf-8"?>
+<file path=ppt/slides/slide17.xml><?xml version="1.0" encoding="utf-8"?>
 <p:sld xmlns:a="http://schemas.openxmlformats.org/drawingml/2006/main" xmlns:r="http://schemas.openxmlformats.org/officeDocument/2006/relationships" xmlns:p="http://schemas.openxmlformats.org/presentationml/2006/main">
   <p:cSld>
     <p:spTree>
@@ -17128,7 +16708,7 @@
 </p:sld>
 </file>
 
-<file path=ppt/slides/slide17.xml><?xml version="1.0" encoding="utf-8"?>
+<file path=ppt/slides/slide18.xml><?xml version="1.0" encoding="utf-8"?>
 <p:sld xmlns:a="http://schemas.openxmlformats.org/drawingml/2006/main" xmlns:r="http://schemas.openxmlformats.org/officeDocument/2006/relationships" xmlns:p="http://schemas.openxmlformats.org/presentationml/2006/main">
   <p:cSld>
     <p:spTree>
@@ -17786,7 +17366,7 @@
 </p:sld>
 </file>
 
-<file path=ppt/slides/slide18.xml><?xml version="1.0" encoding="utf-8"?>
+<file path=ppt/slides/slide19.xml><?xml version="1.0" encoding="utf-8"?>
 <p:sld xmlns:a="http://schemas.openxmlformats.org/drawingml/2006/main" xmlns:r="http://schemas.openxmlformats.org/officeDocument/2006/relationships" xmlns:p="http://schemas.openxmlformats.org/presentationml/2006/main">
   <p:cSld>
     <p:spTree>
@@ -18525,7 +18105,90 @@
 </p:sld>
 </file>
 
-<file path=ppt/slides/slide19.xml><?xml version="1.0" encoding="utf-8"?>
+<file path=ppt/slides/slide2.xml><?xml version="1.0" encoding="utf-8"?>
+<p:sld xmlns:a="http://schemas.openxmlformats.org/drawingml/2006/main" xmlns:r="http://schemas.openxmlformats.org/officeDocument/2006/relationships" xmlns:p="http://schemas.openxmlformats.org/presentationml/2006/main">
+  <p:cSld>
+    <p:spTree>
+      <p:nvGrpSpPr>
+        <p:cNvPr id="1" name=""/>
+        <p:cNvGrpSpPr/>
+        <p:nvPr/>
+      </p:nvGrpSpPr>
+      <p:grpSpPr>
+        <a:xfrm>
+          <a:off x="0" y="0"/>
+          <a:ext cx="0" cy="0"/>
+          <a:chOff x="0" y="0"/>
+          <a:chExt cx="0" cy="0"/>
+        </a:xfrm>
+      </p:grpSpPr>
+      <p:sp>
+        <p:nvSpPr>
+          <p:cNvPr id="2" name="Title 1">
+            <a:extLst>
+              <a:ext uri="{FF2B5EF4-FFF2-40B4-BE49-F238E27FC236}">
+                <a16:creationId xmlns:a16="http://schemas.microsoft.com/office/drawing/2014/main" id="{61378EDD-6D81-FB96-984E-23C63C4AE1A8}"/>
+              </a:ext>
+            </a:extLst>
+          </p:cNvPr>
+          <p:cNvSpPr>
+            <a:spLocks noGrp="1"/>
+          </p:cNvSpPr>
+          <p:nvPr>
+            <p:ph type="title"/>
+          </p:nvPr>
+        </p:nvSpPr>
+        <p:spPr/>
+        <p:txBody>
+          <a:bodyPr/>
+          <a:lstStyle/>
+          <a:p>
+            <a:r>
+              <a:rPr lang="en-US" dirty="0"/>
+              <a:t>Numerical Data - Continuous</a:t>
+            </a:r>
+          </a:p>
+        </p:txBody>
+      </p:sp>
+      <p:sp>
+        <p:nvSpPr>
+          <p:cNvPr id="3" name="Text Placeholder 2">
+            <a:extLst>
+              <a:ext uri="{FF2B5EF4-FFF2-40B4-BE49-F238E27FC236}">
+                <a16:creationId xmlns:a16="http://schemas.microsoft.com/office/drawing/2014/main" id="{EB4C8F81-0ECB-82F3-427C-150589A745E2}"/>
+              </a:ext>
+            </a:extLst>
+          </p:cNvPr>
+          <p:cNvSpPr>
+            <a:spLocks noGrp="1"/>
+          </p:cNvSpPr>
+          <p:nvPr>
+            <p:ph type="body" idx="1"/>
+          </p:nvPr>
+        </p:nvSpPr>
+        <p:spPr/>
+        <p:txBody>
+          <a:bodyPr/>
+          <a:lstStyle/>
+          <a:p>
+            <a:endParaRPr lang="en-US"/>
+          </a:p>
+        </p:txBody>
+      </p:sp>
+    </p:spTree>
+    <p:extLst>
+      <p:ext uri="{BB962C8B-B14F-4D97-AF65-F5344CB8AC3E}">
+        <p14:creationId xmlns:p14="http://schemas.microsoft.com/office/powerpoint/2010/main" val="468694518"/>
+      </p:ext>
+    </p:extLst>
+  </p:cSld>
+  <p:clrMapOvr>
+    <a:masterClrMapping/>
+  </p:clrMapOvr>
+</p:sld>
+</file>
+
+<file path=ppt/slides/slide20.xml><?xml version="1.0" encoding="utf-8"?>
 <p:sld xmlns:a="http://schemas.openxmlformats.org/drawingml/2006/main" xmlns:r="http://schemas.openxmlformats.org/officeDocument/2006/relationships" xmlns:p="http://schemas.openxmlformats.org/presentationml/2006/main">
   <p:cSld>
     <p:spTree>
@@ -19345,7 +19008,676 @@
 </p:sld>
 </file>
 
-<file path=ppt/slides/slide2.xml><?xml version="1.0" encoding="utf-8"?>
+<file path=ppt/slides/slide21.xml><?xml version="1.0" encoding="utf-8"?>
+<p:sld xmlns:a="http://schemas.openxmlformats.org/drawingml/2006/main" xmlns:r="http://schemas.openxmlformats.org/officeDocument/2006/relationships" xmlns:p="http://schemas.openxmlformats.org/presentationml/2006/main">
+  <p:cSld>
+    <p:spTree>
+      <p:nvGrpSpPr>
+        <p:cNvPr id="1" name="Shape 237"/>
+        <p:cNvGrpSpPr/>
+        <p:nvPr/>
+      </p:nvGrpSpPr>
+      <p:grpSpPr>
+        <a:xfrm>
+          <a:off x="0" y="0"/>
+          <a:ext cx="0" cy="0"/>
+          <a:chOff x="0" y="0"/>
+          <a:chExt cx="0" cy="0"/>
+        </a:xfrm>
+      </p:grpSpPr>
+      <p:sp>
+        <p:nvSpPr>
+          <p:cNvPr id="238" name="Google Shape;238;p33"/>
+          <p:cNvSpPr txBox="1">
+            <a:spLocks noGrp="1"/>
+          </p:cNvSpPr>
+          <p:nvPr>
+            <p:ph type="body" idx="1"/>
+          </p:nvPr>
+        </p:nvSpPr>
+        <p:spPr>
+          <a:xfrm>
+            <a:off x="1981200" y="1143000"/>
+            <a:ext cx="8154000" cy="5044800"/>
+          </a:xfrm>
+          <a:prstGeom prst="rect">
+            <a:avLst/>
+          </a:prstGeom>
+        </p:spPr>
+        <p:txBody>
+          <a:bodyPr spcFirstLastPara="1" wrap="square" lIns="91425" tIns="91425" rIns="91425" bIns="91425" anchor="t" anchorCtr="0">
+            <a:noAutofit/>
+          </a:bodyPr>
+          <a:lstStyle/>
+          <a:p>
+            <a:pPr marL="0" indent="0">
+              <a:lnSpc>
+                <a:spcPct val="150000"/>
+              </a:lnSpc>
+              <a:buNone/>
+            </a:pPr>
+            <a:r>
+              <a:rPr lang="en" sz="2000">
+                <a:solidFill>
+                  <a:schemeClr val="accent1"/>
+                </a:solidFill>
+              </a:rPr>
+              <a:t>Which of these variables do you expect to be uniformly distributed?</a:t>
+            </a:r>
+            <a:endParaRPr sz="2000">
+              <a:solidFill>
+                <a:schemeClr val="accent1"/>
+              </a:solidFill>
+            </a:endParaRPr>
+          </a:p>
+          <a:p>
+            <a:pPr marL="0" indent="0">
+              <a:lnSpc>
+                <a:spcPct val="115000"/>
+              </a:lnSpc>
+              <a:spcBef>
+                <a:spcPts val="1000"/>
+              </a:spcBef>
+              <a:buClr>
+                <a:srgbClr val="000000"/>
+              </a:buClr>
+              <a:buSzPts val="1100"/>
+              <a:buNone/>
+            </a:pPr>
+            <a:r>
+              <a:rPr lang="en" sz="2000">
+                <a:solidFill>
+                  <a:srgbClr val="000000"/>
+                </a:solidFill>
+              </a:rPr>
+              <a:t>(a) weights of adult females</a:t>
+            </a:r>
+            <a:endParaRPr sz="2000">
+              <a:solidFill>
+                <a:srgbClr val="000000"/>
+              </a:solidFill>
+            </a:endParaRPr>
+          </a:p>
+          <a:p>
+            <a:pPr marL="0" indent="0">
+              <a:lnSpc>
+                <a:spcPct val="115000"/>
+              </a:lnSpc>
+              <a:buClr>
+                <a:srgbClr val="000000"/>
+              </a:buClr>
+              <a:buSzPts val="1100"/>
+              <a:buNone/>
+            </a:pPr>
+            <a:r>
+              <a:rPr lang="en" sz="2000">
+                <a:solidFill>
+                  <a:srgbClr val="000000"/>
+                </a:solidFill>
+              </a:rPr>
+              <a:t>(b) salaries of a random sample of people from North Carolina</a:t>
+            </a:r>
+            <a:endParaRPr sz="2000">
+              <a:solidFill>
+                <a:srgbClr val="000000"/>
+              </a:solidFill>
+            </a:endParaRPr>
+          </a:p>
+          <a:p>
+            <a:pPr marL="0" indent="0">
+              <a:lnSpc>
+                <a:spcPct val="115000"/>
+              </a:lnSpc>
+              <a:buClr>
+                <a:srgbClr val="000000"/>
+              </a:buClr>
+              <a:buSzPts val="1100"/>
+              <a:buNone/>
+            </a:pPr>
+            <a:r>
+              <a:rPr lang="en" sz="2000">
+                <a:solidFill>
+                  <a:srgbClr val="000000"/>
+                </a:solidFill>
+              </a:rPr>
+              <a:t>(c) house prices</a:t>
+            </a:r>
+            <a:endParaRPr sz="2000">
+              <a:solidFill>
+                <a:srgbClr val="000000"/>
+              </a:solidFill>
+            </a:endParaRPr>
+          </a:p>
+          <a:p>
+            <a:pPr marL="0" indent="0">
+              <a:lnSpc>
+                <a:spcPct val="115000"/>
+              </a:lnSpc>
+              <a:buNone/>
+            </a:pPr>
+            <a:r>
+              <a:rPr lang="en" sz="2000">
+                <a:solidFill>
+                  <a:srgbClr val="000000"/>
+                </a:solidFill>
+              </a:rPr>
+              <a:t>(d) birthdays of classmates (day of the month)</a:t>
+            </a:r>
+            <a:endParaRPr sz="2000">
+              <a:solidFill>
+                <a:srgbClr val="000000"/>
+              </a:solidFill>
+            </a:endParaRPr>
+          </a:p>
+          <a:p>
+            <a:pPr marL="0" indent="0">
+              <a:lnSpc>
+                <a:spcPct val="115000"/>
+              </a:lnSpc>
+              <a:buNone/>
+            </a:pPr>
+            <a:endParaRPr sz="2000">
+              <a:solidFill>
+                <a:srgbClr val="000000"/>
+              </a:solidFill>
+            </a:endParaRPr>
+          </a:p>
+        </p:txBody>
+      </p:sp>
+      <p:sp>
+        <p:nvSpPr>
+          <p:cNvPr id="239" name="Google Shape;239;p33"/>
+          <p:cNvSpPr txBox="1">
+            <a:spLocks noGrp="1"/>
+          </p:cNvSpPr>
+          <p:nvPr>
+            <p:ph type="title"/>
+          </p:nvPr>
+        </p:nvSpPr>
+        <p:spPr>
+          <a:xfrm>
+            <a:off x="1981200" y="-12"/>
+            <a:ext cx="8229600" cy="1143000"/>
+          </a:xfrm>
+          <a:prstGeom prst="rect">
+            <a:avLst/>
+          </a:prstGeom>
+        </p:spPr>
+        <p:txBody>
+          <a:bodyPr spcFirstLastPara="1" wrap="square" lIns="91425" tIns="91425" rIns="91425" bIns="91425" anchor="b" anchorCtr="0">
+            <a:noAutofit/>
+          </a:bodyPr>
+          <a:lstStyle/>
+          <a:p>
+            <a:r>
+              <a:rPr lang="en">
+                <a:solidFill>
+                  <a:schemeClr val="accent1"/>
+                </a:solidFill>
+              </a:rPr>
+              <a:t>Practice</a:t>
+            </a:r>
+            <a:endParaRPr>
+              <a:solidFill>
+                <a:schemeClr val="accent1"/>
+              </a:solidFill>
+            </a:endParaRPr>
+          </a:p>
+        </p:txBody>
+      </p:sp>
+    </p:spTree>
+  </p:cSld>
+  <p:clrMapOvr>
+    <a:masterClrMapping/>
+  </p:clrMapOvr>
+</p:sld>
+</file>
+
+<file path=ppt/slides/slide22.xml><?xml version="1.0" encoding="utf-8"?>
+<p:sld xmlns:a="http://schemas.openxmlformats.org/drawingml/2006/main" xmlns:r="http://schemas.openxmlformats.org/officeDocument/2006/relationships" xmlns:p="http://schemas.openxmlformats.org/presentationml/2006/main">
+  <p:cSld>
+    <p:spTree>
+      <p:nvGrpSpPr>
+        <p:cNvPr id="1" name="Shape 243"/>
+        <p:cNvGrpSpPr/>
+        <p:nvPr/>
+      </p:nvGrpSpPr>
+      <p:grpSpPr>
+        <a:xfrm>
+          <a:off x="0" y="0"/>
+          <a:ext cx="0" cy="0"/>
+          <a:chOff x="0" y="0"/>
+          <a:chExt cx="0" cy="0"/>
+        </a:xfrm>
+      </p:grpSpPr>
+      <p:sp>
+        <p:nvSpPr>
+          <p:cNvPr id="244" name="Google Shape;244;p34"/>
+          <p:cNvSpPr txBox="1">
+            <a:spLocks noGrp="1"/>
+          </p:cNvSpPr>
+          <p:nvPr>
+            <p:ph type="body" idx="1"/>
+          </p:nvPr>
+        </p:nvSpPr>
+        <p:spPr>
+          <a:xfrm>
+            <a:off x="1981200" y="1143000"/>
+            <a:ext cx="8154000" cy="5044800"/>
+          </a:xfrm>
+          <a:prstGeom prst="rect">
+            <a:avLst/>
+          </a:prstGeom>
+        </p:spPr>
+        <p:txBody>
+          <a:bodyPr spcFirstLastPara="1" wrap="square" lIns="91425" tIns="91425" rIns="91425" bIns="91425" anchor="t" anchorCtr="0">
+            <a:noAutofit/>
+          </a:bodyPr>
+          <a:lstStyle/>
+          <a:p>
+            <a:pPr marL="0" indent="0">
+              <a:lnSpc>
+                <a:spcPct val="150000"/>
+              </a:lnSpc>
+              <a:buNone/>
+            </a:pPr>
+            <a:r>
+              <a:rPr lang="en" sz="2000">
+                <a:solidFill>
+                  <a:schemeClr val="accent1"/>
+                </a:solidFill>
+              </a:rPr>
+              <a:t>Which of these variables do you expect to be uniformly distributed?</a:t>
+            </a:r>
+            <a:endParaRPr sz="2000">
+              <a:solidFill>
+                <a:schemeClr val="accent1"/>
+              </a:solidFill>
+            </a:endParaRPr>
+          </a:p>
+          <a:p>
+            <a:pPr marL="0" indent="0">
+              <a:lnSpc>
+                <a:spcPct val="115000"/>
+              </a:lnSpc>
+              <a:spcBef>
+                <a:spcPts val="1000"/>
+              </a:spcBef>
+              <a:buNone/>
+            </a:pPr>
+            <a:r>
+              <a:rPr lang="en" sz="2000">
+                <a:solidFill>
+                  <a:srgbClr val="000000"/>
+                </a:solidFill>
+              </a:rPr>
+              <a:t>(a) weights of adult females</a:t>
+            </a:r>
+            <a:endParaRPr sz="2000">
+              <a:solidFill>
+                <a:srgbClr val="000000"/>
+              </a:solidFill>
+            </a:endParaRPr>
+          </a:p>
+          <a:p>
+            <a:pPr marL="0" indent="0">
+              <a:lnSpc>
+                <a:spcPct val="115000"/>
+              </a:lnSpc>
+              <a:buNone/>
+            </a:pPr>
+            <a:r>
+              <a:rPr lang="en" sz="2000">
+                <a:solidFill>
+                  <a:srgbClr val="000000"/>
+                </a:solidFill>
+              </a:rPr>
+              <a:t>(b) salaries of a random sample of people from North Carolina</a:t>
+            </a:r>
+            <a:endParaRPr sz="2000">
+              <a:solidFill>
+                <a:srgbClr val="000000"/>
+              </a:solidFill>
+            </a:endParaRPr>
+          </a:p>
+          <a:p>
+            <a:pPr marL="0" indent="0">
+              <a:lnSpc>
+                <a:spcPct val="115000"/>
+              </a:lnSpc>
+              <a:buNone/>
+            </a:pPr>
+            <a:r>
+              <a:rPr lang="en" sz="2000">
+                <a:solidFill>
+                  <a:srgbClr val="000000"/>
+                </a:solidFill>
+              </a:rPr>
+              <a:t>(c) house prices</a:t>
+            </a:r>
+            <a:endParaRPr sz="2000">
+              <a:solidFill>
+                <a:srgbClr val="000000"/>
+              </a:solidFill>
+            </a:endParaRPr>
+          </a:p>
+          <a:p>
+            <a:pPr marL="0" indent="0">
+              <a:lnSpc>
+                <a:spcPct val="115000"/>
+              </a:lnSpc>
+              <a:buNone/>
+            </a:pPr>
+            <a:r>
+              <a:rPr lang="en" sz="2000" i="1">
+                <a:solidFill>
+                  <a:srgbClr val="FF9900"/>
+                </a:solidFill>
+              </a:rPr>
+              <a:t>(d) birthdays of classmates (day of the month)</a:t>
+            </a:r>
+            <a:endParaRPr sz="2000" i="1">
+              <a:solidFill>
+                <a:srgbClr val="FF9900"/>
+              </a:solidFill>
+            </a:endParaRPr>
+          </a:p>
+          <a:p>
+            <a:pPr marL="0" indent="0">
+              <a:lnSpc>
+                <a:spcPct val="115000"/>
+              </a:lnSpc>
+              <a:buNone/>
+            </a:pPr>
+            <a:endParaRPr sz="2000">
+              <a:solidFill>
+                <a:srgbClr val="000000"/>
+              </a:solidFill>
+            </a:endParaRPr>
+          </a:p>
+        </p:txBody>
+      </p:sp>
+      <p:sp>
+        <p:nvSpPr>
+          <p:cNvPr id="245" name="Google Shape;245;p34"/>
+          <p:cNvSpPr txBox="1">
+            <a:spLocks noGrp="1"/>
+          </p:cNvSpPr>
+          <p:nvPr>
+            <p:ph type="title"/>
+          </p:nvPr>
+        </p:nvSpPr>
+        <p:spPr>
+          <a:xfrm>
+            <a:off x="1981200" y="-12"/>
+            <a:ext cx="8229600" cy="1143000"/>
+          </a:xfrm>
+          <a:prstGeom prst="rect">
+            <a:avLst/>
+          </a:prstGeom>
+        </p:spPr>
+        <p:txBody>
+          <a:bodyPr spcFirstLastPara="1" wrap="square" lIns="91425" tIns="91425" rIns="91425" bIns="91425" anchor="b" anchorCtr="0">
+            <a:noAutofit/>
+          </a:bodyPr>
+          <a:lstStyle/>
+          <a:p>
+            <a:r>
+              <a:rPr lang="en">
+                <a:solidFill>
+                  <a:schemeClr val="accent1"/>
+                </a:solidFill>
+              </a:rPr>
+              <a:t>Practice</a:t>
+            </a:r>
+            <a:endParaRPr>
+              <a:solidFill>
+                <a:schemeClr val="accent1"/>
+              </a:solidFill>
+            </a:endParaRPr>
+          </a:p>
+        </p:txBody>
+      </p:sp>
+    </p:spTree>
+  </p:cSld>
+  <p:clrMapOvr>
+    <a:masterClrMapping/>
+  </p:clrMapOvr>
+</p:sld>
+</file>
+
+<file path=ppt/slides/slide23.xml><?xml version="1.0" encoding="utf-8"?>
+<p:sld xmlns:a="http://schemas.openxmlformats.org/drawingml/2006/main" xmlns:r="http://schemas.openxmlformats.org/officeDocument/2006/relationships" xmlns:p="http://schemas.openxmlformats.org/presentationml/2006/main">
+  <p:cSld>
+    <p:spTree>
+      <p:nvGrpSpPr>
+        <p:cNvPr id="1" name="Shape 249"/>
+        <p:cNvGrpSpPr/>
+        <p:nvPr/>
+      </p:nvGrpSpPr>
+      <p:grpSpPr>
+        <a:xfrm>
+          <a:off x="0" y="0"/>
+          <a:ext cx="0" cy="0"/>
+          <a:chOff x="0" y="0"/>
+          <a:chExt cx="0" cy="0"/>
+        </a:xfrm>
+      </p:grpSpPr>
+      <p:sp>
+        <p:nvSpPr>
+          <p:cNvPr id="250" name="Google Shape;250;p35"/>
+          <p:cNvSpPr txBox="1">
+            <a:spLocks noGrp="1"/>
+          </p:cNvSpPr>
+          <p:nvPr>
+            <p:ph type="body" idx="1"/>
+          </p:nvPr>
+        </p:nvSpPr>
+        <p:spPr>
+          <a:xfrm>
+            <a:off x="1981200" y="1392375"/>
+            <a:ext cx="8154000" cy="5044800"/>
+          </a:xfrm>
+          <a:prstGeom prst="rect">
+            <a:avLst/>
+          </a:prstGeom>
+        </p:spPr>
+        <p:txBody>
+          <a:bodyPr spcFirstLastPara="1" wrap="square" lIns="91425" tIns="91425" rIns="91425" bIns="91425" anchor="t" anchorCtr="0">
+            <a:noAutofit/>
+          </a:bodyPr>
+          <a:lstStyle/>
+          <a:p>
+            <a:pPr marL="0" indent="0">
+              <a:lnSpc>
+                <a:spcPct val="150000"/>
+              </a:lnSpc>
+              <a:buClr>
+                <a:srgbClr val="000000"/>
+              </a:buClr>
+              <a:buSzPts val="1100"/>
+              <a:buNone/>
+            </a:pPr>
+            <a:r>
+              <a:rPr lang="en" sz="2100">
+                <a:solidFill>
+                  <a:srgbClr val="000000"/>
+                </a:solidFill>
+              </a:rPr>
+              <a:t>Sketch the expected distributions of the following variables:</a:t>
+            </a:r>
+            <a:endParaRPr sz="2100">
+              <a:solidFill>
+                <a:srgbClr val="000000"/>
+              </a:solidFill>
+            </a:endParaRPr>
+          </a:p>
+          <a:p>
+            <a:pPr marL="914400" indent="-361950">
+              <a:lnSpc>
+                <a:spcPct val="115000"/>
+              </a:lnSpc>
+              <a:buClr>
+                <a:srgbClr val="000000"/>
+              </a:buClr>
+              <a:buSzPts val="2100"/>
+            </a:pPr>
+            <a:r>
+              <a:rPr lang="en" sz="2100">
+                <a:solidFill>
+                  <a:srgbClr val="000000"/>
+                </a:solidFill>
+              </a:rPr>
+              <a:t>number of piercings</a:t>
+            </a:r>
+            <a:endParaRPr sz="2100">
+              <a:solidFill>
+                <a:srgbClr val="000000"/>
+              </a:solidFill>
+            </a:endParaRPr>
+          </a:p>
+          <a:p>
+            <a:pPr marL="914400" indent="-361950">
+              <a:lnSpc>
+                <a:spcPct val="115000"/>
+              </a:lnSpc>
+              <a:spcBef>
+                <a:spcPts val="0"/>
+              </a:spcBef>
+              <a:buClr>
+                <a:srgbClr val="000000"/>
+              </a:buClr>
+              <a:buSzPts val="2100"/>
+            </a:pPr>
+            <a:r>
+              <a:rPr lang="en" sz="2100">
+                <a:solidFill>
+                  <a:srgbClr val="000000"/>
+                </a:solidFill>
+              </a:rPr>
+              <a:t>scores on an exam</a:t>
+            </a:r>
+            <a:endParaRPr sz="2100">
+              <a:solidFill>
+                <a:srgbClr val="000000"/>
+              </a:solidFill>
+            </a:endParaRPr>
+          </a:p>
+          <a:p>
+            <a:pPr marL="914400" indent="-361950">
+              <a:lnSpc>
+                <a:spcPct val="150000"/>
+              </a:lnSpc>
+              <a:spcBef>
+                <a:spcPts val="0"/>
+              </a:spcBef>
+              <a:buClr>
+                <a:srgbClr val="000000"/>
+              </a:buClr>
+              <a:buSzPts val="2100"/>
+            </a:pPr>
+            <a:r>
+              <a:rPr lang="en" sz="2100">
+                <a:solidFill>
+                  <a:srgbClr val="000000"/>
+                </a:solidFill>
+              </a:rPr>
+              <a:t>IQ scores</a:t>
+            </a:r>
+            <a:endParaRPr sz="2100">
+              <a:solidFill>
+                <a:srgbClr val="000000"/>
+              </a:solidFill>
+            </a:endParaRPr>
+          </a:p>
+          <a:p>
+            <a:pPr marL="0" indent="0">
+              <a:lnSpc>
+                <a:spcPct val="115000"/>
+              </a:lnSpc>
+              <a:buNone/>
+            </a:pPr>
+            <a:r>
+              <a:rPr lang="en" sz="2100">
+                <a:solidFill>
+                  <a:srgbClr val="000000"/>
+                </a:solidFill>
+              </a:rPr>
+              <a:t>Come up with a concise way (1-2 sentences) to teach someone how to determine the expected distribution of any variable.</a:t>
+            </a:r>
+            <a:endParaRPr sz="2100">
+              <a:solidFill>
+                <a:srgbClr val="000000"/>
+              </a:solidFill>
+            </a:endParaRPr>
+          </a:p>
+        </p:txBody>
+      </p:sp>
+      <p:sp>
+        <p:nvSpPr>
+          <p:cNvPr id="251" name="Google Shape;251;p35"/>
+          <p:cNvSpPr txBox="1">
+            <a:spLocks noGrp="1"/>
+          </p:cNvSpPr>
+          <p:nvPr>
+            <p:ph type="title"/>
+          </p:nvPr>
+        </p:nvSpPr>
+        <p:spPr>
+          <a:xfrm>
+            <a:off x="1981200" y="249363"/>
+            <a:ext cx="8229600" cy="1143000"/>
+          </a:xfrm>
+          <a:prstGeom prst="rect">
+            <a:avLst/>
+          </a:prstGeom>
+        </p:spPr>
+        <p:txBody>
+          <a:bodyPr spcFirstLastPara="1" wrap="square" lIns="91425" tIns="91425" rIns="91425" bIns="91425" anchor="b" anchorCtr="0">
+            <a:noAutofit/>
+          </a:bodyPr>
+          <a:lstStyle/>
+          <a:p>
+            <a:r>
+              <a:rPr lang="en">
+                <a:solidFill>
+                  <a:schemeClr val="accent1"/>
+                </a:solidFill>
+              </a:rPr>
+              <a:t>Application Activity:</a:t>
+            </a:r>
+            <a:endParaRPr>
+              <a:solidFill>
+                <a:schemeClr val="accent1"/>
+              </a:solidFill>
+            </a:endParaRPr>
+          </a:p>
+          <a:p>
+            <a:r>
+              <a:rPr lang="en">
+                <a:solidFill>
+                  <a:schemeClr val="accent1"/>
+                </a:solidFill>
+              </a:rPr>
+              <a:t>Shapes of Distributions</a:t>
+            </a:r>
+            <a:endParaRPr>
+              <a:solidFill>
+                <a:schemeClr val="accent1"/>
+              </a:solidFill>
+            </a:endParaRPr>
+          </a:p>
+        </p:txBody>
+      </p:sp>
+    </p:spTree>
+  </p:cSld>
+  <p:clrMapOvr>
+    <a:masterClrMapping/>
+  </p:clrMapOvr>
+</p:sld>
+</file>
+
+<file path=ppt/slides/slide24.xml><?xml version="1.0" encoding="utf-8"?>
 <p:sld xmlns:a="http://schemas.openxmlformats.org/drawingml/2006/main" xmlns:r="http://schemas.openxmlformats.org/officeDocument/2006/relationships" xmlns:p="http://schemas.openxmlformats.org/presentationml/2006/main">
   <p:cSld>
     <p:spTree>
@@ -19364,10 +19696,10 @@
       </p:grpSpPr>
       <p:sp>
         <p:nvSpPr>
-          <p:cNvPr id="2" name="Title 1">
+          <p:cNvPr id="5" name="Title 4">
             <a:extLst>
               <a:ext uri="{FF2B5EF4-FFF2-40B4-BE49-F238E27FC236}">
-                <a16:creationId xmlns:a16="http://schemas.microsoft.com/office/drawing/2014/main" id="{61378EDD-6D81-FB96-984E-23C63C4AE1A8}"/>
+                <a16:creationId xmlns:a16="http://schemas.microsoft.com/office/drawing/2014/main" id="{28061A86-5E4A-4964-5B85-E78C61ADB1D2}"/>
               </a:ext>
             </a:extLst>
           </p:cNvPr>
@@ -19385,17 +19717,17 @@
           <a:p>
             <a:r>
               <a:rPr lang="en-US" dirty="0"/>
-              <a:t>Numerical Data - Continuous</a:t>
+              <a:t>Numerical Summary </a:t>
             </a:r>
           </a:p>
         </p:txBody>
       </p:sp>
       <p:sp>
         <p:nvSpPr>
-          <p:cNvPr id="3" name="Text Placeholder 2">
+          <p:cNvPr id="6" name="Text Placeholder 5">
             <a:extLst>
               <a:ext uri="{FF2B5EF4-FFF2-40B4-BE49-F238E27FC236}">
-                <a16:creationId xmlns:a16="http://schemas.microsoft.com/office/drawing/2014/main" id="{EB4C8F81-0ECB-82F3-427C-150589A745E2}"/>
+                <a16:creationId xmlns:a16="http://schemas.microsoft.com/office/drawing/2014/main" id="{89B3464E-6C8B-FA00-1FDB-A5027D6C8D89}"/>
               </a:ext>
             </a:extLst>
           </p:cNvPr>
@@ -19418,7 +19750,7 @@
     </p:spTree>
     <p:extLst>
       <p:ext uri="{BB962C8B-B14F-4D97-AF65-F5344CB8AC3E}">
-        <p14:creationId xmlns:p14="http://schemas.microsoft.com/office/powerpoint/2010/main" val="468694518"/>
+        <p14:creationId xmlns:p14="http://schemas.microsoft.com/office/powerpoint/2010/main" val="2495734298"/>
       </p:ext>
     </p:extLst>
   </p:cSld>
@@ -19428,676 +19760,7 @@
 </p:sld>
 </file>
 
-<file path=ppt/slides/slide20.xml><?xml version="1.0" encoding="utf-8"?>
-<p:sld xmlns:a="http://schemas.openxmlformats.org/drawingml/2006/main" xmlns:r="http://schemas.openxmlformats.org/officeDocument/2006/relationships" xmlns:p="http://schemas.openxmlformats.org/presentationml/2006/main">
-  <p:cSld>
-    <p:spTree>
-      <p:nvGrpSpPr>
-        <p:cNvPr id="1" name="Shape 237"/>
-        <p:cNvGrpSpPr/>
-        <p:nvPr/>
-      </p:nvGrpSpPr>
-      <p:grpSpPr>
-        <a:xfrm>
-          <a:off x="0" y="0"/>
-          <a:ext cx="0" cy="0"/>
-          <a:chOff x="0" y="0"/>
-          <a:chExt cx="0" cy="0"/>
-        </a:xfrm>
-      </p:grpSpPr>
-      <p:sp>
-        <p:nvSpPr>
-          <p:cNvPr id="238" name="Google Shape;238;p33"/>
-          <p:cNvSpPr txBox="1">
-            <a:spLocks noGrp="1"/>
-          </p:cNvSpPr>
-          <p:nvPr>
-            <p:ph type="body" idx="1"/>
-          </p:nvPr>
-        </p:nvSpPr>
-        <p:spPr>
-          <a:xfrm>
-            <a:off x="1981200" y="1143000"/>
-            <a:ext cx="8154000" cy="5044800"/>
-          </a:xfrm>
-          <a:prstGeom prst="rect">
-            <a:avLst/>
-          </a:prstGeom>
-        </p:spPr>
-        <p:txBody>
-          <a:bodyPr spcFirstLastPara="1" wrap="square" lIns="91425" tIns="91425" rIns="91425" bIns="91425" anchor="t" anchorCtr="0">
-            <a:noAutofit/>
-          </a:bodyPr>
-          <a:lstStyle/>
-          <a:p>
-            <a:pPr marL="0" indent="0">
-              <a:lnSpc>
-                <a:spcPct val="150000"/>
-              </a:lnSpc>
-              <a:buNone/>
-            </a:pPr>
-            <a:r>
-              <a:rPr lang="en" sz="2000">
-                <a:solidFill>
-                  <a:schemeClr val="accent1"/>
-                </a:solidFill>
-              </a:rPr>
-              <a:t>Which of these variables do you expect to be uniformly distributed?</a:t>
-            </a:r>
-            <a:endParaRPr sz="2000">
-              <a:solidFill>
-                <a:schemeClr val="accent1"/>
-              </a:solidFill>
-            </a:endParaRPr>
-          </a:p>
-          <a:p>
-            <a:pPr marL="0" indent="0">
-              <a:lnSpc>
-                <a:spcPct val="115000"/>
-              </a:lnSpc>
-              <a:spcBef>
-                <a:spcPts val="1000"/>
-              </a:spcBef>
-              <a:buClr>
-                <a:srgbClr val="000000"/>
-              </a:buClr>
-              <a:buSzPts val="1100"/>
-              <a:buNone/>
-            </a:pPr>
-            <a:r>
-              <a:rPr lang="en" sz="2000">
-                <a:solidFill>
-                  <a:srgbClr val="000000"/>
-                </a:solidFill>
-              </a:rPr>
-              <a:t>(a) weights of adult females</a:t>
-            </a:r>
-            <a:endParaRPr sz="2000">
-              <a:solidFill>
-                <a:srgbClr val="000000"/>
-              </a:solidFill>
-            </a:endParaRPr>
-          </a:p>
-          <a:p>
-            <a:pPr marL="0" indent="0">
-              <a:lnSpc>
-                <a:spcPct val="115000"/>
-              </a:lnSpc>
-              <a:buClr>
-                <a:srgbClr val="000000"/>
-              </a:buClr>
-              <a:buSzPts val="1100"/>
-              <a:buNone/>
-            </a:pPr>
-            <a:r>
-              <a:rPr lang="en" sz="2000">
-                <a:solidFill>
-                  <a:srgbClr val="000000"/>
-                </a:solidFill>
-              </a:rPr>
-              <a:t>(b) salaries of a random sample of people from North Carolina</a:t>
-            </a:r>
-            <a:endParaRPr sz="2000">
-              <a:solidFill>
-                <a:srgbClr val="000000"/>
-              </a:solidFill>
-            </a:endParaRPr>
-          </a:p>
-          <a:p>
-            <a:pPr marL="0" indent="0">
-              <a:lnSpc>
-                <a:spcPct val="115000"/>
-              </a:lnSpc>
-              <a:buClr>
-                <a:srgbClr val="000000"/>
-              </a:buClr>
-              <a:buSzPts val="1100"/>
-              <a:buNone/>
-            </a:pPr>
-            <a:r>
-              <a:rPr lang="en" sz="2000">
-                <a:solidFill>
-                  <a:srgbClr val="000000"/>
-                </a:solidFill>
-              </a:rPr>
-              <a:t>(c) house prices</a:t>
-            </a:r>
-            <a:endParaRPr sz="2000">
-              <a:solidFill>
-                <a:srgbClr val="000000"/>
-              </a:solidFill>
-            </a:endParaRPr>
-          </a:p>
-          <a:p>
-            <a:pPr marL="0" indent="0">
-              <a:lnSpc>
-                <a:spcPct val="115000"/>
-              </a:lnSpc>
-              <a:buNone/>
-            </a:pPr>
-            <a:r>
-              <a:rPr lang="en" sz="2000">
-                <a:solidFill>
-                  <a:srgbClr val="000000"/>
-                </a:solidFill>
-              </a:rPr>
-              <a:t>(d) birthdays of classmates (day of the month)</a:t>
-            </a:r>
-            <a:endParaRPr sz="2000">
-              <a:solidFill>
-                <a:srgbClr val="000000"/>
-              </a:solidFill>
-            </a:endParaRPr>
-          </a:p>
-          <a:p>
-            <a:pPr marL="0" indent="0">
-              <a:lnSpc>
-                <a:spcPct val="115000"/>
-              </a:lnSpc>
-              <a:buNone/>
-            </a:pPr>
-            <a:endParaRPr sz="2000">
-              <a:solidFill>
-                <a:srgbClr val="000000"/>
-              </a:solidFill>
-            </a:endParaRPr>
-          </a:p>
-        </p:txBody>
-      </p:sp>
-      <p:sp>
-        <p:nvSpPr>
-          <p:cNvPr id="239" name="Google Shape;239;p33"/>
-          <p:cNvSpPr txBox="1">
-            <a:spLocks noGrp="1"/>
-          </p:cNvSpPr>
-          <p:nvPr>
-            <p:ph type="title"/>
-          </p:nvPr>
-        </p:nvSpPr>
-        <p:spPr>
-          <a:xfrm>
-            <a:off x="1981200" y="-12"/>
-            <a:ext cx="8229600" cy="1143000"/>
-          </a:xfrm>
-          <a:prstGeom prst="rect">
-            <a:avLst/>
-          </a:prstGeom>
-        </p:spPr>
-        <p:txBody>
-          <a:bodyPr spcFirstLastPara="1" wrap="square" lIns="91425" tIns="91425" rIns="91425" bIns="91425" anchor="b" anchorCtr="0">
-            <a:noAutofit/>
-          </a:bodyPr>
-          <a:lstStyle/>
-          <a:p>
-            <a:r>
-              <a:rPr lang="en">
-                <a:solidFill>
-                  <a:schemeClr val="accent1"/>
-                </a:solidFill>
-              </a:rPr>
-              <a:t>Practice</a:t>
-            </a:r>
-            <a:endParaRPr>
-              <a:solidFill>
-                <a:schemeClr val="accent1"/>
-              </a:solidFill>
-            </a:endParaRPr>
-          </a:p>
-        </p:txBody>
-      </p:sp>
-    </p:spTree>
-  </p:cSld>
-  <p:clrMapOvr>
-    <a:masterClrMapping/>
-  </p:clrMapOvr>
-</p:sld>
-</file>
-
-<file path=ppt/slides/slide21.xml><?xml version="1.0" encoding="utf-8"?>
-<p:sld xmlns:a="http://schemas.openxmlformats.org/drawingml/2006/main" xmlns:r="http://schemas.openxmlformats.org/officeDocument/2006/relationships" xmlns:p="http://schemas.openxmlformats.org/presentationml/2006/main">
-  <p:cSld>
-    <p:spTree>
-      <p:nvGrpSpPr>
-        <p:cNvPr id="1" name="Shape 243"/>
-        <p:cNvGrpSpPr/>
-        <p:nvPr/>
-      </p:nvGrpSpPr>
-      <p:grpSpPr>
-        <a:xfrm>
-          <a:off x="0" y="0"/>
-          <a:ext cx="0" cy="0"/>
-          <a:chOff x="0" y="0"/>
-          <a:chExt cx="0" cy="0"/>
-        </a:xfrm>
-      </p:grpSpPr>
-      <p:sp>
-        <p:nvSpPr>
-          <p:cNvPr id="244" name="Google Shape;244;p34"/>
-          <p:cNvSpPr txBox="1">
-            <a:spLocks noGrp="1"/>
-          </p:cNvSpPr>
-          <p:nvPr>
-            <p:ph type="body" idx="1"/>
-          </p:nvPr>
-        </p:nvSpPr>
-        <p:spPr>
-          <a:xfrm>
-            <a:off x="1981200" y="1143000"/>
-            <a:ext cx="8154000" cy="5044800"/>
-          </a:xfrm>
-          <a:prstGeom prst="rect">
-            <a:avLst/>
-          </a:prstGeom>
-        </p:spPr>
-        <p:txBody>
-          <a:bodyPr spcFirstLastPara="1" wrap="square" lIns="91425" tIns="91425" rIns="91425" bIns="91425" anchor="t" anchorCtr="0">
-            <a:noAutofit/>
-          </a:bodyPr>
-          <a:lstStyle/>
-          <a:p>
-            <a:pPr marL="0" indent="0">
-              <a:lnSpc>
-                <a:spcPct val="150000"/>
-              </a:lnSpc>
-              <a:buNone/>
-            </a:pPr>
-            <a:r>
-              <a:rPr lang="en" sz="2000">
-                <a:solidFill>
-                  <a:schemeClr val="accent1"/>
-                </a:solidFill>
-              </a:rPr>
-              <a:t>Which of these variables do you expect to be uniformly distributed?</a:t>
-            </a:r>
-            <a:endParaRPr sz="2000">
-              <a:solidFill>
-                <a:schemeClr val="accent1"/>
-              </a:solidFill>
-            </a:endParaRPr>
-          </a:p>
-          <a:p>
-            <a:pPr marL="0" indent="0">
-              <a:lnSpc>
-                <a:spcPct val="115000"/>
-              </a:lnSpc>
-              <a:spcBef>
-                <a:spcPts val="1000"/>
-              </a:spcBef>
-              <a:buNone/>
-            </a:pPr>
-            <a:r>
-              <a:rPr lang="en" sz="2000">
-                <a:solidFill>
-                  <a:srgbClr val="000000"/>
-                </a:solidFill>
-              </a:rPr>
-              <a:t>(a) weights of adult females</a:t>
-            </a:r>
-            <a:endParaRPr sz="2000">
-              <a:solidFill>
-                <a:srgbClr val="000000"/>
-              </a:solidFill>
-            </a:endParaRPr>
-          </a:p>
-          <a:p>
-            <a:pPr marL="0" indent="0">
-              <a:lnSpc>
-                <a:spcPct val="115000"/>
-              </a:lnSpc>
-              <a:buNone/>
-            </a:pPr>
-            <a:r>
-              <a:rPr lang="en" sz="2000">
-                <a:solidFill>
-                  <a:srgbClr val="000000"/>
-                </a:solidFill>
-              </a:rPr>
-              <a:t>(b) salaries of a random sample of people from North Carolina</a:t>
-            </a:r>
-            <a:endParaRPr sz="2000">
-              <a:solidFill>
-                <a:srgbClr val="000000"/>
-              </a:solidFill>
-            </a:endParaRPr>
-          </a:p>
-          <a:p>
-            <a:pPr marL="0" indent="0">
-              <a:lnSpc>
-                <a:spcPct val="115000"/>
-              </a:lnSpc>
-              <a:buNone/>
-            </a:pPr>
-            <a:r>
-              <a:rPr lang="en" sz="2000">
-                <a:solidFill>
-                  <a:srgbClr val="000000"/>
-                </a:solidFill>
-              </a:rPr>
-              <a:t>(c) house prices</a:t>
-            </a:r>
-            <a:endParaRPr sz="2000">
-              <a:solidFill>
-                <a:srgbClr val="000000"/>
-              </a:solidFill>
-            </a:endParaRPr>
-          </a:p>
-          <a:p>
-            <a:pPr marL="0" indent="0">
-              <a:lnSpc>
-                <a:spcPct val="115000"/>
-              </a:lnSpc>
-              <a:buNone/>
-            </a:pPr>
-            <a:r>
-              <a:rPr lang="en" sz="2000" i="1">
-                <a:solidFill>
-                  <a:srgbClr val="FF9900"/>
-                </a:solidFill>
-              </a:rPr>
-              <a:t>(d) birthdays of classmates (day of the month)</a:t>
-            </a:r>
-            <a:endParaRPr sz="2000" i="1">
-              <a:solidFill>
-                <a:srgbClr val="FF9900"/>
-              </a:solidFill>
-            </a:endParaRPr>
-          </a:p>
-          <a:p>
-            <a:pPr marL="0" indent="0">
-              <a:lnSpc>
-                <a:spcPct val="115000"/>
-              </a:lnSpc>
-              <a:buNone/>
-            </a:pPr>
-            <a:endParaRPr sz="2000">
-              <a:solidFill>
-                <a:srgbClr val="000000"/>
-              </a:solidFill>
-            </a:endParaRPr>
-          </a:p>
-        </p:txBody>
-      </p:sp>
-      <p:sp>
-        <p:nvSpPr>
-          <p:cNvPr id="245" name="Google Shape;245;p34"/>
-          <p:cNvSpPr txBox="1">
-            <a:spLocks noGrp="1"/>
-          </p:cNvSpPr>
-          <p:nvPr>
-            <p:ph type="title"/>
-          </p:nvPr>
-        </p:nvSpPr>
-        <p:spPr>
-          <a:xfrm>
-            <a:off x="1981200" y="-12"/>
-            <a:ext cx="8229600" cy="1143000"/>
-          </a:xfrm>
-          <a:prstGeom prst="rect">
-            <a:avLst/>
-          </a:prstGeom>
-        </p:spPr>
-        <p:txBody>
-          <a:bodyPr spcFirstLastPara="1" wrap="square" lIns="91425" tIns="91425" rIns="91425" bIns="91425" anchor="b" anchorCtr="0">
-            <a:noAutofit/>
-          </a:bodyPr>
-          <a:lstStyle/>
-          <a:p>
-            <a:r>
-              <a:rPr lang="en">
-                <a:solidFill>
-                  <a:schemeClr val="accent1"/>
-                </a:solidFill>
-              </a:rPr>
-              <a:t>Practice</a:t>
-            </a:r>
-            <a:endParaRPr>
-              <a:solidFill>
-                <a:schemeClr val="accent1"/>
-              </a:solidFill>
-            </a:endParaRPr>
-          </a:p>
-        </p:txBody>
-      </p:sp>
-    </p:spTree>
-  </p:cSld>
-  <p:clrMapOvr>
-    <a:masterClrMapping/>
-  </p:clrMapOvr>
-</p:sld>
-</file>
-
-<file path=ppt/slides/slide22.xml><?xml version="1.0" encoding="utf-8"?>
-<p:sld xmlns:a="http://schemas.openxmlformats.org/drawingml/2006/main" xmlns:r="http://schemas.openxmlformats.org/officeDocument/2006/relationships" xmlns:p="http://schemas.openxmlformats.org/presentationml/2006/main">
-  <p:cSld>
-    <p:spTree>
-      <p:nvGrpSpPr>
-        <p:cNvPr id="1" name="Shape 249"/>
-        <p:cNvGrpSpPr/>
-        <p:nvPr/>
-      </p:nvGrpSpPr>
-      <p:grpSpPr>
-        <a:xfrm>
-          <a:off x="0" y="0"/>
-          <a:ext cx="0" cy="0"/>
-          <a:chOff x="0" y="0"/>
-          <a:chExt cx="0" cy="0"/>
-        </a:xfrm>
-      </p:grpSpPr>
-      <p:sp>
-        <p:nvSpPr>
-          <p:cNvPr id="250" name="Google Shape;250;p35"/>
-          <p:cNvSpPr txBox="1">
-            <a:spLocks noGrp="1"/>
-          </p:cNvSpPr>
-          <p:nvPr>
-            <p:ph type="body" idx="1"/>
-          </p:nvPr>
-        </p:nvSpPr>
-        <p:spPr>
-          <a:xfrm>
-            <a:off x="1981200" y="1392375"/>
-            <a:ext cx="8154000" cy="5044800"/>
-          </a:xfrm>
-          <a:prstGeom prst="rect">
-            <a:avLst/>
-          </a:prstGeom>
-        </p:spPr>
-        <p:txBody>
-          <a:bodyPr spcFirstLastPara="1" wrap="square" lIns="91425" tIns="91425" rIns="91425" bIns="91425" anchor="t" anchorCtr="0">
-            <a:noAutofit/>
-          </a:bodyPr>
-          <a:lstStyle/>
-          <a:p>
-            <a:pPr marL="0" indent="0">
-              <a:lnSpc>
-                <a:spcPct val="150000"/>
-              </a:lnSpc>
-              <a:buClr>
-                <a:srgbClr val="000000"/>
-              </a:buClr>
-              <a:buSzPts val="1100"/>
-              <a:buNone/>
-            </a:pPr>
-            <a:r>
-              <a:rPr lang="en" sz="2100">
-                <a:solidFill>
-                  <a:srgbClr val="000000"/>
-                </a:solidFill>
-              </a:rPr>
-              <a:t>Sketch the expected distributions of the following variables:</a:t>
-            </a:r>
-            <a:endParaRPr sz="2100">
-              <a:solidFill>
-                <a:srgbClr val="000000"/>
-              </a:solidFill>
-            </a:endParaRPr>
-          </a:p>
-          <a:p>
-            <a:pPr marL="914400" indent="-361950">
-              <a:lnSpc>
-                <a:spcPct val="115000"/>
-              </a:lnSpc>
-              <a:buClr>
-                <a:srgbClr val="000000"/>
-              </a:buClr>
-              <a:buSzPts val="2100"/>
-            </a:pPr>
-            <a:r>
-              <a:rPr lang="en" sz="2100">
-                <a:solidFill>
-                  <a:srgbClr val="000000"/>
-                </a:solidFill>
-              </a:rPr>
-              <a:t>number of piercings</a:t>
-            </a:r>
-            <a:endParaRPr sz="2100">
-              <a:solidFill>
-                <a:srgbClr val="000000"/>
-              </a:solidFill>
-            </a:endParaRPr>
-          </a:p>
-          <a:p>
-            <a:pPr marL="914400" indent="-361950">
-              <a:lnSpc>
-                <a:spcPct val="115000"/>
-              </a:lnSpc>
-              <a:spcBef>
-                <a:spcPts val="0"/>
-              </a:spcBef>
-              <a:buClr>
-                <a:srgbClr val="000000"/>
-              </a:buClr>
-              <a:buSzPts val="2100"/>
-            </a:pPr>
-            <a:r>
-              <a:rPr lang="en" sz="2100">
-                <a:solidFill>
-                  <a:srgbClr val="000000"/>
-                </a:solidFill>
-              </a:rPr>
-              <a:t>scores on an exam</a:t>
-            </a:r>
-            <a:endParaRPr sz="2100">
-              <a:solidFill>
-                <a:srgbClr val="000000"/>
-              </a:solidFill>
-            </a:endParaRPr>
-          </a:p>
-          <a:p>
-            <a:pPr marL="914400" indent="-361950">
-              <a:lnSpc>
-                <a:spcPct val="150000"/>
-              </a:lnSpc>
-              <a:spcBef>
-                <a:spcPts val="0"/>
-              </a:spcBef>
-              <a:buClr>
-                <a:srgbClr val="000000"/>
-              </a:buClr>
-              <a:buSzPts val="2100"/>
-            </a:pPr>
-            <a:r>
-              <a:rPr lang="en" sz="2100">
-                <a:solidFill>
-                  <a:srgbClr val="000000"/>
-                </a:solidFill>
-              </a:rPr>
-              <a:t>IQ scores</a:t>
-            </a:r>
-            <a:endParaRPr sz="2100">
-              <a:solidFill>
-                <a:srgbClr val="000000"/>
-              </a:solidFill>
-            </a:endParaRPr>
-          </a:p>
-          <a:p>
-            <a:pPr marL="0" indent="0">
-              <a:lnSpc>
-                <a:spcPct val="115000"/>
-              </a:lnSpc>
-              <a:buNone/>
-            </a:pPr>
-            <a:r>
-              <a:rPr lang="en" sz="2100">
-                <a:solidFill>
-                  <a:srgbClr val="000000"/>
-                </a:solidFill>
-              </a:rPr>
-              <a:t>Come up with a concise way (1-2 sentences) to teach someone how to determine the expected distribution of any variable.</a:t>
-            </a:r>
-            <a:endParaRPr sz="2100">
-              <a:solidFill>
-                <a:srgbClr val="000000"/>
-              </a:solidFill>
-            </a:endParaRPr>
-          </a:p>
-        </p:txBody>
-      </p:sp>
-      <p:sp>
-        <p:nvSpPr>
-          <p:cNvPr id="251" name="Google Shape;251;p35"/>
-          <p:cNvSpPr txBox="1">
-            <a:spLocks noGrp="1"/>
-          </p:cNvSpPr>
-          <p:nvPr>
-            <p:ph type="title"/>
-          </p:nvPr>
-        </p:nvSpPr>
-        <p:spPr>
-          <a:xfrm>
-            <a:off x="1981200" y="249363"/>
-            <a:ext cx="8229600" cy="1143000"/>
-          </a:xfrm>
-          <a:prstGeom prst="rect">
-            <a:avLst/>
-          </a:prstGeom>
-        </p:spPr>
-        <p:txBody>
-          <a:bodyPr spcFirstLastPara="1" wrap="square" lIns="91425" tIns="91425" rIns="91425" bIns="91425" anchor="b" anchorCtr="0">
-            <a:noAutofit/>
-          </a:bodyPr>
-          <a:lstStyle/>
-          <a:p>
-            <a:r>
-              <a:rPr lang="en">
-                <a:solidFill>
-                  <a:schemeClr val="accent1"/>
-                </a:solidFill>
-              </a:rPr>
-              <a:t>Application Activity:</a:t>
-            </a:r>
-            <a:endParaRPr>
-              <a:solidFill>
-                <a:schemeClr val="accent1"/>
-              </a:solidFill>
-            </a:endParaRPr>
-          </a:p>
-          <a:p>
-            <a:r>
-              <a:rPr lang="en">
-                <a:solidFill>
-                  <a:schemeClr val="accent1"/>
-                </a:solidFill>
-              </a:rPr>
-              <a:t>Shapes of Distributions</a:t>
-            </a:r>
-            <a:endParaRPr>
-              <a:solidFill>
-                <a:schemeClr val="accent1"/>
-              </a:solidFill>
-            </a:endParaRPr>
-          </a:p>
-        </p:txBody>
-      </p:sp>
-    </p:spTree>
-  </p:cSld>
-  <p:clrMapOvr>
-    <a:masterClrMapping/>
-  </p:clrMapOvr>
-</p:sld>
-</file>
-
-<file path=ppt/slides/slide23.xml><?xml version="1.0" encoding="utf-8"?>
+<file path=ppt/slides/slide25.xml><?xml version="1.0" encoding="utf-8"?>
 <p:sld xmlns:a="http://schemas.openxmlformats.org/drawingml/2006/main" xmlns:r="http://schemas.openxmlformats.org/officeDocument/2006/relationships" xmlns:p="http://schemas.openxmlformats.org/presentationml/2006/main">
   <p:cSld>
     <p:spTree>
@@ -20560,7 +20223,7 @@
 </p:sld>
 </file>
 
-<file path=ppt/slides/slide24.xml><?xml version="1.0" encoding="utf-8"?>
+<file path=ppt/slides/slide26.xml><?xml version="1.0" encoding="utf-8"?>
 <p:sld xmlns:a="http://schemas.openxmlformats.org/drawingml/2006/main" xmlns:r="http://schemas.openxmlformats.org/officeDocument/2006/relationships" xmlns:p="http://schemas.openxmlformats.org/presentationml/2006/main">
   <p:cSld>
     <p:spTree>
@@ -20999,7 +20662,7 @@
 </p:sld>
 </file>
 
-<file path=ppt/slides/slide25.xml><?xml version="1.0" encoding="utf-8"?>
+<file path=ppt/slides/slide27.xml><?xml version="1.0" encoding="utf-8"?>
 <p:sld xmlns:a="http://schemas.openxmlformats.org/drawingml/2006/main" xmlns:r="http://schemas.openxmlformats.org/officeDocument/2006/relationships" xmlns:p="http://schemas.openxmlformats.org/presentationml/2006/main">
   <p:cSld>
     <p:spTree>
@@ -21174,7 +20837,7 @@
 </p:sld>
 </file>
 
-<file path=ppt/slides/slide26.xml><?xml version="1.0" encoding="utf-8"?>
+<file path=ppt/slides/slide28.xml><?xml version="1.0" encoding="utf-8"?>
 <p:sld xmlns:a="http://schemas.openxmlformats.org/drawingml/2006/main" xmlns:r="http://schemas.openxmlformats.org/officeDocument/2006/relationships" xmlns:p="http://schemas.openxmlformats.org/presentationml/2006/main">
   <p:cSld>
     <p:spTree>
@@ -21566,7 +21229,7 @@
 </p:sld>
 </file>
 
-<file path=ppt/slides/slide27.xml><?xml version="1.0" encoding="utf-8"?>
+<file path=ppt/slides/slide29.xml><?xml version="1.0" encoding="utf-8"?>
 <p:sld xmlns:a="http://schemas.openxmlformats.org/drawingml/2006/main" xmlns:r="http://schemas.openxmlformats.org/officeDocument/2006/relationships" xmlns:p="http://schemas.openxmlformats.org/presentationml/2006/main">
   <p:cSld>
     <p:spTree>
@@ -22185,7 +21848,90 @@
 </p:sld>
 </file>
 
-<file path=ppt/slides/slide28.xml><?xml version="1.0" encoding="utf-8"?>
+<file path=ppt/slides/slide3.xml><?xml version="1.0" encoding="utf-8"?>
+<p:sld xmlns:a="http://schemas.openxmlformats.org/drawingml/2006/main" xmlns:r="http://schemas.openxmlformats.org/officeDocument/2006/relationships" xmlns:p="http://schemas.openxmlformats.org/presentationml/2006/main">
+  <p:cSld>
+    <p:spTree>
+      <p:nvGrpSpPr>
+        <p:cNvPr id="1" name=""/>
+        <p:cNvGrpSpPr/>
+        <p:nvPr/>
+      </p:nvGrpSpPr>
+      <p:grpSpPr>
+        <a:xfrm>
+          <a:off x="0" y="0"/>
+          <a:ext cx="0" cy="0"/>
+          <a:chOff x="0" y="0"/>
+          <a:chExt cx="0" cy="0"/>
+        </a:xfrm>
+      </p:grpSpPr>
+      <p:sp>
+        <p:nvSpPr>
+          <p:cNvPr id="2" name="Title 1">
+            <a:extLst>
+              <a:ext uri="{FF2B5EF4-FFF2-40B4-BE49-F238E27FC236}">
+                <a16:creationId xmlns:a16="http://schemas.microsoft.com/office/drawing/2014/main" id="{2CCDE7EC-038D-739A-A07D-17DDEC7ED9F4}"/>
+              </a:ext>
+            </a:extLst>
+          </p:cNvPr>
+          <p:cNvSpPr>
+            <a:spLocks noGrp="1"/>
+          </p:cNvSpPr>
+          <p:nvPr>
+            <p:ph type="title"/>
+          </p:nvPr>
+        </p:nvSpPr>
+        <p:spPr/>
+        <p:txBody>
+          <a:bodyPr/>
+          <a:lstStyle/>
+          <a:p>
+            <a:r>
+              <a:rPr lang="en-US" dirty="0"/>
+              <a:t>Graphical Summary</a:t>
+            </a:r>
+          </a:p>
+        </p:txBody>
+      </p:sp>
+      <p:sp>
+        <p:nvSpPr>
+          <p:cNvPr id="3" name="Text Placeholder 2">
+            <a:extLst>
+              <a:ext uri="{FF2B5EF4-FFF2-40B4-BE49-F238E27FC236}">
+                <a16:creationId xmlns:a16="http://schemas.microsoft.com/office/drawing/2014/main" id="{8D03C7DF-2B7C-CF1B-59EE-8EEFA2F5C203}"/>
+              </a:ext>
+            </a:extLst>
+          </p:cNvPr>
+          <p:cNvSpPr>
+            <a:spLocks noGrp="1"/>
+          </p:cNvSpPr>
+          <p:nvPr>
+            <p:ph type="body" idx="1"/>
+          </p:nvPr>
+        </p:nvSpPr>
+        <p:spPr/>
+        <p:txBody>
+          <a:bodyPr/>
+          <a:lstStyle/>
+          <a:p>
+            <a:endParaRPr lang="en-US"/>
+          </a:p>
+        </p:txBody>
+      </p:sp>
+    </p:spTree>
+    <p:extLst>
+      <p:ext uri="{BB962C8B-B14F-4D97-AF65-F5344CB8AC3E}">
+        <p14:creationId xmlns:p14="http://schemas.microsoft.com/office/powerpoint/2010/main" val="2594443505"/>
+      </p:ext>
+    </p:extLst>
+  </p:cSld>
+  <p:clrMapOvr>
+    <a:masterClrMapping/>
+  </p:clrMapOvr>
+</p:sld>
+</file>
+
+<file path=ppt/slides/slide30.xml><?xml version="1.0" encoding="utf-8"?>
 <p:sld xmlns:a="http://schemas.openxmlformats.org/drawingml/2006/main" xmlns:r="http://schemas.openxmlformats.org/officeDocument/2006/relationships" xmlns:p="http://schemas.openxmlformats.org/presentationml/2006/main">
   <p:cSld>
     <p:spTree>
@@ -22340,7 +22086,7 @@
 </p:sld>
 </file>
 
-<file path=ppt/slides/slide29.xml><?xml version="1.0" encoding="utf-8"?>
+<file path=ppt/slides/slide31.xml><?xml version="1.0" encoding="utf-8"?>
 <p:sld xmlns:a="http://schemas.openxmlformats.org/drawingml/2006/main" xmlns:r="http://schemas.openxmlformats.org/officeDocument/2006/relationships" xmlns:p="http://schemas.openxmlformats.org/presentationml/2006/main">
   <p:cSld>
     <p:spTree>
@@ -22533,148 +22279,7 @@
 </p:sld>
 </file>
 
-<file path=ppt/slides/slide3.xml><?xml version="1.0" encoding="utf-8"?>
-<p:sld xmlns:a="http://schemas.openxmlformats.org/drawingml/2006/main" xmlns:r="http://schemas.openxmlformats.org/officeDocument/2006/relationships" xmlns:p="http://schemas.openxmlformats.org/presentationml/2006/main">
-  <p:cSld>
-    <p:spTree>
-      <p:nvGrpSpPr>
-        <p:cNvPr id="1" name="Shape 85"/>
-        <p:cNvGrpSpPr/>
-        <p:nvPr/>
-      </p:nvGrpSpPr>
-      <p:grpSpPr>
-        <a:xfrm>
-          <a:off x="0" y="0"/>
-          <a:ext cx="0" cy="0"/>
-          <a:chOff x="0" y="0"/>
-          <a:chExt cx="0" cy="0"/>
-        </a:xfrm>
-      </p:grpSpPr>
-      <p:sp>
-        <p:nvSpPr>
-          <p:cNvPr id="86" name="Google Shape;86;p16"/>
-          <p:cNvSpPr txBox="1">
-            <a:spLocks noGrp="1"/>
-          </p:cNvSpPr>
-          <p:nvPr>
-            <p:ph type="title"/>
-          </p:nvPr>
-        </p:nvSpPr>
-        <p:spPr>
-          <a:xfrm>
-            <a:off x="1981200" y="-12"/>
-            <a:ext cx="8229600" cy="1143000"/>
-          </a:xfrm>
-          <a:prstGeom prst="rect">
-            <a:avLst/>
-          </a:prstGeom>
-        </p:spPr>
-        <p:txBody>
-          <a:bodyPr spcFirstLastPara="1" wrap="square" lIns="91425" tIns="91425" rIns="91425" bIns="91425" anchor="b" anchorCtr="0">
-            <a:noAutofit/>
-          </a:bodyPr>
-          <a:lstStyle/>
-          <a:p>
-            <a:r>
-              <a:rPr lang="en">
-                <a:solidFill>
-                  <a:schemeClr val="accent1"/>
-                </a:solidFill>
-              </a:rPr>
-              <a:t>Stacked Dot Plot</a:t>
-            </a:r>
-            <a:endParaRPr>
-              <a:solidFill>
-                <a:schemeClr val="accent1"/>
-              </a:solidFill>
-            </a:endParaRPr>
-          </a:p>
-        </p:txBody>
-      </p:sp>
-      <p:sp>
-        <p:nvSpPr>
-          <p:cNvPr id="87" name="Google Shape;87;p16"/>
-          <p:cNvSpPr txBox="1">
-            <a:spLocks noGrp="1"/>
-          </p:cNvSpPr>
-          <p:nvPr>
-            <p:ph type="body" idx="1"/>
-          </p:nvPr>
-        </p:nvSpPr>
-        <p:spPr>
-          <a:xfrm>
-            <a:off x="1981200" y="1143000"/>
-            <a:ext cx="8154000" cy="5044800"/>
-          </a:xfrm>
-          <a:prstGeom prst="rect">
-            <a:avLst/>
-          </a:prstGeom>
-        </p:spPr>
-        <p:txBody>
-          <a:bodyPr spcFirstLastPara="1" wrap="square" lIns="91425" tIns="91425" rIns="91425" bIns="91425" anchor="t" anchorCtr="0">
-            <a:noAutofit/>
-          </a:bodyPr>
-          <a:lstStyle/>
-          <a:p>
-            <a:pPr marL="0" indent="0">
-              <a:lnSpc>
-                <a:spcPct val="115000"/>
-              </a:lnSpc>
-              <a:buNone/>
-            </a:pPr>
-            <a:r>
-              <a:rPr lang="en" sz="2200">
-                <a:solidFill>
-                  <a:srgbClr val="000000"/>
-                </a:solidFill>
-              </a:rPr>
-              <a:t>Higher bars represent areas where there are more observations, makes it a little easier to judge the center and the shape of the distribution.</a:t>
-            </a:r>
-            <a:endParaRPr sz="2200">
-              <a:solidFill>
-                <a:srgbClr val="000000"/>
-              </a:solidFill>
-            </a:endParaRPr>
-          </a:p>
-        </p:txBody>
-      </p:sp>
-      <p:pic>
-        <p:nvPicPr>
-          <p:cNvPr id="88" name="Google Shape;88;p16"/>
-          <p:cNvPicPr preferRelativeResize="0"/>
-          <p:nvPr/>
-        </p:nvPicPr>
-        <p:blipFill>
-          <a:blip r:embed="rId3">
-            <a:alphaModFix/>
-          </a:blip>
-          <a:stretch>
-            <a:fillRect/>
-          </a:stretch>
-        </p:blipFill>
-        <p:spPr>
-          <a:xfrm>
-            <a:off x="1981200" y="2475977"/>
-            <a:ext cx="7965050" cy="3510576"/>
-          </a:xfrm>
-          <a:prstGeom prst="rect">
-            <a:avLst/>
-          </a:prstGeom>
-          <a:noFill/>
-          <a:ln>
-            <a:noFill/>
-          </a:ln>
-        </p:spPr>
-      </p:pic>
-    </p:spTree>
-  </p:cSld>
-  <p:clrMapOvr>
-    <a:masterClrMapping/>
-  </p:clrMapOvr>
-</p:sld>
-</file>
-
-<file path=ppt/slides/slide30.xml><?xml version="1.0" encoding="utf-8"?>
+<file path=ppt/slides/slide32.xml><?xml version="1.0" encoding="utf-8"?>
 <p:sld xmlns:a="http://schemas.openxmlformats.org/drawingml/2006/main" xmlns:r="http://schemas.openxmlformats.org/officeDocument/2006/relationships" xmlns:p="http://schemas.openxmlformats.org/presentationml/2006/main">
   <p:cSld>
     <p:spTree>
@@ -22831,7 +22436,7 @@
 </p:sld>
 </file>
 
-<file path=ppt/slides/slide31.xml><?xml version="1.0" encoding="utf-8"?>
+<file path=ppt/slides/slide33.xml><?xml version="1.0" encoding="utf-8"?>
 <p:sld xmlns:a="http://schemas.openxmlformats.org/drawingml/2006/main" xmlns:r="http://schemas.openxmlformats.org/officeDocument/2006/relationships" xmlns:p="http://schemas.openxmlformats.org/presentationml/2006/main">
   <p:cSld>
     <p:spTree>
@@ -23291,7 +22896,7 @@
 </p:sld>
 </file>
 
-<file path=ppt/slides/slide32.xml><?xml version="1.0" encoding="utf-8"?>
+<file path=ppt/slides/slide34.xml><?xml version="1.0" encoding="utf-8"?>
 <p:sld xmlns:a="http://schemas.openxmlformats.org/drawingml/2006/main" xmlns:r="http://schemas.openxmlformats.org/officeDocument/2006/relationships" xmlns:p="http://schemas.openxmlformats.org/presentationml/2006/main">
   <p:cSld>
     <p:spTree>
@@ -23854,7 +23459,7 @@
 </p:sld>
 </file>
 
-<file path=ppt/slides/slide33.xml><?xml version="1.0" encoding="utf-8"?>
+<file path=ppt/slides/slide35.xml><?xml version="1.0" encoding="utf-8"?>
 <p:sld xmlns:a="http://schemas.openxmlformats.org/drawingml/2006/main" xmlns:r="http://schemas.openxmlformats.org/officeDocument/2006/relationships" xmlns:p="http://schemas.openxmlformats.org/presentationml/2006/main">
   <p:cSld>
     <p:spTree>
@@ -24157,7 +23762,7 @@
 </p:sld>
 </file>
 
-<file path=ppt/slides/slide34.xml><?xml version="1.0" encoding="utf-8"?>
+<file path=ppt/slides/slide36.xml><?xml version="1.0" encoding="utf-8"?>
 <p:sld xmlns:a="http://schemas.openxmlformats.org/drawingml/2006/main" xmlns:r="http://schemas.openxmlformats.org/officeDocument/2006/relationships" xmlns:p="http://schemas.openxmlformats.org/presentationml/2006/main">
   <p:cSld>
     <p:spTree>
@@ -24314,7 +23919,7 @@
 </p:sld>
 </file>
 
-<file path=ppt/slides/slide35.xml><?xml version="1.0" encoding="utf-8"?>
+<file path=ppt/slides/slide37.xml><?xml version="1.0" encoding="utf-8"?>
 <p:sld xmlns:a="http://schemas.openxmlformats.org/drawingml/2006/main" xmlns:r="http://schemas.openxmlformats.org/officeDocument/2006/relationships" xmlns:p="http://schemas.openxmlformats.org/presentationml/2006/main">
   <p:cSld>
     <p:spTree>
@@ -24408,7 +24013,7 @@
 </p:sld>
 </file>
 
-<file path=ppt/slides/slide36.xml><?xml version="1.0" encoding="utf-8"?>
+<file path=ppt/slides/slide38.xml><?xml version="1.0" encoding="utf-8"?>
 <p:sld xmlns:a="http://schemas.openxmlformats.org/drawingml/2006/main" xmlns:r="http://schemas.openxmlformats.org/officeDocument/2006/relationships" xmlns:p="http://schemas.openxmlformats.org/presentationml/2006/main">
   <p:cSld>
     <p:spTree>
@@ -24564,7 +24169,7 @@
 </p:sld>
 </file>
 
-<file path=ppt/slides/slide37.xml><?xml version="1.0" encoding="utf-8"?>
+<file path=ppt/slides/slide39.xml><?xml version="1.0" encoding="utf-8"?>
 <p:sld xmlns:a="http://schemas.openxmlformats.org/drawingml/2006/main" xmlns:r="http://schemas.openxmlformats.org/officeDocument/2006/relationships" xmlns:p="http://schemas.openxmlformats.org/presentationml/2006/main">
   <p:cSld>
     <p:spTree>
@@ -24793,7 +24398,148 @@
 </p:sld>
 </file>
 
-<file path=ppt/slides/slide38.xml><?xml version="1.0" encoding="utf-8"?>
+<file path=ppt/slides/slide4.xml><?xml version="1.0" encoding="utf-8"?>
+<p:sld xmlns:a="http://schemas.openxmlformats.org/drawingml/2006/main" xmlns:r="http://schemas.openxmlformats.org/officeDocument/2006/relationships" xmlns:p="http://schemas.openxmlformats.org/presentationml/2006/main">
+  <p:cSld>
+    <p:spTree>
+      <p:nvGrpSpPr>
+        <p:cNvPr id="1" name="Shape 85"/>
+        <p:cNvGrpSpPr/>
+        <p:nvPr/>
+      </p:nvGrpSpPr>
+      <p:grpSpPr>
+        <a:xfrm>
+          <a:off x="0" y="0"/>
+          <a:ext cx="0" cy="0"/>
+          <a:chOff x="0" y="0"/>
+          <a:chExt cx="0" cy="0"/>
+        </a:xfrm>
+      </p:grpSpPr>
+      <p:sp>
+        <p:nvSpPr>
+          <p:cNvPr id="86" name="Google Shape;86;p16"/>
+          <p:cNvSpPr txBox="1">
+            <a:spLocks noGrp="1"/>
+          </p:cNvSpPr>
+          <p:nvPr>
+            <p:ph type="title"/>
+          </p:nvPr>
+        </p:nvSpPr>
+        <p:spPr>
+          <a:xfrm>
+            <a:off x="1981200" y="-12"/>
+            <a:ext cx="8229600" cy="1143000"/>
+          </a:xfrm>
+          <a:prstGeom prst="rect">
+            <a:avLst/>
+          </a:prstGeom>
+        </p:spPr>
+        <p:txBody>
+          <a:bodyPr spcFirstLastPara="1" wrap="square" lIns="91425" tIns="91425" rIns="91425" bIns="91425" anchor="b" anchorCtr="0">
+            <a:noAutofit/>
+          </a:bodyPr>
+          <a:lstStyle/>
+          <a:p>
+            <a:r>
+              <a:rPr lang="en">
+                <a:solidFill>
+                  <a:schemeClr val="accent1"/>
+                </a:solidFill>
+              </a:rPr>
+              <a:t>Stacked Dot Plot</a:t>
+            </a:r>
+            <a:endParaRPr>
+              <a:solidFill>
+                <a:schemeClr val="accent1"/>
+              </a:solidFill>
+            </a:endParaRPr>
+          </a:p>
+        </p:txBody>
+      </p:sp>
+      <p:sp>
+        <p:nvSpPr>
+          <p:cNvPr id="87" name="Google Shape;87;p16"/>
+          <p:cNvSpPr txBox="1">
+            <a:spLocks noGrp="1"/>
+          </p:cNvSpPr>
+          <p:nvPr>
+            <p:ph type="body" idx="1"/>
+          </p:nvPr>
+        </p:nvSpPr>
+        <p:spPr>
+          <a:xfrm>
+            <a:off x="1981200" y="1143000"/>
+            <a:ext cx="8154000" cy="5044800"/>
+          </a:xfrm>
+          <a:prstGeom prst="rect">
+            <a:avLst/>
+          </a:prstGeom>
+        </p:spPr>
+        <p:txBody>
+          <a:bodyPr spcFirstLastPara="1" wrap="square" lIns="91425" tIns="91425" rIns="91425" bIns="91425" anchor="t" anchorCtr="0">
+            <a:noAutofit/>
+          </a:bodyPr>
+          <a:lstStyle/>
+          <a:p>
+            <a:pPr marL="0" indent="0">
+              <a:lnSpc>
+                <a:spcPct val="115000"/>
+              </a:lnSpc>
+              <a:buNone/>
+            </a:pPr>
+            <a:r>
+              <a:rPr lang="en" sz="2200">
+                <a:solidFill>
+                  <a:srgbClr val="000000"/>
+                </a:solidFill>
+              </a:rPr>
+              <a:t>Higher bars represent areas where there are more observations, makes it a little easier to judge the center and the shape of the distribution.</a:t>
+            </a:r>
+            <a:endParaRPr sz="2200">
+              <a:solidFill>
+                <a:srgbClr val="000000"/>
+              </a:solidFill>
+            </a:endParaRPr>
+          </a:p>
+        </p:txBody>
+      </p:sp>
+      <p:pic>
+        <p:nvPicPr>
+          <p:cNvPr id="88" name="Google Shape;88;p16"/>
+          <p:cNvPicPr preferRelativeResize="0"/>
+          <p:nvPr/>
+        </p:nvPicPr>
+        <p:blipFill>
+          <a:blip r:embed="rId3">
+            <a:alphaModFix/>
+          </a:blip>
+          <a:stretch>
+            <a:fillRect/>
+          </a:stretch>
+        </p:blipFill>
+        <p:spPr>
+          <a:xfrm>
+            <a:off x="1981200" y="2475977"/>
+            <a:ext cx="7965050" cy="3510576"/>
+          </a:xfrm>
+          <a:prstGeom prst="rect">
+            <a:avLst/>
+          </a:prstGeom>
+          <a:noFill/>
+          <a:ln>
+            <a:noFill/>
+          </a:ln>
+        </p:spPr>
+      </p:pic>
+    </p:spTree>
+  </p:cSld>
+  <p:clrMapOvr>
+    <a:masterClrMapping/>
+  </p:clrMapOvr>
+</p:sld>
+</file>
+
+<file path=ppt/slides/slide40.xml><?xml version="1.0" encoding="utf-8"?>
 <p:sld xmlns:a="http://schemas.openxmlformats.org/drawingml/2006/main" xmlns:r="http://schemas.openxmlformats.org/officeDocument/2006/relationships" xmlns:p="http://schemas.openxmlformats.org/presentationml/2006/main">
   <p:cSld>
     <p:spTree>
@@ -25212,7 +24958,7 @@
 </p:sld>
 </file>
 
-<file path=ppt/slides/slide39.xml><?xml version="1.0" encoding="utf-8"?>
+<file path=ppt/slides/slide41.xml><?xml version="1.0" encoding="utf-8"?>
 <p:sld xmlns:a="http://schemas.openxmlformats.org/drawingml/2006/main" xmlns:r="http://schemas.openxmlformats.org/officeDocument/2006/relationships" xmlns:p="http://schemas.openxmlformats.org/presentationml/2006/main">
   <p:cSld>
     <p:spTree>
@@ -25755,252 +25501,7 @@
 </p:sld>
 </file>
 
-<file path=ppt/slides/slide4.xml><?xml version="1.0" encoding="utf-8"?>
-<p:sld xmlns:a="http://schemas.openxmlformats.org/drawingml/2006/main" xmlns:r="http://schemas.openxmlformats.org/officeDocument/2006/relationships" xmlns:p="http://schemas.openxmlformats.org/presentationml/2006/main">
-  <p:cSld>
-    <p:spTree>
-      <p:nvGrpSpPr>
-        <p:cNvPr id="1" name="Shape 92"/>
-        <p:cNvGrpSpPr/>
-        <p:nvPr/>
-      </p:nvGrpSpPr>
-      <p:grpSpPr>
-        <a:xfrm>
-          <a:off x="0" y="0"/>
-          <a:ext cx="0" cy="0"/>
-          <a:chOff x="0" y="0"/>
-          <a:chExt cx="0" cy="0"/>
-        </a:xfrm>
-      </p:grpSpPr>
-      <p:sp>
-        <p:nvSpPr>
-          <p:cNvPr id="93" name="Google Shape;93;p17"/>
-          <p:cNvSpPr txBox="1">
-            <a:spLocks noGrp="1"/>
-          </p:cNvSpPr>
-          <p:nvPr>
-            <p:ph type="title"/>
-          </p:nvPr>
-        </p:nvSpPr>
-        <p:spPr>
-          <a:xfrm>
-            <a:off x="1981200" y="-12"/>
-            <a:ext cx="8229600" cy="1143000"/>
-          </a:xfrm>
-          <a:prstGeom prst="rect">
-            <a:avLst/>
-          </a:prstGeom>
-        </p:spPr>
-        <p:txBody>
-          <a:bodyPr spcFirstLastPara="1" wrap="square" lIns="91425" tIns="91425" rIns="91425" bIns="91425" anchor="b" anchorCtr="0">
-            <a:noAutofit/>
-          </a:bodyPr>
-          <a:lstStyle/>
-          <a:p>
-            <a:r>
-              <a:rPr lang="en">
-                <a:solidFill>
-                  <a:schemeClr val="accent1"/>
-                </a:solidFill>
-              </a:rPr>
-              <a:t>Histograms - Extracurricular Hours</a:t>
-            </a:r>
-            <a:endParaRPr>
-              <a:solidFill>
-                <a:schemeClr val="accent1"/>
-              </a:solidFill>
-            </a:endParaRPr>
-          </a:p>
-        </p:txBody>
-      </p:sp>
-      <p:sp>
-        <p:nvSpPr>
-          <p:cNvPr id="94" name="Google Shape;94;p17"/>
-          <p:cNvSpPr txBox="1">
-            <a:spLocks noGrp="1"/>
-          </p:cNvSpPr>
-          <p:nvPr>
-            <p:ph type="body" idx="1"/>
-          </p:nvPr>
-        </p:nvSpPr>
-        <p:spPr>
-          <a:xfrm>
-            <a:off x="1981200" y="1143000"/>
-            <a:ext cx="8154000" cy="5044800"/>
-          </a:xfrm>
-          <a:prstGeom prst="rect">
-            <a:avLst/>
-          </a:prstGeom>
-        </p:spPr>
-        <p:txBody>
-          <a:bodyPr spcFirstLastPara="1" wrap="square" lIns="91425" tIns="91425" rIns="91425" bIns="91425" anchor="t" anchorCtr="0">
-            <a:noAutofit/>
-          </a:bodyPr>
-          <a:lstStyle/>
-          <a:p>
-            <a:pPr indent="-355600">
-              <a:lnSpc>
-                <a:spcPct val="115000"/>
-              </a:lnSpc>
-              <a:buSzPts val="2000"/>
-            </a:pPr>
-            <a:r>
-              <a:rPr lang="en" sz="2000">
-                <a:solidFill>
-                  <a:srgbClr val="000000"/>
-                </a:solidFill>
-              </a:rPr>
-              <a:t>Histograms provide a view of the </a:t>
-            </a:r>
-            <a:r>
-              <a:rPr lang="en" sz="2000" i="1">
-                <a:solidFill>
-                  <a:schemeClr val="accent1"/>
-                </a:solidFill>
-              </a:rPr>
-              <a:t>data density</a:t>
-            </a:r>
-            <a:r>
-              <a:rPr lang="en" sz="2000">
-                <a:solidFill>
-                  <a:srgbClr val="000000"/>
-                </a:solidFill>
-              </a:rPr>
-              <a:t>. Higher bars represent where the data are relatively more common.</a:t>
-            </a:r>
-            <a:endParaRPr sz="2000">
-              <a:solidFill>
-                <a:srgbClr val="000000"/>
-              </a:solidFill>
-            </a:endParaRPr>
-          </a:p>
-          <a:p>
-            <a:pPr indent="-355600">
-              <a:lnSpc>
-                <a:spcPct val="115000"/>
-              </a:lnSpc>
-              <a:spcBef>
-                <a:spcPts val="0"/>
-              </a:spcBef>
-              <a:buSzPts val="2000"/>
-            </a:pPr>
-            <a:r>
-              <a:rPr lang="en" sz="2000">
-                <a:solidFill>
-                  <a:srgbClr val="000000"/>
-                </a:solidFill>
-              </a:rPr>
-              <a:t>Histograms are especially convenient for describing the </a:t>
-            </a:r>
-            <a:r>
-              <a:rPr lang="en" sz="2000" i="1">
-                <a:solidFill>
-                  <a:schemeClr val="accent1"/>
-                </a:solidFill>
-              </a:rPr>
-              <a:t>shape</a:t>
-            </a:r>
-            <a:r>
-              <a:rPr lang="en" sz="2000" i="1">
-                <a:solidFill>
-                  <a:srgbClr val="000000"/>
-                </a:solidFill>
-              </a:rPr>
-              <a:t> </a:t>
-            </a:r>
-            <a:r>
-              <a:rPr lang="en" sz="2000">
-                <a:solidFill>
-                  <a:srgbClr val="000000"/>
-                </a:solidFill>
-              </a:rPr>
-              <a:t>of the data distribution.</a:t>
-            </a:r>
-            <a:endParaRPr sz="2000">
-              <a:solidFill>
-                <a:srgbClr val="000000"/>
-              </a:solidFill>
-            </a:endParaRPr>
-          </a:p>
-          <a:p>
-            <a:pPr indent="-355600">
-              <a:lnSpc>
-                <a:spcPct val="115000"/>
-              </a:lnSpc>
-              <a:spcBef>
-                <a:spcPts val="0"/>
-              </a:spcBef>
-              <a:buSzPts val="2000"/>
-            </a:pPr>
-            <a:r>
-              <a:rPr lang="en" sz="2000">
-                <a:solidFill>
-                  <a:srgbClr val="000000"/>
-                </a:solidFill>
-              </a:rPr>
-              <a:t>The chosen </a:t>
-            </a:r>
-            <a:r>
-              <a:rPr lang="en" sz="2000" i="1">
-                <a:solidFill>
-                  <a:schemeClr val="accent1"/>
-                </a:solidFill>
-              </a:rPr>
-              <a:t>bin width</a:t>
-            </a:r>
-            <a:r>
-              <a:rPr lang="en" sz="2000">
-                <a:solidFill>
-                  <a:srgbClr val="000000"/>
-                </a:solidFill>
-              </a:rPr>
-              <a:t> can alter the story the histogram is telling.</a:t>
-            </a:r>
-            <a:endParaRPr sz="2000">
-              <a:solidFill>
-                <a:srgbClr val="000000"/>
-              </a:solidFill>
-            </a:endParaRPr>
-          </a:p>
-        </p:txBody>
-      </p:sp>
-      <p:pic>
-        <p:nvPicPr>
-          <p:cNvPr id="95" name="Google Shape;95;p17"/>
-          <p:cNvPicPr preferRelativeResize="0"/>
-          <p:nvPr/>
-        </p:nvPicPr>
-        <p:blipFill>
-          <a:blip r:embed="rId3">
-            <a:alphaModFix/>
-          </a:blip>
-          <a:stretch>
-            <a:fillRect/>
-          </a:stretch>
-        </p:blipFill>
-        <p:spPr>
-          <a:xfrm>
-            <a:off x="2484650" y="3083224"/>
-            <a:ext cx="5453000" cy="3104575"/>
-          </a:xfrm>
-          <a:prstGeom prst="rect">
-            <a:avLst/>
-          </a:prstGeom>
-          <a:noFill/>
-          <a:ln>
-            <a:noFill/>
-          </a:ln>
-        </p:spPr>
-      </p:pic>
-    </p:spTree>
-  </p:cSld>
-  <p:clrMapOvr>
-    <a:masterClrMapping/>
-  </p:clrMapOvr>
-</p:sld>
-</file>
-
-<file path=ppt/slides/slide40.xml><?xml version="1.0" encoding="utf-8"?>
+<file path=ppt/slides/slide42.xml><?xml version="1.0" encoding="utf-8"?>
 <p:sld xmlns:a="http://schemas.openxmlformats.org/drawingml/2006/main" xmlns:r="http://schemas.openxmlformats.org/officeDocument/2006/relationships" xmlns:p="http://schemas.openxmlformats.org/presentationml/2006/main">
   <p:cSld>
     <p:spTree>
@@ -26113,7 +25614,7 @@
 </p:sld>
 </file>
 
-<file path=ppt/slides/slide41.xml><?xml version="1.0" encoding="utf-8"?>
+<file path=ppt/slides/slide43.xml><?xml version="1.0" encoding="utf-8"?>
 <p:sld xmlns:a="http://schemas.openxmlformats.org/drawingml/2006/main" xmlns:r="http://schemas.openxmlformats.org/officeDocument/2006/relationships" xmlns:p="http://schemas.openxmlformats.org/presentationml/2006/main">
   <p:cSld>
     <p:spTree>
@@ -26413,7 +25914,7 @@
 </p:sld>
 </file>
 
-<file path=ppt/slides/slide42.xml><?xml version="1.0" encoding="utf-8"?>
+<file path=ppt/slides/slide44.xml><?xml version="1.0" encoding="utf-8"?>
 <p:sld xmlns:a="http://schemas.openxmlformats.org/drawingml/2006/main" xmlns:r="http://schemas.openxmlformats.org/officeDocument/2006/relationships" xmlns:p="http://schemas.openxmlformats.org/presentationml/2006/main">
   <p:cSld>
     <p:spTree>
@@ -26554,7 +26055,7 @@
 </p:sld>
 </file>
 
-<file path=ppt/slides/slide43.xml><?xml version="1.0" encoding="utf-8"?>
+<file path=ppt/slides/slide45.xml><?xml version="1.0" encoding="utf-8"?>
 <p:sld xmlns:a="http://schemas.openxmlformats.org/drawingml/2006/main" xmlns:r="http://schemas.openxmlformats.org/officeDocument/2006/relationships" xmlns:p="http://schemas.openxmlformats.org/presentationml/2006/main">
   <p:cSld>
     <p:spTree>
@@ -26648,7 +26149,7 @@
 </p:sld>
 </file>
 
-<file path=ppt/slides/slide44.xml><?xml version="1.0" encoding="utf-8"?>
+<file path=ppt/slides/slide46.xml><?xml version="1.0" encoding="utf-8"?>
 <p:sld xmlns:a="http://schemas.openxmlformats.org/drawingml/2006/main" xmlns:r="http://schemas.openxmlformats.org/officeDocument/2006/relationships" xmlns:p="http://schemas.openxmlformats.org/presentationml/2006/main">
   <p:cSld>
     <p:spTree>
@@ -26816,7 +26317,7 @@
 </p:sld>
 </file>
 
-<file path=ppt/slides/slide45.xml><?xml version="1.0" encoding="utf-8"?>
+<file path=ppt/slides/slide47.xml><?xml version="1.0" encoding="utf-8"?>
 <p:sld xmlns:a="http://schemas.openxmlformats.org/drawingml/2006/main" xmlns:r="http://schemas.openxmlformats.org/officeDocument/2006/relationships" xmlns:p="http://schemas.openxmlformats.org/presentationml/2006/main">
   <p:cSld>
     <p:spTree>
@@ -27138,7 +26639,7 @@
 </p:sld>
 </file>
 
-<file path=ppt/slides/slide46.xml><?xml version="1.0" encoding="utf-8"?>
+<file path=ppt/slides/slide48.xml><?xml version="1.0" encoding="utf-8"?>
 <p:sld xmlns:a="http://schemas.openxmlformats.org/drawingml/2006/main" xmlns:r="http://schemas.openxmlformats.org/officeDocument/2006/relationships" xmlns:p="http://schemas.openxmlformats.org/presentationml/2006/main">
   <p:cSld>
     <p:spTree>
@@ -27529,7 +27030,7 @@
 </p:sld>
 </file>
 
-<file path=ppt/slides/slide47.xml><?xml version="1.0" encoding="utf-8"?>
+<file path=ppt/slides/slide49.xml><?xml version="1.0" encoding="utf-8"?>
 <p:sld xmlns:a="http://schemas.openxmlformats.org/drawingml/2006/main" xmlns:r="http://schemas.openxmlformats.org/officeDocument/2006/relationships" xmlns:p="http://schemas.openxmlformats.org/presentationml/2006/main">
   <p:cSld>
     <p:spTree>
@@ -27845,7 +27346,252 @@
 </p:sld>
 </file>
 
-<file path=ppt/slides/slide48.xml><?xml version="1.0" encoding="utf-8"?>
+<file path=ppt/slides/slide5.xml><?xml version="1.0" encoding="utf-8"?>
+<p:sld xmlns:a="http://schemas.openxmlformats.org/drawingml/2006/main" xmlns:r="http://schemas.openxmlformats.org/officeDocument/2006/relationships" xmlns:p="http://schemas.openxmlformats.org/presentationml/2006/main">
+  <p:cSld>
+    <p:spTree>
+      <p:nvGrpSpPr>
+        <p:cNvPr id="1" name="Shape 92"/>
+        <p:cNvGrpSpPr/>
+        <p:nvPr/>
+      </p:nvGrpSpPr>
+      <p:grpSpPr>
+        <a:xfrm>
+          <a:off x="0" y="0"/>
+          <a:ext cx="0" cy="0"/>
+          <a:chOff x="0" y="0"/>
+          <a:chExt cx="0" cy="0"/>
+        </a:xfrm>
+      </p:grpSpPr>
+      <p:sp>
+        <p:nvSpPr>
+          <p:cNvPr id="93" name="Google Shape;93;p17"/>
+          <p:cNvSpPr txBox="1">
+            <a:spLocks noGrp="1"/>
+          </p:cNvSpPr>
+          <p:nvPr>
+            <p:ph type="title"/>
+          </p:nvPr>
+        </p:nvSpPr>
+        <p:spPr>
+          <a:xfrm>
+            <a:off x="1981200" y="-12"/>
+            <a:ext cx="8229600" cy="1143000"/>
+          </a:xfrm>
+          <a:prstGeom prst="rect">
+            <a:avLst/>
+          </a:prstGeom>
+        </p:spPr>
+        <p:txBody>
+          <a:bodyPr spcFirstLastPara="1" wrap="square" lIns="91425" tIns="91425" rIns="91425" bIns="91425" anchor="b" anchorCtr="0">
+            <a:noAutofit/>
+          </a:bodyPr>
+          <a:lstStyle/>
+          <a:p>
+            <a:r>
+              <a:rPr lang="en" dirty="0">
+                <a:solidFill>
+                  <a:schemeClr val="accent1"/>
+                </a:solidFill>
+              </a:rPr>
+              <a:t>Histograms</a:t>
+            </a:r>
+            <a:endParaRPr dirty="0">
+              <a:solidFill>
+                <a:schemeClr val="accent1"/>
+              </a:solidFill>
+            </a:endParaRPr>
+          </a:p>
+        </p:txBody>
+      </p:sp>
+      <p:sp>
+        <p:nvSpPr>
+          <p:cNvPr id="94" name="Google Shape;94;p17"/>
+          <p:cNvSpPr txBox="1">
+            <a:spLocks noGrp="1"/>
+          </p:cNvSpPr>
+          <p:nvPr>
+            <p:ph type="body" idx="1"/>
+          </p:nvPr>
+        </p:nvSpPr>
+        <p:spPr>
+          <a:xfrm>
+            <a:off x="1981200" y="1143000"/>
+            <a:ext cx="8154000" cy="5044800"/>
+          </a:xfrm>
+          <a:prstGeom prst="rect">
+            <a:avLst/>
+          </a:prstGeom>
+        </p:spPr>
+        <p:txBody>
+          <a:bodyPr spcFirstLastPara="1" wrap="square" lIns="91425" tIns="91425" rIns="91425" bIns="91425" anchor="t" anchorCtr="0">
+            <a:noAutofit/>
+          </a:bodyPr>
+          <a:lstStyle/>
+          <a:p>
+            <a:pPr indent="-355600">
+              <a:lnSpc>
+                <a:spcPct val="115000"/>
+              </a:lnSpc>
+              <a:buSzPts val="2000"/>
+            </a:pPr>
+            <a:r>
+              <a:rPr lang="en" sz="2000">
+                <a:solidFill>
+                  <a:srgbClr val="000000"/>
+                </a:solidFill>
+              </a:rPr>
+              <a:t>Histograms provide a view of the </a:t>
+            </a:r>
+            <a:r>
+              <a:rPr lang="en" sz="2000" i="1">
+                <a:solidFill>
+                  <a:schemeClr val="accent1"/>
+                </a:solidFill>
+              </a:rPr>
+              <a:t>data density</a:t>
+            </a:r>
+            <a:r>
+              <a:rPr lang="en" sz="2000">
+                <a:solidFill>
+                  <a:srgbClr val="000000"/>
+                </a:solidFill>
+              </a:rPr>
+              <a:t>. Higher bars represent where the data are relatively more common.</a:t>
+            </a:r>
+            <a:endParaRPr sz="2000">
+              <a:solidFill>
+                <a:srgbClr val="000000"/>
+              </a:solidFill>
+            </a:endParaRPr>
+          </a:p>
+          <a:p>
+            <a:pPr indent="-355600">
+              <a:lnSpc>
+                <a:spcPct val="115000"/>
+              </a:lnSpc>
+              <a:spcBef>
+                <a:spcPts val="0"/>
+              </a:spcBef>
+              <a:buSzPts val="2000"/>
+            </a:pPr>
+            <a:r>
+              <a:rPr lang="en" sz="2000">
+                <a:solidFill>
+                  <a:srgbClr val="000000"/>
+                </a:solidFill>
+              </a:rPr>
+              <a:t>Histograms are especially convenient for describing the </a:t>
+            </a:r>
+            <a:r>
+              <a:rPr lang="en" sz="2000" i="1">
+                <a:solidFill>
+                  <a:schemeClr val="accent1"/>
+                </a:solidFill>
+              </a:rPr>
+              <a:t>shape</a:t>
+            </a:r>
+            <a:r>
+              <a:rPr lang="en" sz="2000" i="1">
+                <a:solidFill>
+                  <a:srgbClr val="000000"/>
+                </a:solidFill>
+              </a:rPr>
+              <a:t> </a:t>
+            </a:r>
+            <a:r>
+              <a:rPr lang="en" sz="2000">
+                <a:solidFill>
+                  <a:srgbClr val="000000"/>
+                </a:solidFill>
+              </a:rPr>
+              <a:t>of the data distribution.</a:t>
+            </a:r>
+            <a:endParaRPr sz="2000">
+              <a:solidFill>
+                <a:srgbClr val="000000"/>
+              </a:solidFill>
+            </a:endParaRPr>
+          </a:p>
+          <a:p>
+            <a:pPr indent="-355600">
+              <a:lnSpc>
+                <a:spcPct val="115000"/>
+              </a:lnSpc>
+              <a:spcBef>
+                <a:spcPts val="0"/>
+              </a:spcBef>
+              <a:buSzPts val="2000"/>
+            </a:pPr>
+            <a:r>
+              <a:rPr lang="en" sz="2000">
+                <a:solidFill>
+                  <a:srgbClr val="000000"/>
+                </a:solidFill>
+              </a:rPr>
+              <a:t>The chosen </a:t>
+            </a:r>
+            <a:r>
+              <a:rPr lang="en" sz="2000" i="1">
+                <a:solidFill>
+                  <a:schemeClr val="accent1"/>
+                </a:solidFill>
+              </a:rPr>
+              <a:t>bin width</a:t>
+            </a:r>
+            <a:r>
+              <a:rPr lang="en" sz="2000">
+                <a:solidFill>
+                  <a:srgbClr val="000000"/>
+                </a:solidFill>
+              </a:rPr>
+              <a:t> can alter the story the histogram is telling.</a:t>
+            </a:r>
+            <a:endParaRPr sz="2000">
+              <a:solidFill>
+                <a:srgbClr val="000000"/>
+              </a:solidFill>
+            </a:endParaRPr>
+          </a:p>
+        </p:txBody>
+      </p:sp>
+      <p:pic>
+        <p:nvPicPr>
+          <p:cNvPr id="95" name="Google Shape;95;p17"/>
+          <p:cNvPicPr preferRelativeResize="0"/>
+          <p:nvPr/>
+        </p:nvPicPr>
+        <p:blipFill>
+          <a:blip r:embed="rId3">
+            <a:alphaModFix/>
+          </a:blip>
+          <a:stretch>
+            <a:fillRect/>
+          </a:stretch>
+        </p:blipFill>
+        <p:spPr>
+          <a:xfrm>
+            <a:off x="2484650" y="3083224"/>
+            <a:ext cx="5453000" cy="3104575"/>
+          </a:xfrm>
+          <a:prstGeom prst="rect">
+            <a:avLst/>
+          </a:prstGeom>
+          <a:noFill/>
+          <a:ln>
+            <a:noFill/>
+          </a:ln>
+        </p:spPr>
+      </p:pic>
+    </p:spTree>
+  </p:cSld>
+  <p:clrMapOvr>
+    <a:masterClrMapping/>
+  </p:clrMapOvr>
+</p:sld>
+</file>
+
+<file path=ppt/slides/slide50.xml><?xml version="1.0" encoding="utf-8"?>
 <p:sld xmlns:a="http://schemas.openxmlformats.org/drawingml/2006/main" xmlns:r="http://schemas.openxmlformats.org/officeDocument/2006/relationships" xmlns:p="http://schemas.openxmlformats.org/presentationml/2006/main">
   <p:cSld>
     <p:spTree>
@@ -28145,7 +27891,7 @@
 </p:sld>
 </file>
 
-<file path=ppt/slides/slide49.xml><?xml version="1.0" encoding="utf-8"?>
+<file path=ppt/slides/slide51.xml><?xml version="1.0" encoding="utf-8"?>
 <p:sld xmlns:a="http://schemas.openxmlformats.org/drawingml/2006/main" xmlns:r="http://schemas.openxmlformats.org/officeDocument/2006/relationships" xmlns:p="http://schemas.openxmlformats.org/presentationml/2006/main">
   <p:cSld>
     <p:spTree>
@@ -28477,232 +28223,7 @@
 </p:sld>
 </file>
 
-<file path=ppt/slides/slide5.xml><?xml version="1.0" encoding="utf-8"?>
-<p:sld xmlns:a="http://schemas.openxmlformats.org/drawingml/2006/main" xmlns:r="http://schemas.openxmlformats.org/officeDocument/2006/relationships" xmlns:p="http://schemas.openxmlformats.org/presentationml/2006/main">
-  <p:cSld>
-    <p:spTree>
-      <p:nvGrpSpPr>
-        <p:cNvPr id="1" name="Shape 99"/>
-        <p:cNvGrpSpPr/>
-        <p:nvPr/>
-      </p:nvGrpSpPr>
-      <p:grpSpPr>
-        <a:xfrm>
-          <a:off x="0" y="0"/>
-          <a:ext cx="0" cy="0"/>
-          <a:chOff x="0" y="0"/>
-          <a:chExt cx="0" cy="0"/>
-        </a:xfrm>
-      </p:grpSpPr>
-      <p:sp>
-        <p:nvSpPr>
-          <p:cNvPr id="100" name="Google Shape;100;p18"/>
-          <p:cNvSpPr txBox="1">
-            <a:spLocks noGrp="1"/>
-          </p:cNvSpPr>
-          <p:nvPr>
-            <p:ph type="title"/>
-          </p:nvPr>
-        </p:nvSpPr>
-        <p:spPr>
-          <a:xfrm>
-            <a:off x="1981200" y="-12"/>
-            <a:ext cx="8229600" cy="1143000"/>
-          </a:xfrm>
-          <a:prstGeom prst="rect">
-            <a:avLst/>
-          </a:prstGeom>
-        </p:spPr>
-        <p:txBody>
-          <a:bodyPr spcFirstLastPara="1" wrap="square" lIns="91425" tIns="91425" rIns="91425" bIns="91425" anchor="b" anchorCtr="0">
-            <a:noAutofit/>
-          </a:bodyPr>
-          <a:lstStyle/>
-          <a:p>
-            <a:r>
-              <a:rPr lang="en">
-                <a:solidFill>
-                  <a:schemeClr val="accent1"/>
-                </a:solidFill>
-              </a:rPr>
-              <a:t>Bin Width</a:t>
-            </a:r>
-            <a:endParaRPr>
-              <a:solidFill>
-                <a:schemeClr val="accent1"/>
-              </a:solidFill>
-            </a:endParaRPr>
-          </a:p>
-        </p:txBody>
-      </p:sp>
-      <p:sp>
-        <p:nvSpPr>
-          <p:cNvPr id="101" name="Google Shape;101;p18"/>
-          <p:cNvSpPr txBox="1">
-            <a:spLocks noGrp="1"/>
-          </p:cNvSpPr>
-          <p:nvPr>
-            <p:ph type="body" idx="1"/>
-          </p:nvPr>
-        </p:nvSpPr>
-        <p:spPr>
-          <a:xfrm>
-            <a:off x="1981200" y="1143000"/>
-            <a:ext cx="8154000" cy="983400"/>
-          </a:xfrm>
-          <a:prstGeom prst="rect">
-            <a:avLst/>
-          </a:prstGeom>
-        </p:spPr>
-        <p:txBody>
-          <a:bodyPr spcFirstLastPara="1" wrap="square" lIns="91425" tIns="91425" rIns="91425" bIns="91425" anchor="t" anchorCtr="0">
-            <a:noAutofit/>
-          </a:bodyPr>
-          <a:lstStyle/>
-          <a:p>
-            <a:pPr marL="0" indent="0">
-              <a:lnSpc>
-                <a:spcPct val="115000"/>
-              </a:lnSpc>
-              <a:buNone/>
-            </a:pPr>
-            <a:r>
-              <a:rPr lang="en" sz="2000">
-                <a:solidFill>
-                  <a:schemeClr val="accent1"/>
-                </a:solidFill>
-              </a:rPr>
-              <a:t>Which one(s) of these histograms are useful? Which reveal too much about the data? Which hide too much?</a:t>
-            </a:r>
-            <a:endParaRPr sz="2000">
-              <a:solidFill>
-                <a:schemeClr val="accent1"/>
-              </a:solidFill>
-            </a:endParaRPr>
-          </a:p>
-        </p:txBody>
-      </p:sp>
-      <p:pic>
-        <p:nvPicPr>
-          <p:cNvPr id="102" name="Google Shape;102;p18"/>
-          <p:cNvPicPr preferRelativeResize="0"/>
-          <p:nvPr/>
-        </p:nvPicPr>
-        <p:blipFill>
-          <a:blip r:embed="rId3">
-            <a:alphaModFix/>
-          </a:blip>
-          <a:stretch>
-            <a:fillRect/>
-          </a:stretch>
-        </p:blipFill>
-        <p:spPr>
-          <a:xfrm>
-            <a:off x="2073675" y="2126400"/>
-            <a:ext cx="3390725" cy="1938475"/>
-          </a:xfrm>
-          <a:prstGeom prst="rect">
-            <a:avLst/>
-          </a:prstGeom>
-          <a:noFill/>
-          <a:ln>
-            <a:noFill/>
-          </a:ln>
-        </p:spPr>
-      </p:pic>
-      <p:pic>
-        <p:nvPicPr>
-          <p:cNvPr id="103" name="Google Shape;103;p18"/>
-          <p:cNvPicPr preferRelativeResize="0"/>
-          <p:nvPr/>
-        </p:nvPicPr>
-        <p:blipFill>
-          <a:blip r:embed="rId4">
-            <a:alphaModFix/>
-          </a:blip>
-          <a:stretch>
-            <a:fillRect/>
-          </a:stretch>
-        </p:blipFill>
-        <p:spPr>
-          <a:xfrm>
-            <a:off x="5844276" y="2126400"/>
-            <a:ext cx="3463051" cy="1938475"/>
-          </a:xfrm>
-          <a:prstGeom prst="rect">
-            <a:avLst/>
-          </a:prstGeom>
-          <a:noFill/>
-          <a:ln>
-            <a:noFill/>
-          </a:ln>
-        </p:spPr>
-      </p:pic>
-      <p:pic>
-        <p:nvPicPr>
-          <p:cNvPr id="104" name="Google Shape;104;p18"/>
-          <p:cNvPicPr preferRelativeResize="0"/>
-          <p:nvPr/>
-        </p:nvPicPr>
-        <p:blipFill>
-          <a:blip r:embed="rId5">
-            <a:alphaModFix/>
-          </a:blip>
-          <a:stretch>
-            <a:fillRect/>
-          </a:stretch>
-        </p:blipFill>
-        <p:spPr>
-          <a:xfrm>
-            <a:off x="2073676" y="4423975"/>
-            <a:ext cx="3647325" cy="2071075"/>
-          </a:xfrm>
-          <a:prstGeom prst="rect">
-            <a:avLst/>
-          </a:prstGeom>
-          <a:noFill/>
-          <a:ln>
-            <a:noFill/>
-          </a:ln>
-        </p:spPr>
-      </p:pic>
-      <p:pic>
-        <p:nvPicPr>
-          <p:cNvPr id="105" name="Google Shape;105;p18"/>
-          <p:cNvPicPr preferRelativeResize="0"/>
-          <p:nvPr/>
-        </p:nvPicPr>
-        <p:blipFill>
-          <a:blip r:embed="rId6">
-            <a:alphaModFix/>
-          </a:blip>
-          <a:stretch>
-            <a:fillRect/>
-          </a:stretch>
-        </p:blipFill>
-        <p:spPr>
-          <a:xfrm>
-            <a:off x="5844275" y="4265200"/>
-            <a:ext cx="3846999" cy="2229849"/>
-          </a:xfrm>
-          <a:prstGeom prst="rect">
-            <a:avLst/>
-          </a:prstGeom>
-          <a:noFill/>
-          <a:ln>
-            <a:noFill/>
-          </a:ln>
-        </p:spPr>
-      </p:pic>
-    </p:spTree>
-  </p:cSld>
-  <p:clrMapOvr>
-    <a:masterClrMapping/>
-  </p:clrMapOvr>
-</p:sld>
-</file>
-
-<file path=ppt/slides/slide50.xml><?xml version="1.0" encoding="utf-8"?>
+<file path=ppt/slides/slide52.xml><?xml version="1.0" encoding="utf-8"?>
 <p:sld xmlns:a="http://schemas.openxmlformats.org/drawingml/2006/main" xmlns:r="http://schemas.openxmlformats.org/officeDocument/2006/relationships" xmlns:p="http://schemas.openxmlformats.org/presentationml/2006/main">
   <p:cSld>
     <p:spTree>
@@ -28785,7 +28306,7 @@
 </p:sld>
 </file>
 
-<file path=ppt/slides/slide51.xml><?xml version="1.0" encoding="utf-8"?>
+<file path=ppt/slides/slide53.xml><?xml version="1.0" encoding="utf-8"?>
 <p:sld xmlns:a="http://schemas.openxmlformats.org/drawingml/2006/main" xmlns:r="http://schemas.openxmlformats.org/officeDocument/2006/relationships" xmlns:p="http://schemas.openxmlformats.org/presentationml/2006/main">
   <p:cSld>
     <p:spTree>
@@ -28804,6 +28325,89 @@
       </p:grpSpPr>
       <p:sp>
         <p:nvSpPr>
+          <p:cNvPr id="2" name="Title 1">
+            <a:extLst>
+              <a:ext uri="{FF2B5EF4-FFF2-40B4-BE49-F238E27FC236}">
+                <a16:creationId xmlns:a16="http://schemas.microsoft.com/office/drawing/2014/main" id="{94842EB4-1DB1-0A40-E66F-E18959A754A1}"/>
+              </a:ext>
+            </a:extLst>
+          </p:cNvPr>
+          <p:cNvSpPr>
+            <a:spLocks noGrp="1"/>
+          </p:cNvSpPr>
+          <p:nvPr>
+            <p:ph type="title"/>
+          </p:nvPr>
+        </p:nvSpPr>
+        <p:spPr/>
+        <p:txBody>
+          <a:bodyPr/>
+          <a:lstStyle/>
+          <a:p>
+            <a:r>
+              <a:rPr lang="en-US" dirty="0"/>
+              <a:t>Graphical Summary</a:t>
+            </a:r>
+          </a:p>
+        </p:txBody>
+      </p:sp>
+      <p:sp>
+        <p:nvSpPr>
+          <p:cNvPr id="3" name="Text Placeholder 2">
+            <a:extLst>
+              <a:ext uri="{FF2B5EF4-FFF2-40B4-BE49-F238E27FC236}">
+                <a16:creationId xmlns:a16="http://schemas.microsoft.com/office/drawing/2014/main" id="{68201C07-54DE-8648-CB18-9999B79F7B42}"/>
+              </a:ext>
+            </a:extLst>
+          </p:cNvPr>
+          <p:cNvSpPr>
+            <a:spLocks noGrp="1"/>
+          </p:cNvSpPr>
+          <p:nvPr>
+            <p:ph type="body" idx="1"/>
+          </p:nvPr>
+        </p:nvSpPr>
+        <p:spPr/>
+        <p:txBody>
+          <a:bodyPr/>
+          <a:lstStyle/>
+          <a:p>
+            <a:endParaRPr lang="en-US"/>
+          </a:p>
+        </p:txBody>
+      </p:sp>
+    </p:spTree>
+    <p:extLst>
+      <p:ext uri="{BB962C8B-B14F-4D97-AF65-F5344CB8AC3E}">
+        <p14:creationId xmlns:p14="http://schemas.microsoft.com/office/powerpoint/2010/main" val="3870857465"/>
+      </p:ext>
+    </p:extLst>
+  </p:cSld>
+  <p:clrMapOvr>
+    <a:masterClrMapping/>
+  </p:clrMapOvr>
+</p:sld>
+</file>
+
+<file path=ppt/slides/slide54.xml><?xml version="1.0" encoding="utf-8"?>
+<p:sld xmlns:a="http://schemas.openxmlformats.org/drawingml/2006/main" xmlns:r="http://schemas.openxmlformats.org/officeDocument/2006/relationships" xmlns:p="http://schemas.openxmlformats.org/presentationml/2006/main">
+  <p:cSld>
+    <p:spTree>
+      <p:nvGrpSpPr>
+        <p:cNvPr id="1" name=""/>
+        <p:cNvGrpSpPr/>
+        <p:nvPr/>
+      </p:nvGrpSpPr>
+      <p:grpSpPr>
+        <a:xfrm>
+          <a:off x="0" y="0"/>
+          <a:ext cx="0" cy="0"/>
+          <a:chOff x="0" y="0"/>
+          <a:chExt cx="0" cy="0"/>
+        </a:xfrm>
+      </p:grpSpPr>
+      <p:sp>
+        <p:nvSpPr>
           <p:cNvPr id="2" name="Title 1"/>
           <p:cNvSpPr>
             <a:spLocks noGrp="1"/>
@@ -28812,7 +28416,12 @@
             <p:ph type="title"/>
           </p:nvPr>
         </p:nvSpPr>
-        <p:spPr/>
+        <p:spPr>
+          <a:xfrm>
+            <a:off x="190560" y="1795259"/>
+            <a:ext cx="2869164" cy="2788463"/>
+          </a:xfrm>
+        </p:spPr>
         <p:txBody>
           <a:bodyPr/>
           <a:lstStyle/>
@@ -28848,7 +28457,7 @@
         </p:blipFill>
         <p:spPr>
           <a:xfrm>
-            <a:off x="1049450" y="1600201"/>
+            <a:off x="3542942" y="1166283"/>
             <a:ext cx="4153733" cy="4525433"/>
           </a:xfrm>
           <a:ln>
@@ -28880,7 +28489,7 @@
         </p:blipFill>
         <p:spPr>
           <a:xfrm>
-            <a:off x="7004692" y="1602318"/>
+            <a:off x="7684953" y="1309241"/>
             <a:ext cx="4153733" cy="4525433"/>
           </a:xfrm>
           <a:ln>
@@ -28920,7 +28529,7 @@
 </p:sld>
 </file>
 
-<file path=ppt/slides/slide52.xml><?xml version="1.0" encoding="utf-8"?>
+<file path=ppt/slides/slide55.xml><?xml version="1.0" encoding="utf-8"?>
 <p:sld xmlns:a="http://schemas.openxmlformats.org/drawingml/2006/main" xmlns:r="http://schemas.openxmlformats.org/officeDocument/2006/relationships" xmlns:p="http://schemas.openxmlformats.org/presentationml/2006/main">
   <p:cSld>
     <p:spTree>
@@ -29093,7 +28702,7 @@
 </p:sld>
 </file>
 
-<file path=ppt/slides/slide53.xml><?xml version="1.0" encoding="utf-8"?>
+<file path=ppt/slides/slide56.xml><?xml version="1.0" encoding="utf-8"?>
 <p:sld xmlns:a="http://schemas.openxmlformats.org/drawingml/2006/main" xmlns:r="http://schemas.openxmlformats.org/officeDocument/2006/relationships" xmlns:p="http://schemas.openxmlformats.org/presentationml/2006/main">
   <p:cSld>
     <p:spTree>
@@ -29413,7 +29022,7 @@
 </p:sld>
 </file>
 
-<file path=ppt/slides/slide54.xml><?xml version="1.0" encoding="utf-8"?>
+<file path=ppt/slides/slide57.xml><?xml version="1.0" encoding="utf-8"?>
 <p:sld xmlns:a="http://schemas.openxmlformats.org/drawingml/2006/main" xmlns:r="http://schemas.openxmlformats.org/officeDocument/2006/relationships" xmlns:p="http://schemas.openxmlformats.org/presentationml/2006/main">
   <p:cSld>
     <p:spTree>
@@ -29741,7 +29350,7 @@
 </p:sld>
 </file>
 
-<file path=ppt/slides/slide55.xml><?xml version="1.0" encoding="utf-8"?>
+<file path=ppt/slides/slide58.xml><?xml version="1.0" encoding="utf-8"?>
 <p:sld xmlns:a="http://schemas.openxmlformats.org/drawingml/2006/main" xmlns:r="http://schemas.openxmlformats.org/officeDocument/2006/relationships" xmlns:p="http://schemas.openxmlformats.org/presentationml/2006/main">
   <p:cSld>
     <p:spTree>
@@ -29962,7 +29571,7 @@
 </p:sld>
 </file>
 
-<file path=ppt/slides/slide56.xml><?xml version="1.0" encoding="utf-8"?>
+<file path=ppt/slides/slide59.xml><?xml version="1.0" encoding="utf-8"?>
 <p:sld xmlns:a="http://schemas.openxmlformats.org/drawingml/2006/main" xmlns:r="http://schemas.openxmlformats.org/officeDocument/2006/relationships" xmlns:p="http://schemas.openxmlformats.org/presentationml/2006/main">
   <p:cSld>
     <p:spTree>
@@ -30118,7 +29727,232 @@
 </p:sld>
 </file>
 
-<file path=ppt/slides/slide57.xml><?xml version="1.0" encoding="utf-8"?>
+<file path=ppt/slides/slide6.xml><?xml version="1.0" encoding="utf-8"?>
+<p:sld xmlns:a="http://schemas.openxmlformats.org/drawingml/2006/main" xmlns:r="http://schemas.openxmlformats.org/officeDocument/2006/relationships" xmlns:p="http://schemas.openxmlformats.org/presentationml/2006/main">
+  <p:cSld>
+    <p:spTree>
+      <p:nvGrpSpPr>
+        <p:cNvPr id="1" name="Shape 99"/>
+        <p:cNvGrpSpPr/>
+        <p:nvPr/>
+      </p:nvGrpSpPr>
+      <p:grpSpPr>
+        <a:xfrm>
+          <a:off x="0" y="0"/>
+          <a:ext cx="0" cy="0"/>
+          <a:chOff x="0" y="0"/>
+          <a:chExt cx="0" cy="0"/>
+        </a:xfrm>
+      </p:grpSpPr>
+      <p:sp>
+        <p:nvSpPr>
+          <p:cNvPr id="100" name="Google Shape;100;p18"/>
+          <p:cNvSpPr txBox="1">
+            <a:spLocks noGrp="1"/>
+          </p:cNvSpPr>
+          <p:nvPr>
+            <p:ph type="title"/>
+          </p:nvPr>
+        </p:nvSpPr>
+        <p:spPr>
+          <a:xfrm>
+            <a:off x="1981200" y="-12"/>
+            <a:ext cx="8229600" cy="1143000"/>
+          </a:xfrm>
+          <a:prstGeom prst="rect">
+            <a:avLst/>
+          </a:prstGeom>
+        </p:spPr>
+        <p:txBody>
+          <a:bodyPr spcFirstLastPara="1" wrap="square" lIns="91425" tIns="91425" rIns="91425" bIns="91425" anchor="b" anchorCtr="0">
+            <a:noAutofit/>
+          </a:bodyPr>
+          <a:lstStyle/>
+          <a:p>
+            <a:r>
+              <a:rPr lang="en" dirty="0">
+                <a:solidFill>
+                  <a:schemeClr val="accent1"/>
+                </a:solidFill>
+              </a:rPr>
+              <a:t>Histograms - Bin Width</a:t>
+            </a:r>
+            <a:endParaRPr dirty="0">
+              <a:solidFill>
+                <a:schemeClr val="accent1"/>
+              </a:solidFill>
+            </a:endParaRPr>
+          </a:p>
+        </p:txBody>
+      </p:sp>
+      <p:sp>
+        <p:nvSpPr>
+          <p:cNvPr id="101" name="Google Shape;101;p18"/>
+          <p:cNvSpPr txBox="1">
+            <a:spLocks noGrp="1"/>
+          </p:cNvSpPr>
+          <p:nvPr>
+            <p:ph type="body" idx="1"/>
+          </p:nvPr>
+        </p:nvSpPr>
+        <p:spPr>
+          <a:xfrm>
+            <a:off x="1981200" y="1143000"/>
+            <a:ext cx="8154000" cy="983400"/>
+          </a:xfrm>
+          <a:prstGeom prst="rect">
+            <a:avLst/>
+          </a:prstGeom>
+        </p:spPr>
+        <p:txBody>
+          <a:bodyPr spcFirstLastPara="1" wrap="square" lIns="91425" tIns="91425" rIns="91425" bIns="91425" anchor="t" anchorCtr="0">
+            <a:noAutofit/>
+          </a:bodyPr>
+          <a:lstStyle/>
+          <a:p>
+            <a:pPr marL="0" indent="0">
+              <a:lnSpc>
+                <a:spcPct val="115000"/>
+              </a:lnSpc>
+              <a:buNone/>
+            </a:pPr>
+            <a:r>
+              <a:rPr lang="en" sz="2000">
+                <a:solidFill>
+                  <a:schemeClr val="accent1"/>
+                </a:solidFill>
+              </a:rPr>
+              <a:t>Which one(s) of these histograms are useful? Which reveal too much about the data? Which hide too much?</a:t>
+            </a:r>
+            <a:endParaRPr sz="2000">
+              <a:solidFill>
+                <a:schemeClr val="accent1"/>
+              </a:solidFill>
+            </a:endParaRPr>
+          </a:p>
+        </p:txBody>
+      </p:sp>
+      <p:pic>
+        <p:nvPicPr>
+          <p:cNvPr id="102" name="Google Shape;102;p18"/>
+          <p:cNvPicPr preferRelativeResize="0"/>
+          <p:nvPr/>
+        </p:nvPicPr>
+        <p:blipFill>
+          <a:blip r:embed="rId3">
+            <a:alphaModFix/>
+          </a:blip>
+          <a:stretch>
+            <a:fillRect/>
+          </a:stretch>
+        </p:blipFill>
+        <p:spPr>
+          <a:xfrm>
+            <a:off x="2073675" y="2126400"/>
+            <a:ext cx="3390725" cy="1938475"/>
+          </a:xfrm>
+          <a:prstGeom prst="rect">
+            <a:avLst/>
+          </a:prstGeom>
+          <a:noFill/>
+          <a:ln>
+            <a:noFill/>
+          </a:ln>
+        </p:spPr>
+      </p:pic>
+      <p:pic>
+        <p:nvPicPr>
+          <p:cNvPr id="103" name="Google Shape;103;p18"/>
+          <p:cNvPicPr preferRelativeResize="0"/>
+          <p:nvPr/>
+        </p:nvPicPr>
+        <p:blipFill>
+          <a:blip r:embed="rId4">
+            <a:alphaModFix/>
+          </a:blip>
+          <a:stretch>
+            <a:fillRect/>
+          </a:stretch>
+        </p:blipFill>
+        <p:spPr>
+          <a:xfrm>
+            <a:off x="5844276" y="2126400"/>
+            <a:ext cx="3463051" cy="1938475"/>
+          </a:xfrm>
+          <a:prstGeom prst="rect">
+            <a:avLst/>
+          </a:prstGeom>
+          <a:noFill/>
+          <a:ln>
+            <a:noFill/>
+          </a:ln>
+        </p:spPr>
+      </p:pic>
+      <p:pic>
+        <p:nvPicPr>
+          <p:cNvPr id="104" name="Google Shape;104;p18"/>
+          <p:cNvPicPr preferRelativeResize="0"/>
+          <p:nvPr/>
+        </p:nvPicPr>
+        <p:blipFill>
+          <a:blip r:embed="rId5">
+            <a:alphaModFix/>
+          </a:blip>
+          <a:stretch>
+            <a:fillRect/>
+          </a:stretch>
+        </p:blipFill>
+        <p:spPr>
+          <a:xfrm>
+            <a:off x="2073676" y="4423975"/>
+            <a:ext cx="3647325" cy="2071075"/>
+          </a:xfrm>
+          <a:prstGeom prst="rect">
+            <a:avLst/>
+          </a:prstGeom>
+          <a:noFill/>
+          <a:ln>
+            <a:noFill/>
+          </a:ln>
+        </p:spPr>
+      </p:pic>
+      <p:pic>
+        <p:nvPicPr>
+          <p:cNvPr id="105" name="Google Shape;105;p18"/>
+          <p:cNvPicPr preferRelativeResize="0"/>
+          <p:nvPr/>
+        </p:nvPicPr>
+        <p:blipFill>
+          <a:blip r:embed="rId6">
+            <a:alphaModFix/>
+          </a:blip>
+          <a:stretch>
+            <a:fillRect/>
+          </a:stretch>
+        </p:blipFill>
+        <p:spPr>
+          <a:xfrm>
+            <a:off x="5844275" y="4265200"/>
+            <a:ext cx="3846999" cy="2229849"/>
+          </a:xfrm>
+          <a:prstGeom prst="rect">
+            <a:avLst/>
+          </a:prstGeom>
+          <a:noFill/>
+          <a:ln>
+            <a:noFill/>
+          </a:ln>
+        </p:spPr>
+      </p:pic>
+    </p:spTree>
+  </p:cSld>
+  <p:clrMapOvr>
+    <a:masterClrMapping/>
+  </p:clrMapOvr>
+</p:sld>
+</file>
+
+<file path=ppt/slides/slide60.xml><?xml version="1.0" encoding="utf-8"?>
 <p:sld xmlns:a="http://schemas.openxmlformats.org/drawingml/2006/main" xmlns:r="http://schemas.openxmlformats.org/officeDocument/2006/relationships" xmlns:p="http://schemas.openxmlformats.org/presentationml/2006/main">
   <p:cSld>
     <p:spTree>
@@ -30274,7 +30108,7 @@
 </p:sld>
 </file>
 
-<file path=ppt/slides/slide58.xml><?xml version="1.0" encoding="utf-8"?>
+<file path=ppt/slides/slide61.xml><?xml version="1.0" encoding="utf-8"?>
 <p:sld xmlns:a="http://schemas.openxmlformats.org/drawingml/2006/main" xmlns:r="http://schemas.openxmlformats.org/officeDocument/2006/relationships" xmlns:p="http://schemas.openxmlformats.org/presentationml/2006/main">
   <p:cSld>
     <p:spTree>
@@ -30553,7 +30387,90 @@
 </p:sld>
 </file>
 
-<file path=ppt/slides/slide59.xml><?xml version="1.0" encoding="utf-8"?>
+<file path=ppt/slides/slide62.xml><?xml version="1.0" encoding="utf-8"?>
+<p:sld xmlns:a="http://schemas.openxmlformats.org/drawingml/2006/main" xmlns:r="http://schemas.openxmlformats.org/officeDocument/2006/relationships" xmlns:p="http://schemas.openxmlformats.org/presentationml/2006/main">
+  <p:cSld>
+    <p:spTree>
+      <p:nvGrpSpPr>
+        <p:cNvPr id="1" name=""/>
+        <p:cNvGrpSpPr/>
+        <p:nvPr/>
+      </p:nvGrpSpPr>
+      <p:grpSpPr>
+        <a:xfrm>
+          <a:off x="0" y="0"/>
+          <a:ext cx="0" cy="0"/>
+          <a:chOff x="0" y="0"/>
+          <a:chExt cx="0" cy="0"/>
+        </a:xfrm>
+      </p:grpSpPr>
+      <p:sp>
+        <p:nvSpPr>
+          <p:cNvPr id="2" name="Title 1">
+            <a:extLst>
+              <a:ext uri="{FF2B5EF4-FFF2-40B4-BE49-F238E27FC236}">
+                <a16:creationId xmlns:a16="http://schemas.microsoft.com/office/drawing/2014/main" id="{AA2A4136-0F7C-D3D3-ED9C-2348193C3AEF}"/>
+              </a:ext>
+            </a:extLst>
+          </p:cNvPr>
+          <p:cNvSpPr>
+            <a:spLocks noGrp="1"/>
+          </p:cNvSpPr>
+          <p:nvPr>
+            <p:ph type="title"/>
+          </p:nvPr>
+        </p:nvSpPr>
+        <p:spPr/>
+        <p:txBody>
+          <a:bodyPr/>
+          <a:lstStyle/>
+          <a:p>
+            <a:r>
+              <a:rPr lang="en-US" dirty="0"/>
+              <a:t>Numerical Summary</a:t>
+            </a:r>
+          </a:p>
+        </p:txBody>
+      </p:sp>
+      <p:sp>
+        <p:nvSpPr>
+          <p:cNvPr id="3" name="Text Placeholder 2">
+            <a:extLst>
+              <a:ext uri="{FF2B5EF4-FFF2-40B4-BE49-F238E27FC236}">
+                <a16:creationId xmlns:a16="http://schemas.microsoft.com/office/drawing/2014/main" id="{AEEF26DC-9835-279E-CA40-303E0FBC8B2C}"/>
+              </a:ext>
+            </a:extLst>
+          </p:cNvPr>
+          <p:cNvSpPr>
+            <a:spLocks noGrp="1"/>
+          </p:cNvSpPr>
+          <p:nvPr>
+            <p:ph type="body" idx="1"/>
+          </p:nvPr>
+        </p:nvSpPr>
+        <p:spPr/>
+        <p:txBody>
+          <a:bodyPr/>
+          <a:lstStyle/>
+          <a:p>
+            <a:endParaRPr lang="en-US"/>
+          </a:p>
+        </p:txBody>
+      </p:sp>
+    </p:spTree>
+    <p:extLst>
+      <p:ext uri="{BB962C8B-B14F-4D97-AF65-F5344CB8AC3E}">
+        <p14:creationId xmlns:p14="http://schemas.microsoft.com/office/powerpoint/2010/main" val="2748103037"/>
+      </p:ext>
+    </p:extLst>
+  </p:cSld>
+  <p:clrMapOvr>
+    <a:masterClrMapping/>
+  </p:clrMapOvr>
+</p:sld>
+</file>
+
+<file path=ppt/slides/slide63.xml><?xml version="1.0" encoding="utf-8"?>
 <p:sld xmlns:a="http://schemas.openxmlformats.org/drawingml/2006/main" xmlns:r="http://schemas.openxmlformats.org/officeDocument/2006/relationships" xmlns:p="http://schemas.openxmlformats.org/presentationml/2006/main">
   <p:cSld>
     <p:spTree>
@@ -30682,355 +30599,7 @@
 </p:sld>
 </file>
 
-<file path=ppt/slides/slide6.xml><?xml version="1.0" encoding="utf-8"?>
-<p:sld xmlns:a="http://schemas.openxmlformats.org/drawingml/2006/main" xmlns:r="http://schemas.openxmlformats.org/officeDocument/2006/relationships" xmlns:p="http://schemas.openxmlformats.org/presentationml/2006/main">
-  <p:cSld>
-    <p:spTree>
-      <p:nvGrpSpPr>
-        <p:cNvPr id="1" name="Shape 109"/>
-        <p:cNvGrpSpPr/>
-        <p:nvPr/>
-      </p:nvGrpSpPr>
-      <p:grpSpPr>
-        <a:xfrm>
-          <a:off x="0" y="0"/>
-          <a:ext cx="0" cy="0"/>
-          <a:chOff x="0" y="0"/>
-          <a:chExt cx="0" cy="0"/>
-        </a:xfrm>
-      </p:grpSpPr>
-      <p:sp>
-        <p:nvSpPr>
-          <p:cNvPr id="110" name="Google Shape;110;p19"/>
-          <p:cNvSpPr txBox="1">
-            <a:spLocks noGrp="1"/>
-          </p:cNvSpPr>
-          <p:nvPr>
-            <p:ph type="body" idx="1"/>
-          </p:nvPr>
-        </p:nvSpPr>
-        <p:spPr>
-          <a:xfrm>
-            <a:off x="1981200" y="1143000"/>
-            <a:ext cx="8154000" cy="5013300"/>
-          </a:xfrm>
-          <a:prstGeom prst="rect">
-            <a:avLst/>
-          </a:prstGeom>
-        </p:spPr>
-        <p:txBody>
-          <a:bodyPr spcFirstLastPara="1" wrap="square" lIns="91425" tIns="91425" rIns="91425" bIns="91425" anchor="t" anchorCtr="0">
-            <a:noAutofit/>
-          </a:bodyPr>
-          <a:lstStyle/>
-          <a:p>
-            <a:pPr marL="0" indent="0">
-              <a:lnSpc>
-                <a:spcPct val="115000"/>
-              </a:lnSpc>
-              <a:buNone/>
-            </a:pPr>
-            <a:r>
-              <a:rPr lang="en" sz="1900">
-                <a:solidFill>
-                  <a:srgbClr val="000000"/>
-                </a:solidFill>
-              </a:rPr>
-              <a:t>Does the histogram have a single prominent peak (</a:t>
-            </a:r>
-            <a:r>
-              <a:rPr lang="en" sz="1900" i="1">
-                <a:solidFill>
-                  <a:schemeClr val="accent1"/>
-                </a:solidFill>
-              </a:rPr>
-              <a:t>unimodal</a:t>
-            </a:r>
-            <a:r>
-              <a:rPr lang="en" sz="1900">
-                <a:solidFill>
-                  <a:srgbClr val="000000"/>
-                </a:solidFill>
-              </a:rPr>
-              <a:t>), several prominent peaks (</a:t>
-            </a:r>
-            <a:r>
-              <a:rPr lang="en" sz="1900" i="1">
-                <a:solidFill>
-                  <a:schemeClr val="accent1"/>
-                </a:solidFill>
-              </a:rPr>
-              <a:t>bimodal/multimodal</a:t>
-            </a:r>
-            <a:r>
-              <a:rPr lang="en" sz="1900">
-                <a:solidFill>
-                  <a:srgbClr val="000000"/>
-                </a:solidFill>
-              </a:rPr>
-              <a:t>), or no apparent peaks (</a:t>
-            </a:r>
-            <a:r>
-              <a:rPr lang="en" sz="1900" i="1">
-                <a:solidFill>
-                  <a:schemeClr val="accent1"/>
-                </a:solidFill>
-              </a:rPr>
-              <a:t>uniform</a:t>
-            </a:r>
-            <a:r>
-              <a:rPr lang="en" sz="1900">
-                <a:solidFill>
-                  <a:srgbClr val="000000"/>
-                </a:solidFill>
-              </a:rPr>
-              <a:t>)?</a:t>
-            </a:r>
-            <a:endParaRPr sz="1900">
-              <a:solidFill>
-                <a:srgbClr val="000000"/>
-              </a:solidFill>
-            </a:endParaRPr>
-          </a:p>
-          <a:p>
-            <a:pPr marL="0" indent="0">
-              <a:lnSpc>
-                <a:spcPct val="115000"/>
-              </a:lnSpc>
-              <a:buNone/>
-            </a:pPr>
-            <a:endParaRPr sz="1900">
-              <a:solidFill>
-                <a:srgbClr val="000000"/>
-              </a:solidFill>
-            </a:endParaRPr>
-          </a:p>
-          <a:p>
-            <a:pPr marL="0" indent="0">
-              <a:lnSpc>
-                <a:spcPct val="115000"/>
-              </a:lnSpc>
-              <a:buNone/>
-            </a:pPr>
-            <a:endParaRPr sz="1900">
-              <a:solidFill>
-                <a:srgbClr val="000000"/>
-              </a:solidFill>
-            </a:endParaRPr>
-          </a:p>
-          <a:p>
-            <a:pPr marL="0" indent="0">
-              <a:lnSpc>
-                <a:spcPct val="115000"/>
-              </a:lnSpc>
-              <a:buNone/>
-            </a:pPr>
-            <a:endParaRPr sz="1900">
-              <a:solidFill>
-                <a:srgbClr val="000000"/>
-              </a:solidFill>
-            </a:endParaRPr>
-          </a:p>
-          <a:p>
-            <a:pPr marL="0" indent="0">
-              <a:lnSpc>
-                <a:spcPct val="115000"/>
-              </a:lnSpc>
-              <a:buNone/>
-            </a:pPr>
-            <a:endParaRPr sz="1900">
-              <a:solidFill>
-                <a:srgbClr val="000000"/>
-              </a:solidFill>
-            </a:endParaRPr>
-          </a:p>
-          <a:p>
-            <a:pPr marL="0" indent="0">
-              <a:lnSpc>
-                <a:spcPct val="115000"/>
-              </a:lnSpc>
-              <a:buNone/>
-            </a:pPr>
-            <a:endParaRPr sz="1900">
-              <a:solidFill>
-                <a:srgbClr val="000000"/>
-              </a:solidFill>
-            </a:endParaRPr>
-          </a:p>
-          <a:p>
-            <a:pPr marL="0" indent="0">
-              <a:lnSpc>
-                <a:spcPct val="115000"/>
-              </a:lnSpc>
-              <a:buNone/>
-            </a:pPr>
-            <a:endParaRPr sz="1900">
-              <a:solidFill>
-                <a:srgbClr val="000000"/>
-              </a:solidFill>
-            </a:endParaRPr>
-          </a:p>
-          <a:p>
-            <a:pPr marL="0" indent="0">
-              <a:lnSpc>
-                <a:spcPct val="115000"/>
-              </a:lnSpc>
-              <a:buNone/>
-            </a:pPr>
-            <a:endParaRPr sz="1900">
-              <a:solidFill>
-                <a:srgbClr val="000000"/>
-              </a:solidFill>
-            </a:endParaRPr>
-          </a:p>
-          <a:p>
-            <a:pPr marL="0" indent="0">
-              <a:lnSpc>
-                <a:spcPct val="115000"/>
-              </a:lnSpc>
-              <a:buNone/>
-            </a:pPr>
-            <a:endParaRPr sz="1900">
-              <a:solidFill>
-                <a:srgbClr val="000000"/>
-              </a:solidFill>
-            </a:endParaRPr>
-          </a:p>
-          <a:p>
-            <a:pPr marL="0" indent="0">
-              <a:lnSpc>
-                <a:spcPct val="115000"/>
-              </a:lnSpc>
-              <a:buNone/>
-            </a:pPr>
-            <a:r>
-              <a:rPr lang="en" sz="1900" i="1">
-                <a:solidFill>
-                  <a:srgbClr val="FF0000"/>
-                </a:solidFill>
-              </a:rPr>
-              <a:t>Note</a:t>
-            </a:r>
-            <a:r>
-              <a:rPr lang="en" sz="1900" i="1">
-                <a:solidFill>
-                  <a:srgbClr val="000000"/>
-                </a:solidFill>
-              </a:rPr>
-              <a:t>: In order to determine modality, step back and imagine a smooth curve over the histogram -- imagine that the bars are wooden blocks and you drop a limp spaghetti over them, the shape the spaghetti would take could be viewed as a smooth curve.</a:t>
-            </a:r>
-            <a:endParaRPr sz="1900" i="1">
-              <a:solidFill>
-                <a:srgbClr val="000000"/>
-              </a:solidFill>
-            </a:endParaRPr>
-          </a:p>
-        </p:txBody>
-      </p:sp>
-      <p:sp>
-        <p:nvSpPr>
-          <p:cNvPr id="111" name="Google Shape;111;p19"/>
-          <p:cNvSpPr txBox="1">
-            <a:spLocks noGrp="1"/>
-          </p:cNvSpPr>
-          <p:nvPr>
-            <p:ph type="title"/>
-          </p:nvPr>
-        </p:nvSpPr>
-        <p:spPr>
-          <a:xfrm>
-            <a:off x="1981200" y="-12"/>
-            <a:ext cx="8229600" cy="1143000"/>
-          </a:xfrm>
-          <a:prstGeom prst="rect">
-            <a:avLst/>
-          </a:prstGeom>
-        </p:spPr>
-        <p:txBody>
-          <a:bodyPr spcFirstLastPara="1" wrap="square" lIns="91425" tIns="91425" rIns="91425" bIns="91425" anchor="b" anchorCtr="0">
-            <a:noAutofit/>
-          </a:bodyPr>
-          <a:lstStyle/>
-          <a:p>
-            <a:r>
-              <a:rPr lang="en">
-                <a:solidFill>
-                  <a:schemeClr val="accent1"/>
-                </a:solidFill>
-              </a:rPr>
-              <a:t>Shape of a Distribution: Modality</a:t>
-            </a:r>
-            <a:endParaRPr>
-              <a:solidFill>
-                <a:schemeClr val="accent1"/>
-              </a:solidFill>
-            </a:endParaRPr>
-          </a:p>
-        </p:txBody>
-      </p:sp>
-      <p:pic>
-        <p:nvPicPr>
-          <p:cNvPr id="112" name="Google Shape;112;p19"/>
-          <p:cNvPicPr preferRelativeResize="0"/>
-          <p:nvPr/>
-        </p:nvPicPr>
-        <p:blipFill>
-          <a:blip r:embed="rId3">
-            <a:alphaModFix/>
-          </a:blip>
-          <a:stretch>
-            <a:fillRect/>
-          </a:stretch>
-        </p:blipFill>
-        <p:spPr>
-          <a:xfrm>
-            <a:off x="2042851" y="2333126"/>
-            <a:ext cx="7795501" cy="2172425"/>
-          </a:xfrm>
-          <a:prstGeom prst="rect">
-            <a:avLst/>
-          </a:prstGeom>
-          <a:noFill/>
-          <a:ln>
-            <a:noFill/>
-          </a:ln>
-        </p:spPr>
-      </p:pic>
-      <p:cxnSp>
-        <p:nvCxnSpPr>
-          <p:cNvPr id="113" name="Google Shape;113;p19"/>
-          <p:cNvCxnSpPr/>
-          <p:nvPr/>
-        </p:nvCxnSpPr>
-        <p:spPr>
-          <a:xfrm>
-            <a:off x="2081000" y="5091275"/>
-            <a:ext cx="2402100" cy="0"/>
-          </a:xfrm>
-          <a:prstGeom prst="straightConnector1">
-            <a:avLst/>
-          </a:prstGeom>
-          <a:noFill/>
-          <a:ln w="9525" cap="flat" cmpd="sng">
-            <a:solidFill>
-              <a:schemeClr val="dk2"/>
-            </a:solidFill>
-            <a:prstDash val="solid"/>
-            <a:round/>
-            <a:headEnd type="none" w="med" len="med"/>
-            <a:tailEnd type="none" w="med" len="med"/>
-          </a:ln>
-        </p:spPr>
-      </p:cxnSp>
-    </p:spTree>
-  </p:cSld>
-  <p:clrMapOvr>
-    <a:masterClrMapping/>
-  </p:clrMapOvr>
-</p:sld>
-</file>
-
-<file path=ppt/slides/slide60.xml><?xml version="1.0" encoding="utf-8"?>
+<file path=ppt/slides/slide64.xml><?xml version="1.0" encoding="utf-8"?>
 <p:sld xmlns:a="http://schemas.openxmlformats.org/drawingml/2006/main" xmlns:r="http://schemas.openxmlformats.org/officeDocument/2006/relationships" xmlns:p="http://schemas.openxmlformats.org/presentationml/2006/main">
   <p:cSld>
     <p:spTree>
@@ -31370,7 +30939,7 @@
 </p:sld>
 </file>
 
-<file path=ppt/slides/slide61.xml><?xml version="1.0" encoding="utf-8"?>
+<file path=ppt/slides/slide65.xml><?xml version="1.0" encoding="utf-8"?>
 <p:sld xmlns:a="http://schemas.openxmlformats.org/drawingml/2006/main" xmlns:r="http://schemas.openxmlformats.org/officeDocument/2006/relationships" xmlns:p="http://schemas.openxmlformats.org/presentationml/2006/main">
   <p:cSld>
     <p:spTree>
@@ -31526,7 +31095,7 @@
 </p:sld>
 </file>
 
-<file path=ppt/slides/slide62.xml><?xml version="1.0" encoding="utf-8"?>
+<file path=ppt/slides/slide66.xml><?xml version="1.0" encoding="utf-8"?>
 <p:sld xmlns:a="http://schemas.openxmlformats.org/drawingml/2006/main" xmlns:r="http://schemas.openxmlformats.org/officeDocument/2006/relationships" xmlns:p="http://schemas.openxmlformats.org/presentationml/2006/main">
   <p:cSld>
     <p:spTree>
@@ -31843,7 +31412,7 @@
 </p:sld>
 </file>
 
-<file path=ppt/slides/slide63.xml><?xml version="1.0" encoding="utf-8"?>
+<file path=ppt/slides/slide67.xml><?xml version="1.0" encoding="utf-8"?>
 <p:sld xmlns:a="http://schemas.openxmlformats.org/drawingml/2006/main" xmlns:r="http://schemas.openxmlformats.org/officeDocument/2006/relationships" xmlns:p="http://schemas.openxmlformats.org/presentationml/2006/main">
   <p:cSld>
     <p:spTree>
@@ -32248,7 +31817,7 @@
 </p:sld>
 </file>
 
-<file path=ppt/slides/slide64.xml><?xml version="1.0" encoding="utf-8"?>
+<file path=ppt/slides/slide68.xml><?xml version="1.0" encoding="utf-8"?>
 <p:sld xmlns:a="http://schemas.openxmlformats.org/drawingml/2006/main" xmlns:r="http://schemas.openxmlformats.org/officeDocument/2006/relationships" xmlns:p="http://schemas.openxmlformats.org/presentationml/2006/main">
   <p:cSld>
     <p:spTree>
@@ -32725,12 +32294,12 @@
 </p:sld>
 </file>
 
-<file path=ppt/slides/slide65.xml><?xml version="1.0" encoding="utf-8"?>
+<file path=ppt/slides/slide7.xml><?xml version="1.0" encoding="utf-8"?>
 <p:sld xmlns:a="http://schemas.openxmlformats.org/drawingml/2006/main" xmlns:r="http://schemas.openxmlformats.org/officeDocument/2006/relationships" xmlns:p="http://schemas.openxmlformats.org/presentationml/2006/main">
   <p:cSld>
     <p:spTree>
       <p:nvGrpSpPr>
-        <p:cNvPr id="1" name=""/>
+        <p:cNvPr id="1" name="Shape 109"/>
         <p:cNvGrpSpPr/>
         <p:nvPr/>
       </p:nvGrpSpPr>
@@ -32744,157 +32313,328 @@
       </p:grpSpPr>
       <p:sp>
         <p:nvSpPr>
-          <p:cNvPr id="2" name="Title 1"/>
-          <p:cNvSpPr>
+          <p:cNvPr id="110" name="Google Shape;110;p19"/>
+          <p:cNvSpPr txBox="1">
             <a:spLocks noGrp="1"/>
           </p:cNvSpPr>
           <p:nvPr>
+            <p:ph type="body" idx="1"/>
+          </p:nvPr>
+        </p:nvSpPr>
+        <p:spPr>
+          <a:xfrm>
+            <a:off x="1981200" y="1143000"/>
+            <a:ext cx="8154000" cy="5013300"/>
+          </a:xfrm>
+          <a:prstGeom prst="rect">
+            <a:avLst/>
+          </a:prstGeom>
+        </p:spPr>
+        <p:txBody>
+          <a:bodyPr spcFirstLastPara="1" wrap="square" lIns="91425" tIns="91425" rIns="91425" bIns="91425" anchor="t" anchorCtr="0">
+            <a:noAutofit/>
+          </a:bodyPr>
+          <a:lstStyle/>
+          <a:p>
+            <a:pPr marL="0" indent="0">
+              <a:lnSpc>
+                <a:spcPct val="115000"/>
+              </a:lnSpc>
+              <a:buNone/>
+            </a:pPr>
+            <a:r>
+              <a:rPr lang="en" sz="1900">
+                <a:solidFill>
+                  <a:srgbClr val="000000"/>
+                </a:solidFill>
+              </a:rPr>
+              <a:t>Does the histogram have a single prominent peak (</a:t>
+            </a:r>
+            <a:r>
+              <a:rPr lang="en" sz="1900" i="1">
+                <a:solidFill>
+                  <a:schemeClr val="accent1"/>
+                </a:solidFill>
+              </a:rPr>
+              <a:t>unimodal</a:t>
+            </a:r>
+            <a:r>
+              <a:rPr lang="en" sz="1900">
+                <a:solidFill>
+                  <a:srgbClr val="000000"/>
+                </a:solidFill>
+              </a:rPr>
+              <a:t>), several prominent peaks (</a:t>
+            </a:r>
+            <a:r>
+              <a:rPr lang="en" sz="1900" i="1">
+                <a:solidFill>
+                  <a:schemeClr val="accent1"/>
+                </a:solidFill>
+              </a:rPr>
+              <a:t>bimodal/multimodal</a:t>
+            </a:r>
+            <a:r>
+              <a:rPr lang="en" sz="1900">
+                <a:solidFill>
+                  <a:srgbClr val="000000"/>
+                </a:solidFill>
+              </a:rPr>
+              <a:t>), or no apparent peaks (</a:t>
+            </a:r>
+            <a:r>
+              <a:rPr lang="en" sz="1900" i="1">
+                <a:solidFill>
+                  <a:schemeClr val="accent1"/>
+                </a:solidFill>
+              </a:rPr>
+              <a:t>uniform</a:t>
+            </a:r>
+            <a:r>
+              <a:rPr lang="en" sz="1900">
+                <a:solidFill>
+                  <a:srgbClr val="000000"/>
+                </a:solidFill>
+              </a:rPr>
+              <a:t>)?</a:t>
+            </a:r>
+            <a:endParaRPr sz="1900">
+              <a:solidFill>
+                <a:srgbClr val="000000"/>
+              </a:solidFill>
+            </a:endParaRPr>
+          </a:p>
+          <a:p>
+            <a:pPr marL="0" indent="0">
+              <a:lnSpc>
+                <a:spcPct val="115000"/>
+              </a:lnSpc>
+              <a:buNone/>
+            </a:pPr>
+            <a:endParaRPr sz="1900">
+              <a:solidFill>
+                <a:srgbClr val="000000"/>
+              </a:solidFill>
+            </a:endParaRPr>
+          </a:p>
+          <a:p>
+            <a:pPr marL="0" indent="0">
+              <a:lnSpc>
+                <a:spcPct val="115000"/>
+              </a:lnSpc>
+              <a:buNone/>
+            </a:pPr>
+            <a:endParaRPr sz="1900">
+              <a:solidFill>
+                <a:srgbClr val="000000"/>
+              </a:solidFill>
+            </a:endParaRPr>
+          </a:p>
+          <a:p>
+            <a:pPr marL="0" indent="0">
+              <a:lnSpc>
+                <a:spcPct val="115000"/>
+              </a:lnSpc>
+              <a:buNone/>
+            </a:pPr>
+            <a:endParaRPr sz="1900">
+              <a:solidFill>
+                <a:srgbClr val="000000"/>
+              </a:solidFill>
+            </a:endParaRPr>
+          </a:p>
+          <a:p>
+            <a:pPr marL="0" indent="0">
+              <a:lnSpc>
+                <a:spcPct val="115000"/>
+              </a:lnSpc>
+              <a:buNone/>
+            </a:pPr>
+            <a:endParaRPr sz="1900">
+              <a:solidFill>
+                <a:srgbClr val="000000"/>
+              </a:solidFill>
+            </a:endParaRPr>
+          </a:p>
+          <a:p>
+            <a:pPr marL="0" indent="0">
+              <a:lnSpc>
+                <a:spcPct val="115000"/>
+              </a:lnSpc>
+              <a:buNone/>
+            </a:pPr>
+            <a:endParaRPr sz="1900">
+              <a:solidFill>
+                <a:srgbClr val="000000"/>
+              </a:solidFill>
+            </a:endParaRPr>
+          </a:p>
+          <a:p>
+            <a:pPr marL="0" indent="0">
+              <a:lnSpc>
+                <a:spcPct val="115000"/>
+              </a:lnSpc>
+              <a:buNone/>
+            </a:pPr>
+            <a:endParaRPr sz="1900">
+              <a:solidFill>
+                <a:srgbClr val="000000"/>
+              </a:solidFill>
+            </a:endParaRPr>
+          </a:p>
+          <a:p>
+            <a:pPr marL="0" indent="0">
+              <a:lnSpc>
+                <a:spcPct val="115000"/>
+              </a:lnSpc>
+              <a:buNone/>
+            </a:pPr>
+            <a:endParaRPr sz="1900">
+              <a:solidFill>
+                <a:srgbClr val="000000"/>
+              </a:solidFill>
+            </a:endParaRPr>
+          </a:p>
+          <a:p>
+            <a:pPr marL="0" indent="0">
+              <a:lnSpc>
+                <a:spcPct val="115000"/>
+              </a:lnSpc>
+              <a:buNone/>
+            </a:pPr>
+            <a:endParaRPr sz="1900">
+              <a:solidFill>
+                <a:srgbClr val="000000"/>
+              </a:solidFill>
+            </a:endParaRPr>
+          </a:p>
+          <a:p>
+            <a:pPr marL="0" indent="0">
+              <a:lnSpc>
+                <a:spcPct val="115000"/>
+              </a:lnSpc>
+              <a:buNone/>
+            </a:pPr>
+            <a:r>
+              <a:rPr lang="en" sz="1900" i="1">
+                <a:solidFill>
+                  <a:srgbClr val="FF0000"/>
+                </a:solidFill>
+              </a:rPr>
+              <a:t>Note</a:t>
+            </a:r>
+            <a:r>
+              <a:rPr lang="en" sz="1900" i="1">
+                <a:solidFill>
+                  <a:srgbClr val="000000"/>
+                </a:solidFill>
+              </a:rPr>
+              <a:t>: In order to determine modality, step back and imagine a smooth curve over the histogram -- imagine that the bars are wooden blocks and you drop a limp spaghetti over them, the shape the spaghetti would take could be viewed as a smooth curve.</a:t>
+            </a:r>
+            <a:endParaRPr sz="1900" i="1">
+              <a:solidFill>
+                <a:srgbClr val="000000"/>
+              </a:solidFill>
+            </a:endParaRPr>
+          </a:p>
+        </p:txBody>
+      </p:sp>
+      <p:sp>
+        <p:nvSpPr>
+          <p:cNvPr id="111" name="Google Shape;111;p19"/>
+          <p:cNvSpPr txBox="1">
+            <a:spLocks noGrp="1"/>
+          </p:cNvSpPr>
+          <p:nvPr>
             <p:ph type="title"/>
           </p:nvPr>
         </p:nvSpPr>
-        <p:spPr/>
+        <p:spPr>
+          <a:xfrm>
+            <a:off x="1981200" y="-12"/>
+            <a:ext cx="8229600" cy="1143000"/>
+          </a:xfrm>
+          <a:prstGeom prst="rect">
+            <a:avLst/>
+          </a:prstGeom>
+        </p:spPr>
         <p:txBody>
-          <a:bodyPr/>
+          <a:bodyPr spcFirstLastPara="1" wrap="square" lIns="91425" tIns="91425" rIns="91425" bIns="91425" anchor="b" anchorCtr="0">
+            <a:noAutofit/>
+          </a:bodyPr>
           <a:lstStyle/>
           <a:p>
             <a:r>
-              <a:rPr lang="en-US" dirty="0"/>
-              <a:t>p-hat, Generally Speaking</a:t>
-            </a:r>
+              <a:rPr lang="en">
+                <a:solidFill>
+                  <a:schemeClr val="accent1"/>
+                </a:solidFill>
+              </a:rPr>
+              <a:t>Shape of a Distribution: Modality</a:t>
+            </a:r>
+            <a:endParaRPr>
+              <a:solidFill>
+                <a:schemeClr val="accent1"/>
+              </a:solidFill>
+            </a:endParaRPr>
           </a:p>
         </p:txBody>
       </p:sp>
-      <mc:AlternateContent xmlns:mc="http://schemas.openxmlformats.org/markup-compatibility/2006" xmlns:a14="http://schemas.microsoft.com/office/drawing/2010/main">
-        <mc:Choice Requires="a14">
-          <p:sp>
-            <p:nvSpPr>
-              <p:cNvPr id="3" name="Content Placeholder 2"/>
-              <p:cNvSpPr>
-                <a:spLocks noGrp="1"/>
-              </p:cNvSpPr>
-              <p:nvPr>
-                <p:ph idx="1"/>
-              </p:nvPr>
-            </p:nvSpPr>
-            <p:spPr/>
-            <p:txBody>
-              <a:bodyPr/>
-              <a:lstStyle/>
-              <a:p>
-                <a:r>
-                  <a:rPr lang="en-US" dirty="0"/>
-                  <a:t>Response to therapy in a random sample of 1,000 HIV-positive patients from a citywide clinical population</a:t>
-                </a:r>
-              </a:p>
-              <a:p>
-                <a:r>
-                  <a:rPr lang="en-US" dirty="0"/>
-                  <a:t>The sample proportion </a:t>
-                </a:r>
-                <a14:m>
-                  <m:oMath xmlns:m="http://schemas.openxmlformats.org/officeDocument/2006/math">
-                    <m:acc>
-                      <m:accPr>
-                        <m:chr m:val="̂"/>
-                        <m:ctrlPr>
-                          <a:rPr lang="en-US" i="1" smtClean="0">
-                            <a:latin typeface="Cambria Math" panose="02040503050406030204" pitchFamily="18" charset="0"/>
-                          </a:rPr>
-                        </m:ctrlPr>
-                      </m:accPr>
-                      <m:e>
-                        <m:r>
-                          <a:rPr lang="en-US" smtClean="0">
-                            <a:latin typeface="Cambria Math" charset="0"/>
-                          </a:rPr>
-                          <m:t>𝑝</m:t>
-                        </m:r>
-                        <m:r>
-                          <a:rPr lang="en-US" smtClean="0">
-                            <a:latin typeface="Cambria Math" charset="0"/>
-                          </a:rPr>
-                          <m:t> </m:t>
-                        </m:r>
-                      </m:e>
-                    </m:acc>
-                  </m:oMath>
-                </a14:m>
-                <a:r>
-                  <a:rPr lang="en-US" dirty="0"/>
-                  <a:t>is just a sample mean of data that takes on two values, 0 and 1</a:t>
-                </a:r>
-              </a:p>
-              <a:p>
-                <a:r>
-                  <a:rPr lang="en-US" dirty="0"/>
-                  <a:t>Generally, binary data values are given a value of x=1 for observations that have the outcome, and x=0 for observations that do not have the outcome</a:t>
-                </a:r>
-              </a:p>
-              <a:p>
-                <a:endParaRPr lang="en-US" dirty="0"/>
-              </a:p>
-            </p:txBody>
-          </p:sp>
-        </mc:Choice>
-        <mc:Fallback xmlns="">
-          <p:sp>
-            <p:nvSpPr>
-              <p:cNvPr id="3" name="Content Placeholder 2"/>
-              <p:cNvSpPr>
-                <a:spLocks noGrp="1" noRot="1" noChangeAspect="1" noMove="1" noResize="1" noEditPoints="1" noAdjustHandles="1" noChangeArrowheads="1" noChangeShapeType="1" noTextEdit="1"/>
-              </p:cNvSpPr>
-              <p:nvPr>
-                <p:ph idx="1"/>
-              </p:nvPr>
-            </p:nvSpPr>
-            <p:spPr>
-              <a:blipFill>
-                <a:blip r:embed="rId3"/>
-                <a:stretch>
-                  <a:fillRect l="-69" t="-894"/>
-                </a:stretch>
-              </a:blipFill>
-            </p:spPr>
-            <p:txBody>
-              <a:bodyPr/>
-              <a:lstStyle/>
-              <a:p>
-                <a:r>
-                  <a:rPr lang="en-US">
-                    <a:noFill/>
-                  </a:rPr>
-                  <a:t> </a:t>
-                </a:r>
-              </a:p>
-            </p:txBody>
-          </p:sp>
-        </mc:Fallback>
-      </mc:AlternateContent>
-      <p:sp>
-        <p:nvSpPr>
-          <p:cNvPr id="13" name="Content Placeholder 12"/>
-          <p:cNvSpPr>
-            <a:spLocks noGrp="1"/>
-          </p:cNvSpPr>
-          <p:nvPr>
-            <p:ph idx="11"/>
-          </p:nvPr>
-        </p:nvSpPr>
-        <p:spPr/>
-        <p:txBody>
-          <a:bodyPr/>
-          <a:lstStyle/>
-          <a:p>
-            <a:endParaRPr lang="en-US" dirty="0"/>
-          </a:p>
-        </p:txBody>
-      </p:sp>
+      <p:pic>
+        <p:nvPicPr>
+          <p:cNvPr id="112" name="Google Shape;112;p19"/>
+          <p:cNvPicPr preferRelativeResize="0"/>
+          <p:nvPr/>
+        </p:nvPicPr>
+        <p:blipFill>
+          <a:blip r:embed="rId3">
+            <a:alphaModFix/>
+          </a:blip>
+          <a:stretch>
+            <a:fillRect/>
+          </a:stretch>
+        </p:blipFill>
+        <p:spPr>
+          <a:xfrm>
+            <a:off x="2042851" y="2333126"/>
+            <a:ext cx="7795501" cy="2172425"/>
+          </a:xfrm>
+          <a:prstGeom prst="rect">
+            <a:avLst/>
+          </a:prstGeom>
+          <a:noFill/>
+          <a:ln>
+            <a:noFill/>
+          </a:ln>
+        </p:spPr>
+      </p:pic>
+      <p:cxnSp>
+        <p:nvCxnSpPr>
+          <p:cNvPr id="113" name="Google Shape;113;p19"/>
+          <p:cNvCxnSpPr/>
+          <p:nvPr/>
+        </p:nvCxnSpPr>
+        <p:spPr>
+          <a:xfrm>
+            <a:off x="2081000" y="5091275"/>
+            <a:ext cx="2402100" cy="0"/>
+          </a:xfrm>
+          <a:prstGeom prst="straightConnector1">
+            <a:avLst/>
+          </a:prstGeom>
+          <a:noFill/>
+          <a:ln w="9525" cap="flat" cmpd="sng">
+            <a:solidFill>
+              <a:schemeClr val="dk2"/>
+            </a:solidFill>
+            <a:prstDash val="solid"/>
+            <a:round/>
+            <a:headEnd type="none" w="med" len="med"/>
+            <a:tailEnd type="none" w="med" len="med"/>
+          </a:ln>
+        </p:spPr>
+      </p:cxnSp>
     </p:spTree>
-    <p:extLst>
-      <p:ext uri="{BB962C8B-B14F-4D97-AF65-F5344CB8AC3E}">
-        <p14:creationId xmlns:p14="http://schemas.microsoft.com/office/powerpoint/2010/main" val="2224056502"/>
-      </p:ext>
-    </p:extLst>
   </p:cSld>
   <p:clrMapOvr>
     <a:masterClrMapping/>
@@ -32902,947 +32642,7 @@
 </p:sld>
 </file>
 
-<file path=ppt/slides/slide66.xml><?xml version="1.0" encoding="utf-8"?>
-<p:sld xmlns:a="http://schemas.openxmlformats.org/drawingml/2006/main" xmlns:r="http://schemas.openxmlformats.org/officeDocument/2006/relationships" xmlns:p="http://schemas.openxmlformats.org/presentationml/2006/main">
-  <p:cSld>
-    <p:spTree>
-      <p:nvGrpSpPr>
-        <p:cNvPr id="1" name=""/>
-        <p:cNvGrpSpPr/>
-        <p:nvPr/>
-      </p:nvGrpSpPr>
-      <p:grpSpPr>
-        <a:xfrm>
-          <a:off x="0" y="0"/>
-          <a:ext cx="0" cy="0"/>
-          <a:chOff x="0" y="0"/>
-          <a:chExt cx="0" cy="0"/>
-        </a:xfrm>
-      </p:grpSpPr>
-      <p:sp>
-        <p:nvSpPr>
-          <p:cNvPr id="2" name="Title 1"/>
-          <p:cNvSpPr>
-            <a:spLocks noGrp="1"/>
-          </p:cNvSpPr>
-          <p:nvPr>
-            <p:ph type="title"/>
-          </p:nvPr>
-        </p:nvSpPr>
-        <p:spPr/>
-        <p:txBody>
-          <a:bodyPr/>
-          <a:lstStyle/>
-          <a:p>
-            <a:r>
-              <a:rPr lang="en-US" dirty="0"/>
-              <a:t>Example: Treatment Response to ART, HIV+ Individuals—2</a:t>
-            </a:r>
-          </a:p>
-        </p:txBody>
-      </p:sp>
-      <mc:AlternateContent xmlns:mc="http://schemas.openxmlformats.org/markup-compatibility/2006" xmlns:a14="http://schemas.microsoft.com/office/drawing/2010/main">
-        <mc:Choice Requires="a14">
-          <p:sp>
-            <p:nvSpPr>
-              <p:cNvPr id="3" name="Content Placeholder 2"/>
-              <p:cNvSpPr>
-                <a:spLocks noGrp="1"/>
-              </p:cNvSpPr>
-              <p:nvPr>
-                <p:ph idx="1"/>
-              </p:nvPr>
-            </p:nvSpPr>
-            <p:spPr/>
-            <p:txBody>
-              <a:bodyPr/>
-              <a:lstStyle/>
-              <a:p>
-                <a:r>
-                  <a:rPr lang="en-US" dirty="0"/>
-                  <a:t>Response to therapy in a random sample of 1,000 HIV-positive patients from a citywide clinical population</a:t>
-                </a:r>
-              </a:p>
-              <a:p>
-                <a:pPr>
-                  <a:spcAft>
-                    <a:spcPts val="2400"/>
-                  </a:spcAft>
-                </a:pPr>
-                <a:r>
-                  <a:rPr lang="en-US" dirty="0"/>
-                  <a:t>So, with 206 of the 1,000 responding, we have x</a:t>
-                </a:r>
-                <a:r>
-                  <a:rPr lang="en-US" baseline="-25000" dirty="0"/>
-                  <a:t>i</a:t>
-                </a:r>
-                <a:r>
-                  <a:rPr lang="en-US" dirty="0"/>
-                  <a:t>=1 for 206 observations, and x</a:t>
-                </a:r>
-                <a:r>
-                  <a:rPr lang="en-US" baseline="-25000" dirty="0"/>
-                  <a:t>i</a:t>
-                </a:r>
-                <a:r>
-                  <a:rPr lang="en-US" dirty="0"/>
-                  <a:t>=0 for 794 observations</a:t>
-                </a:r>
-              </a:p>
-              <a:p>
-                <a:pPr marL="0" indent="0">
-                  <a:buNone/>
-                </a:pPr>
-                <a14:m>
-                  <m:oMathPara xmlns:m="http://schemas.openxmlformats.org/officeDocument/2006/math">
-                    <m:oMathParaPr>
-                      <m:jc m:val="centerGroup"/>
-                    </m:oMathParaPr>
-                    <m:oMath xmlns:m="http://schemas.openxmlformats.org/officeDocument/2006/math">
-                      <m:acc>
-                        <m:accPr>
-                          <m:chr m:val="̂"/>
-                          <m:ctrlPr>
-                            <a:rPr lang="en-US" i="1">
-                              <a:latin typeface="Cambria Math" panose="02040503050406030204" pitchFamily="18" charset="0"/>
-                              <a:ea typeface="Cambria Math" panose="02040503050406030204" pitchFamily="18" charset="0"/>
-                            </a:rPr>
-                          </m:ctrlPr>
-                        </m:accPr>
-                        <m:e>
-                          <m:r>
-                            <a:rPr lang="en-US">
-                              <a:latin typeface="Cambria Math" panose="02040503050406030204" pitchFamily="18" charset="0"/>
-                              <a:ea typeface="Cambria Math" panose="02040503050406030204" pitchFamily="18" charset="0"/>
-                            </a:rPr>
-                            <m:t>𝑝</m:t>
-                          </m:r>
-                        </m:e>
-                      </m:acc>
-                      <m:r>
-                        <a:rPr lang="en-US">
-                          <a:latin typeface="Cambria Math" panose="02040503050406030204" pitchFamily="18" charset="0"/>
-                          <a:ea typeface="Cambria Math" panose="02040503050406030204" pitchFamily="18" charset="0"/>
-                        </a:rPr>
-                        <m:t>=</m:t>
-                      </m:r>
-                      <m:f>
-                        <m:fPr>
-                          <m:ctrlPr>
-                            <a:rPr lang="mr-IN" i="1">
-                              <a:latin typeface="Cambria Math" panose="02040503050406030204" pitchFamily="18" charset="0"/>
-                              <a:ea typeface="Cambria Math" panose="02040503050406030204" pitchFamily="18" charset="0"/>
-                            </a:rPr>
-                          </m:ctrlPr>
-                        </m:fPr>
-                        <m:num>
-                          <m:nary>
-                            <m:naryPr>
-                              <m:chr m:val="∑"/>
-                              <m:ctrlPr>
-                                <a:rPr lang="is-IS" i="1">
-                                  <a:latin typeface="Cambria Math" panose="02040503050406030204" pitchFamily="18" charset="0"/>
-                                  <a:ea typeface="Cambria Math" panose="02040503050406030204" pitchFamily="18" charset="0"/>
-                                </a:rPr>
-                              </m:ctrlPr>
-                            </m:naryPr>
-                            <m:sub>
-                              <m:r>
-                                <m:rPr>
-                                  <m:brk m:alnAt="23"/>
-                                </m:rPr>
-                                <a:rPr lang="en-US">
-                                  <a:latin typeface="Cambria Math" panose="02040503050406030204" pitchFamily="18" charset="0"/>
-                                  <a:ea typeface="Cambria Math" panose="02040503050406030204" pitchFamily="18" charset="0"/>
-                                </a:rPr>
-                                <m:t>𝑖</m:t>
-                              </m:r>
-                              <m:r>
-                                <a:rPr lang="en-US">
-                                  <a:latin typeface="Cambria Math" panose="02040503050406030204" pitchFamily="18" charset="0"/>
-                                  <a:ea typeface="Cambria Math" panose="02040503050406030204" pitchFamily="18" charset="0"/>
-                                </a:rPr>
-                                <m:t>=1</m:t>
-                              </m:r>
-                            </m:sub>
-                            <m:sup>
-                              <m:r>
-                                <a:rPr lang="en-US" smtClean="0">
-                                  <a:latin typeface="Cambria Math" panose="02040503050406030204" pitchFamily="18" charset="0"/>
-                                  <a:ea typeface="Cambria Math" panose="02040503050406030204" pitchFamily="18" charset="0"/>
-                                </a:rPr>
-                                <m:t>𝑛</m:t>
-                              </m:r>
-                            </m:sup>
-                            <m:e>
-                              <m:sSub>
-                                <m:sSubPr>
-                                  <m:ctrlPr>
-                                    <a:rPr lang="en-US" i="1">
-                                      <a:latin typeface="Cambria Math" panose="02040503050406030204" pitchFamily="18" charset="0"/>
-                                      <a:ea typeface="Cambria Math" panose="02040503050406030204" pitchFamily="18" charset="0"/>
-                                    </a:rPr>
-                                  </m:ctrlPr>
-                                </m:sSubPr>
-                                <m:e>
-                                  <m:r>
-                                    <a:rPr lang="en-US">
-                                      <a:latin typeface="Cambria Math" panose="02040503050406030204" pitchFamily="18" charset="0"/>
-                                      <a:ea typeface="Cambria Math" panose="02040503050406030204" pitchFamily="18" charset="0"/>
-                                    </a:rPr>
-                                    <m:t>𝑥</m:t>
-                                  </m:r>
-                                </m:e>
-                                <m:sub>
-                                  <m:r>
-                                    <a:rPr lang="en-US">
-                                      <a:latin typeface="Cambria Math" panose="02040503050406030204" pitchFamily="18" charset="0"/>
-                                      <a:ea typeface="Cambria Math" panose="02040503050406030204" pitchFamily="18" charset="0"/>
-                                    </a:rPr>
-                                    <m:t>𝑖</m:t>
-                                  </m:r>
-                                </m:sub>
-                              </m:sSub>
-                            </m:e>
-                          </m:nary>
-                        </m:num>
-                        <m:den>
-                          <m:r>
-                            <a:rPr lang="en-US" smtClean="0">
-                              <a:latin typeface="Cambria Math" panose="02040503050406030204" pitchFamily="18" charset="0"/>
-                              <a:ea typeface="Cambria Math" panose="02040503050406030204" pitchFamily="18" charset="0"/>
-                            </a:rPr>
-                            <m:t>𝑛</m:t>
-                          </m:r>
-                        </m:den>
-                      </m:f>
-                      <m:r>
-                        <a:rPr lang="en-US" smtClean="0">
-                          <a:latin typeface="Cambria Math" panose="02040503050406030204" pitchFamily="18" charset="0"/>
-                          <a:ea typeface="Cambria Math" panose="02040503050406030204" pitchFamily="18" charset="0"/>
-                        </a:rPr>
-                        <m:t>=</m:t>
-                      </m:r>
-                      <m:f>
-                        <m:fPr>
-                          <m:ctrlPr>
-                            <a:rPr lang="mr-IN" i="1">
-                              <a:latin typeface="Cambria Math" panose="02040503050406030204" pitchFamily="18" charset="0"/>
-                              <a:ea typeface="Cambria Math" panose="02040503050406030204" pitchFamily="18" charset="0"/>
-                            </a:rPr>
-                          </m:ctrlPr>
-                        </m:fPr>
-                        <m:num>
-                          <m:nary>
-                            <m:naryPr>
-                              <m:chr m:val="∑"/>
-                              <m:ctrlPr>
-                                <a:rPr lang="is-IS" i="1" smtClean="0">
-                                  <a:latin typeface="Cambria Math" panose="02040503050406030204" pitchFamily="18" charset="0"/>
-                                  <a:ea typeface="Cambria Math" panose="02040503050406030204" pitchFamily="18" charset="0"/>
-                                </a:rPr>
-                              </m:ctrlPr>
-                            </m:naryPr>
-                            <m:sub>
-                              <m:r>
-                                <m:rPr>
-                                  <m:brk m:alnAt="23"/>
-                                </m:rPr>
-                                <a:rPr lang="en-US" smtClean="0">
-                                  <a:latin typeface="Cambria Math" panose="02040503050406030204" pitchFamily="18" charset="0"/>
-                                  <a:ea typeface="Cambria Math" panose="02040503050406030204" pitchFamily="18" charset="0"/>
-                                </a:rPr>
-                                <m:t>𝑖</m:t>
-                              </m:r>
-                              <m:r>
-                                <a:rPr lang="en-US" smtClean="0">
-                                  <a:latin typeface="Cambria Math" panose="02040503050406030204" pitchFamily="18" charset="0"/>
-                                  <a:ea typeface="Cambria Math" panose="02040503050406030204" pitchFamily="18" charset="0"/>
-                                </a:rPr>
-                                <m:t>=1</m:t>
-                              </m:r>
-                            </m:sub>
-                            <m:sup>
-                              <m:r>
-                                <a:rPr lang="en-US" smtClean="0">
-                                  <a:latin typeface="Cambria Math" panose="02040503050406030204" pitchFamily="18" charset="0"/>
-                                  <a:ea typeface="Cambria Math" panose="02040503050406030204" pitchFamily="18" charset="0"/>
-                                </a:rPr>
-                                <m:t>1000</m:t>
-                              </m:r>
-                            </m:sup>
-                            <m:e>
-                              <m:sSub>
-                                <m:sSubPr>
-                                  <m:ctrlPr>
-                                    <a:rPr lang="en-US" i="1" smtClean="0">
-                                      <a:latin typeface="Cambria Math" panose="02040503050406030204" pitchFamily="18" charset="0"/>
-                                      <a:ea typeface="Cambria Math" panose="02040503050406030204" pitchFamily="18" charset="0"/>
-                                    </a:rPr>
-                                  </m:ctrlPr>
-                                </m:sSubPr>
-                                <m:e>
-                                  <m:r>
-                                    <a:rPr lang="en-US" smtClean="0">
-                                      <a:latin typeface="Cambria Math" panose="02040503050406030204" pitchFamily="18" charset="0"/>
-                                      <a:ea typeface="Cambria Math" panose="02040503050406030204" pitchFamily="18" charset="0"/>
-                                    </a:rPr>
-                                    <m:t>𝑥</m:t>
-                                  </m:r>
-                                </m:e>
-                                <m:sub>
-                                  <m:r>
-                                    <a:rPr lang="en-US" smtClean="0">
-                                      <a:latin typeface="Cambria Math" panose="02040503050406030204" pitchFamily="18" charset="0"/>
-                                      <a:ea typeface="Cambria Math" panose="02040503050406030204" pitchFamily="18" charset="0"/>
-                                    </a:rPr>
-                                    <m:t>𝑖</m:t>
-                                  </m:r>
-                                </m:sub>
-                              </m:sSub>
-                            </m:e>
-                          </m:nary>
-                        </m:num>
-                        <m:den>
-                          <m:r>
-                            <a:rPr lang="en-US" smtClean="0">
-                              <a:latin typeface="Cambria Math" panose="02040503050406030204" pitchFamily="18" charset="0"/>
-                              <a:ea typeface="Cambria Math" panose="02040503050406030204" pitchFamily="18" charset="0"/>
-                            </a:rPr>
-                            <m:t>1,000</m:t>
-                          </m:r>
-                        </m:den>
-                      </m:f>
-                      <m:r>
-                        <a:rPr lang="en-US" dirty="0">
-                          <a:latin typeface="Cambria Math" panose="02040503050406030204" pitchFamily="18" charset="0"/>
-                          <a:ea typeface="Cambria Math" panose="02040503050406030204" pitchFamily="18" charset="0"/>
-                        </a:rPr>
-                        <m:t>=</m:t>
-                      </m:r>
-                      <m:f>
-                        <m:fPr>
-                          <m:ctrlPr>
-                            <a:rPr lang="mr-IN" i="1" dirty="0">
-                              <a:latin typeface="Cambria Math" panose="02040503050406030204" pitchFamily="18" charset="0"/>
-                              <a:ea typeface="Cambria Math" panose="02040503050406030204" pitchFamily="18" charset="0"/>
-                            </a:rPr>
-                          </m:ctrlPr>
-                        </m:fPr>
-                        <m:num>
-                          <m:r>
-                            <a:rPr lang="en-US" dirty="0">
-                              <a:latin typeface="Cambria Math" panose="02040503050406030204" pitchFamily="18" charset="0"/>
-                              <a:ea typeface="Cambria Math" panose="02040503050406030204" pitchFamily="18" charset="0"/>
-                            </a:rPr>
-                            <m:t>206</m:t>
-                          </m:r>
-                        </m:num>
-                        <m:den>
-                          <m:r>
-                            <a:rPr lang="en-US" dirty="0">
-                              <a:latin typeface="Cambria Math" panose="02040503050406030204" pitchFamily="18" charset="0"/>
-                              <a:ea typeface="Cambria Math" panose="02040503050406030204" pitchFamily="18" charset="0"/>
-                            </a:rPr>
-                            <m:t>1,000</m:t>
-                          </m:r>
-                        </m:den>
-                      </m:f>
-                      <m:r>
-                        <a:rPr lang="en-US" dirty="0">
-                          <a:latin typeface="Cambria Math" panose="02040503050406030204" pitchFamily="18" charset="0"/>
-                          <a:ea typeface="Cambria Math" panose="02040503050406030204" pitchFamily="18" charset="0"/>
-                        </a:rPr>
-                        <m:t>=0.206 </m:t>
-                      </m:r>
-                      <m:r>
-                        <a:rPr lang="en-US" dirty="0">
-                          <a:latin typeface="Cambria Math" panose="02040503050406030204" pitchFamily="18" charset="0"/>
-                          <a:ea typeface="Cambria Math" panose="02040503050406030204" pitchFamily="18" charset="0"/>
-                        </a:rPr>
-                        <m:t>𝑜𝑟</m:t>
-                      </m:r>
-                      <m:r>
-                        <a:rPr lang="en-US" dirty="0">
-                          <a:latin typeface="Cambria Math" panose="02040503050406030204" pitchFamily="18" charset="0"/>
-                          <a:ea typeface="Cambria Math" panose="02040503050406030204" pitchFamily="18" charset="0"/>
-                        </a:rPr>
-                        <m:t> 20.6%</m:t>
-                      </m:r>
-                    </m:oMath>
-                  </m:oMathPara>
-                </a14:m>
-                <a:endParaRPr lang="en-US" dirty="0">
-                  <a:latin typeface="Cambria Math" panose="02040503050406030204" pitchFamily="18" charset="0"/>
-                  <a:ea typeface="Cambria Math" panose="02040503050406030204" pitchFamily="18" charset="0"/>
-                </a:endParaRPr>
-              </a:p>
-            </p:txBody>
-          </p:sp>
-        </mc:Choice>
-        <mc:Fallback xmlns="">
-          <p:sp>
-            <p:nvSpPr>
-              <p:cNvPr id="3" name="Content Placeholder 2"/>
-              <p:cNvSpPr>
-                <a:spLocks noGrp="1" noRot="1" noChangeAspect="1" noMove="1" noResize="1" noEditPoints="1" noAdjustHandles="1" noChangeArrowheads="1" noChangeShapeType="1" noTextEdit="1"/>
-              </p:cNvSpPr>
-              <p:nvPr>
-                <p:ph idx="1"/>
-              </p:nvPr>
-            </p:nvSpPr>
-            <p:spPr>
-              <a:blipFill>
-                <a:blip r:embed="rId3"/>
-                <a:stretch>
-                  <a:fillRect l="-69" t="-894"/>
-                </a:stretch>
-              </a:blipFill>
-            </p:spPr>
-            <p:txBody>
-              <a:bodyPr/>
-              <a:lstStyle/>
-              <a:p>
-                <a:r>
-                  <a:rPr lang="en-US">
-                    <a:noFill/>
-                  </a:rPr>
-                  <a:t> </a:t>
-                </a:r>
-              </a:p>
-            </p:txBody>
-          </p:sp>
-        </mc:Fallback>
-      </mc:AlternateContent>
-      <p:sp>
-        <p:nvSpPr>
-          <p:cNvPr id="6" name="Content Placeholder 5"/>
-          <p:cNvSpPr>
-            <a:spLocks noGrp="1"/>
-          </p:cNvSpPr>
-          <p:nvPr>
-            <p:ph idx="11"/>
-          </p:nvPr>
-        </p:nvSpPr>
-        <p:spPr/>
-        <p:txBody>
-          <a:bodyPr/>
-          <a:lstStyle/>
-          <a:p>
-            <a:endParaRPr lang="en-US" dirty="0"/>
-          </a:p>
-        </p:txBody>
-      </p:sp>
-    </p:spTree>
-    <p:extLst>
-      <p:ext uri="{BB962C8B-B14F-4D97-AF65-F5344CB8AC3E}">
-        <p14:creationId xmlns:p14="http://schemas.microsoft.com/office/powerpoint/2010/main" val="4115529147"/>
-      </p:ext>
-    </p:extLst>
-  </p:cSld>
-  <p:clrMapOvr>
-    <a:masterClrMapping/>
-  </p:clrMapOvr>
-</p:sld>
-</file>
-
-<file path=ppt/slides/slide67.xml><?xml version="1.0" encoding="utf-8"?>
-<p:sld xmlns:a="http://schemas.openxmlformats.org/drawingml/2006/main" xmlns:r="http://schemas.openxmlformats.org/officeDocument/2006/relationships" xmlns:p="http://schemas.openxmlformats.org/presentationml/2006/main">
-  <p:cSld>
-    <p:spTree>
-      <p:nvGrpSpPr>
-        <p:cNvPr id="1" name=""/>
-        <p:cNvGrpSpPr/>
-        <p:nvPr/>
-      </p:nvGrpSpPr>
-      <p:grpSpPr>
-        <a:xfrm>
-          <a:off x="0" y="0"/>
-          <a:ext cx="0" cy="0"/>
-          <a:chOff x="0" y="0"/>
-          <a:chExt cx="0" cy="0"/>
-        </a:xfrm>
-      </p:grpSpPr>
-      <p:sp>
-        <p:nvSpPr>
-          <p:cNvPr id="2" name="Title 1"/>
-          <p:cNvSpPr>
-            <a:spLocks noGrp="1"/>
-          </p:cNvSpPr>
-          <p:nvPr>
-            <p:ph type="title"/>
-          </p:nvPr>
-        </p:nvSpPr>
-        <p:spPr/>
-        <p:txBody>
-          <a:bodyPr/>
-          <a:lstStyle/>
-          <a:p>
-            <a:r>
-              <a:rPr lang="en-US" dirty="0"/>
-              <a:t>Standard Deviation of Binary Data</a:t>
-            </a:r>
-          </a:p>
-        </p:txBody>
-      </p:sp>
-      <mc:AlternateContent xmlns:mc="http://schemas.openxmlformats.org/markup-compatibility/2006" xmlns:a14="http://schemas.microsoft.com/office/drawing/2010/main">
-        <mc:Choice Requires="a14">
-          <p:sp>
-            <p:nvSpPr>
-              <p:cNvPr id="3" name="Content Placeholder 2"/>
-              <p:cNvSpPr>
-                <a:spLocks noGrp="1"/>
-              </p:cNvSpPr>
-              <p:nvPr>
-                <p:ph idx="1"/>
-              </p:nvPr>
-            </p:nvSpPr>
-            <p:spPr/>
-            <p:txBody>
-              <a:bodyPr/>
-              <a:lstStyle/>
-              <a:p>
-                <a:pPr>
-                  <a:spcAft>
-                    <a:spcPts val="2400"/>
-                  </a:spcAft>
-                </a:pPr>
-                <a:r>
-                  <a:rPr lang="en-US" dirty="0"/>
-                  <a:t>There is a formula for the standard deviation of binary data:</a:t>
-                </a:r>
-              </a:p>
-              <a:p>
-                <a:pPr marL="0" indent="0">
-                  <a:buNone/>
-                </a:pPr>
-                <a14:m>
-                  <m:oMathPara xmlns:m="http://schemas.openxmlformats.org/officeDocument/2006/math">
-                    <m:oMathParaPr>
-                      <m:jc m:val="centerGroup"/>
-                    </m:oMathParaPr>
-                    <m:oMath xmlns:m="http://schemas.openxmlformats.org/officeDocument/2006/math">
-                      <m:r>
-                        <a:rPr lang="en-US" smtClean="0">
-                          <a:latin typeface="Cambria Math" panose="02040503050406030204" pitchFamily="18" charset="0"/>
-                          <a:ea typeface="Cambria Math" panose="02040503050406030204" pitchFamily="18" charset="0"/>
-                        </a:rPr>
-                        <m:t>𝑠</m:t>
-                      </m:r>
-                      <m:r>
-                        <a:rPr lang="en-US" smtClean="0">
-                          <a:latin typeface="Cambria Math" panose="02040503050406030204" pitchFamily="18" charset="0"/>
-                          <a:ea typeface="Cambria Math" panose="02040503050406030204" pitchFamily="18" charset="0"/>
-                        </a:rPr>
-                        <m:t>=</m:t>
-                      </m:r>
-                      <m:rad>
-                        <m:radPr>
-                          <m:degHide m:val="on"/>
-                          <m:ctrlPr>
-                            <a:rPr lang="en-US" i="1" smtClean="0">
-                              <a:latin typeface="Cambria Math" panose="02040503050406030204" pitchFamily="18" charset="0"/>
-                              <a:ea typeface="Cambria Math" panose="02040503050406030204" pitchFamily="18" charset="0"/>
-                            </a:rPr>
-                          </m:ctrlPr>
-                        </m:radPr>
-                        <m:deg/>
-                        <m:e>
-                          <m:acc>
-                            <m:accPr>
-                              <m:chr m:val="̂"/>
-                              <m:ctrlPr>
-                                <a:rPr lang="en-US" i="1" smtClean="0">
-                                  <a:latin typeface="Cambria Math" panose="02040503050406030204" pitchFamily="18" charset="0"/>
-                                  <a:ea typeface="Cambria Math" panose="02040503050406030204" pitchFamily="18" charset="0"/>
-                                </a:rPr>
-                              </m:ctrlPr>
-                            </m:accPr>
-                            <m:e>
-                              <m:r>
-                                <a:rPr lang="en-US" smtClean="0">
-                                  <a:latin typeface="Cambria Math" panose="02040503050406030204" pitchFamily="18" charset="0"/>
-                                  <a:ea typeface="Cambria Math" panose="02040503050406030204" pitchFamily="18" charset="0"/>
-                                </a:rPr>
-                                <m:t>𝑝</m:t>
-                              </m:r>
-                            </m:e>
-                          </m:acc>
-                          <m:r>
-                            <a:rPr lang="en-US" smtClean="0">
-                              <a:latin typeface="Cambria Math" panose="02040503050406030204" pitchFamily="18" charset="0"/>
-                              <a:ea typeface="Cambria Math" panose="02040503050406030204" pitchFamily="18" charset="0"/>
-                            </a:rPr>
-                            <m:t>(1−</m:t>
-                          </m:r>
-                          <m:acc>
-                            <m:accPr>
-                              <m:chr m:val="̂"/>
-                              <m:ctrlPr>
-                                <a:rPr lang="en-US" i="1" smtClean="0">
-                                  <a:latin typeface="Cambria Math" panose="02040503050406030204" pitchFamily="18" charset="0"/>
-                                  <a:ea typeface="Cambria Math" panose="02040503050406030204" pitchFamily="18" charset="0"/>
-                                </a:rPr>
-                              </m:ctrlPr>
-                            </m:accPr>
-                            <m:e>
-                              <m:r>
-                                <a:rPr lang="en-US" smtClean="0">
-                                  <a:latin typeface="Cambria Math" panose="02040503050406030204" pitchFamily="18" charset="0"/>
-                                  <a:ea typeface="Cambria Math" panose="02040503050406030204" pitchFamily="18" charset="0"/>
-                                </a:rPr>
-                                <m:t>𝑝</m:t>
-                              </m:r>
-                            </m:e>
-                          </m:acc>
-                          <m:r>
-                            <a:rPr lang="en-US" smtClean="0">
-                              <a:latin typeface="Cambria Math" panose="02040503050406030204" pitchFamily="18" charset="0"/>
-                              <a:ea typeface="Cambria Math" panose="02040503050406030204" pitchFamily="18" charset="0"/>
-                            </a:rPr>
-                            <m:t>)</m:t>
-                          </m:r>
-                        </m:e>
-                      </m:rad>
-                    </m:oMath>
-                  </m:oMathPara>
-                </a14:m>
-                <a:endParaRPr lang="en-US" dirty="0">
-                  <a:latin typeface="Cambria Math" panose="02040503050406030204" pitchFamily="18" charset="0"/>
-                  <a:ea typeface="Cambria Math" panose="02040503050406030204" pitchFamily="18" charset="0"/>
-                </a:endParaRPr>
-              </a:p>
-              <a:p>
-                <a:r>
-                  <a:rPr lang="en-US" dirty="0"/>
-                  <a:t>Unlike with continuous sample values, this quantity is not particularly useful in understanding the distribution; however, it is relevant to note that the variability of the sample values is dependent on the value of the summary statistic, </a:t>
-                </a:r>
-                <a14:m>
-                  <m:oMath xmlns:m="http://schemas.openxmlformats.org/officeDocument/2006/math">
-                    <m:acc>
-                      <m:accPr>
-                        <m:chr m:val="̂"/>
-                        <m:ctrlPr>
-                          <a:rPr lang="en-US" i="1" smtClean="0">
-                            <a:latin typeface="Cambria Math" panose="02040503050406030204" pitchFamily="18" charset="0"/>
-                          </a:rPr>
-                        </m:ctrlPr>
-                      </m:accPr>
-                      <m:e>
-                        <m:r>
-                          <a:rPr lang="en-US" smtClean="0">
-                            <a:latin typeface="Cambria Math" charset="0"/>
-                          </a:rPr>
-                          <m:t>𝑝</m:t>
-                        </m:r>
-                      </m:e>
-                    </m:acc>
-                  </m:oMath>
-                </a14:m>
-                <a:endParaRPr lang="en-US" dirty="0"/>
-              </a:p>
-            </p:txBody>
-          </p:sp>
-        </mc:Choice>
-        <mc:Fallback xmlns="">
-          <p:sp>
-            <p:nvSpPr>
-              <p:cNvPr id="3" name="Content Placeholder 2"/>
-              <p:cNvSpPr>
-                <a:spLocks noGrp="1" noRot="1" noChangeAspect="1" noMove="1" noResize="1" noEditPoints="1" noAdjustHandles="1" noChangeArrowheads="1" noChangeShapeType="1" noTextEdit="1"/>
-              </p:cNvSpPr>
-              <p:nvPr>
-                <p:ph idx="1"/>
-              </p:nvPr>
-            </p:nvSpPr>
-            <p:spPr>
-              <a:blipFill rotWithShape="0">
-                <a:blip r:embed="rId3"/>
-                <a:stretch>
-                  <a:fillRect l="-69" t="-894"/>
-                </a:stretch>
-              </a:blipFill>
-            </p:spPr>
-            <p:txBody>
-              <a:bodyPr/>
-              <a:lstStyle/>
-              <a:p>
-                <a:r>
-                  <a:rPr lang="en-US">
-                    <a:noFill/>
-                  </a:rPr>
-                  <a:t> </a:t>
-                </a:r>
-              </a:p>
-            </p:txBody>
-          </p:sp>
-        </mc:Fallback>
-      </mc:AlternateContent>
-      <p:sp>
-        <p:nvSpPr>
-          <p:cNvPr id="7" name="Content Placeholder 6"/>
-          <p:cNvSpPr>
-            <a:spLocks noGrp="1"/>
-          </p:cNvSpPr>
-          <p:nvPr>
-            <p:ph idx="11"/>
-          </p:nvPr>
-        </p:nvSpPr>
-        <p:spPr/>
-        <p:txBody>
-          <a:bodyPr/>
-          <a:lstStyle/>
-          <a:p>
-            <a:endParaRPr lang="en-US" dirty="0"/>
-          </a:p>
-        </p:txBody>
-      </p:sp>
-    </p:spTree>
-    <p:extLst>
-      <p:ext uri="{BB962C8B-B14F-4D97-AF65-F5344CB8AC3E}">
-        <p14:creationId xmlns:p14="http://schemas.microsoft.com/office/powerpoint/2010/main" val="613812078"/>
-      </p:ext>
-    </p:extLst>
-  </p:cSld>
-  <p:clrMapOvr>
-    <a:masterClrMapping/>
-  </p:clrMapOvr>
-</p:sld>
-</file>
-
-<file path=ppt/slides/slide68.xml><?xml version="1.0" encoding="utf-8"?>
-<p:sld xmlns:a="http://schemas.openxmlformats.org/drawingml/2006/main" xmlns:r="http://schemas.openxmlformats.org/officeDocument/2006/relationships" xmlns:p="http://schemas.openxmlformats.org/presentationml/2006/main">
-  <p:cSld>
-    <p:spTree>
-      <p:nvGrpSpPr>
-        <p:cNvPr id="1" name=""/>
-        <p:cNvGrpSpPr/>
-        <p:nvPr/>
-      </p:nvGrpSpPr>
-      <p:grpSpPr>
-        <a:xfrm>
-          <a:off x="0" y="0"/>
-          <a:ext cx="0" cy="0"/>
-          <a:chOff x="0" y="0"/>
-          <a:chExt cx="0" cy="0"/>
-        </a:xfrm>
-      </p:grpSpPr>
-      <p:sp>
-        <p:nvSpPr>
-          <p:cNvPr id="2" name="Title 1"/>
-          <p:cNvSpPr>
-            <a:spLocks noGrp="1"/>
-          </p:cNvSpPr>
-          <p:nvPr>
-            <p:ph type="title"/>
-          </p:nvPr>
-        </p:nvSpPr>
-        <p:spPr/>
-        <p:txBody>
-          <a:bodyPr/>
-          <a:lstStyle/>
-          <a:p>
-            <a:r>
-              <a:rPr lang="en-US" dirty="0"/>
-              <a:t>Percentiles of Binary Data</a:t>
-            </a:r>
-          </a:p>
-        </p:txBody>
-      </p:sp>
-      <mc:AlternateContent xmlns:mc="http://schemas.openxmlformats.org/markup-compatibility/2006" xmlns:a14="http://schemas.microsoft.com/office/drawing/2010/main">
-        <mc:Choice Requires="a14">
-          <p:sp>
-            <p:nvSpPr>
-              <p:cNvPr id="3" name="Content Placeholder 2"/>
-              <p:cNvSpPr>
-                <a:spLocks noGrp="1"/>
-              </p:cNvSpPr>
-              <p:nvPr>
-                <p:ph idx="1"/>
-              </p:nvPr>
-            </p:nvSpPr>
-            <p:spPr>
-              <a:xfrm>
-                <a:off x="199085" y="1600201"/>
-                <a:ext cx="11810881" cy="4655456"/>
-              </a:xfrm>
-            </p:spPr>
-            <p:txBody>
-              <a:bodyPr/>
-              <a:lstStyle/>
-              <a:p>
-                <a:r>
-                  <a:rPr lang="en-US" dirty="0"/>
-                  <a:t>If we know the value of </a:t>
-                </a:r>
-                <a14:m>
-                  <m:oMath xmlns:m="http://schemas.openxmlformats.org/officeDocument/2006/math">
-                    <m:acc>
-                      <m:accPr>
-                        <m:chr m:val="̂"/>
-                        <m:ctrlPr>
-                          <a:rPr lang="en-US" i="1" smtClean="0">
-                            <a:latin typeface="Cambria Math" panose="02040503050406030204" pitchFamily="18" charset="0"/>
-                          </a:rPr>
-                        </m:ctrlPr>
-                      </m:accPr>
-                      <m:e>
-                        <m:r>
-                          <a:rPr lang="en-US" b="0" i="1" smtClean="0">
-                            <a:latin typeface="Cambria Math" charset="0"/>
-                          </a:rPr>
-                          <m:t>𝑝</m:t>
-                        </m:r>
-                      </m:e>
-                    </m:acc>
-                  </m:oMath>
-                </a14:m>
-                <a:r>
-                  <a:rPr lang="en-US" dirty="0"/>
-                  <a:t> , we have have information regarding the sample percentile values</a:t>
-                </a:r>
-              </a:p>
-              <a:p>
-                <a:r>
-                  <a:rPr lang="en-US" dirty="0"/>
-                  <a:t>For example, with the sample of 1,000 HIV+ clinic patients, the proportion responding was </a:t>
-                </a:r>
-                <a14:m>
-                  <m:oMath xmlns:m="http://schemas.openxmlformats.org/officeDocument/2006/math">
-                    <m:acc>
-                      <m:accPr>
-                        <m:chr m:val="̂"/>
-                        <m:ctrlPr>
-                          <a:rPr lang="en-US" i="1" smtClean="0">
-                            <a:latin typeface="Cambria Math" panose="02040503050406030204" pitchFamily="18" charset="0"/>
-                          </a:rPr>
-                        </m:ctrlPr>
-                      </m:accPr>
-                      <m:e>
-                        <m:r>
-                          <a:rPr lang="en-US" b="0" i="1" smtClean="0">
-                            <a:latin typeface="Cambria Math" charset="0"/>
-                          </a:rPr>
-                          <m:t>𝑝</m:t>
-                        </m:r>
-                      </m:e>
-                    </m:acc>
-                    <m:r>
-                      <a:rPr lang="en-US" b="0" i="1" smtClean="0">
-                        <a:latin typeface="Cambria Math" charset="0"/>
-                      </a:rPr>
-                      <m:t>=0.206</m:t>
-                    </m:r>
-                  </m:oMath>
-                </a14:m>
-                <a:endParaRPr lang="en-US" dirty="0"/>
-              </a:p>
-              <a:p>
-                <a:endParaRPr lang="en-US" dirty="0"/>
-              </a:p>
-              <a:p>
-                <a:endParaRPr lang="en-US" dirty="0"/>
-              </a:p>
-              <a:p>
-                <a:r>
-                  <a:rPr lang="en-US" dirty="0"/>
-                  <a:t>However, as with </a:t>
-                </a:r>
-                <a:r>
-                  <a:rPr lang="en-US" i="1" dirty="0"/>
-                  <a:t>s </a:t>
-                </a:r>
-                <a:r>
-                  <a:rPr lang="en-US" dirty="0"/>
-                  <a:t>(sample </a:t>
-                </a:r>
-                <a:r>
-                  <a:rPr lang="en-US" i="1" dirty="0"/>
-                  <a:t>sd</a:t>
-                </a:r>
-                <a:r>
-                  <a:rPr lang="en-US" dirty="0"/>
-                  <a:t>), the sample percentile values for binary data are not particularly useful in characterizing the sample distribution</a:t>
-                </a:r>
-              </a:p>
-              <a:p>
-                <a:endParaRPr lang="en-US" dirty="0"/>
-              </a:p>
-            </p:txBody>
-          </p:sp>
-        </mc:Choice>
-        <mc:Fallback xmlns="">
-          <p:sp>
-            <p:nvSpPr>
-              <p:cNvPr id="3" name="Content Placeholder 2"/>
-              <p:cNvSpPr>
-                <a:spLocks noGrp="1" noRot="1" noChangeAspect="1" noMove="1" noResize="1" noEditPoints="1" noAdjustHandles="1" noChangeArrowheads="1" noChangeShapeType="1" noTextEdit="1"/>
-              </p:cNvSpPr>
-              <p:nvPr>
-                <p:ph idx="1"/>
-              </p:nvPr>
-            </p:nvSpPr>
-            <p:spPr>
-              <a:xfrm>
-                <a:off x="199085" y="1600201"/>
-                <a:ext cx="11810881" cy="4655456"/>
-              </a:xfrm>
-              <a:blipFill>
-                <a:blip r:embed="rId3"/>
-                <a:stretch>
-                  <a:fillRect l="-430"/>
-                </a:stretch>
-              </a:blipFill>
-            </p:spPr>
-            <p:txBody>
-              <a:bodyPr/>
-              <a:lstStyle/>
-              <a:p>
-                <a:r>
-                  <a:rPr lang="en-US">
-                    <a:noFill/>
-                  </a:rPr>
-                  <a:t> </a:t>
-                </a:r>
-              </a:p>
-            </p:txBody>
-          </p:sp>
-        </mc:Fallback>
-      </mc:AlternateContent>
-      <p:sp>
-        <p:nvSpPr>
-          <p:cNvPr id="4" name="Content Placeholder 3"/>
-          <p:cNvSpPr>
-            <a:spLocks noGrp="1"/>
-          </p:cNvSpPr>
-          <p:nvPr>
-            <p:ph idx="11"/>
-          </p:nvPr>
-        </p:nvSpPr>
-        <p:spPr/>
-        <p:txBody>
-          <a:bodyPr/>
-          <a:lstStyle/>
-          <a:p>
-            <a:endParaRPr lang="en-US" dirty="0"/>
-          </a:p>
-        </p:txBody>
-      </p:sp>
-    </p:spTree>
-    <p:extLst>
-      <p:ext uri="{BB962C8B-B14F-4D97-AF65-F5344CB8AC3E}">
-        <p14:creationId xmlns:p14="http://schemas.microsoft.com/office/powerpoint/2010/main" val="1645223073"/>
-      </p:ext>
-    </p:extLst>
-  </p:cSld>
-  <p:clrMapOvr>
-    <a:masterClrMapping/>
-  </p:clrMapOvr>
-</p:sld>
-</file>
-
-<file path=ppt/slides/slide7.xml><?xml version="1.0" encoding="utf-8"?>
+<file path=ppt/slides/slide8.xml><?xml version="1.0" encoding="utf-8"?>
 <p:sld xmlns:a="http://schemas.openxmlformats.org/drawingml/2006/main" xmlns:r="http://schemas.openxmlformats.org/officeDocument/2006/relationships" xmlns:p="http://schemas.openxmlformats.org/presentationml/2006/main">
   <p:cSld>
     <p:spTree>
@@ -34237,7 +33037,7 @@
 </p:sld>
 </file>
 
-<file path=ppt/slides/slide8.xml><?xml version="1.0" encoding="utf-8"?>
+<file path=ppt/slides/slide9.xml><?xml version="1.0" encoding="utf-8"?>
 <p:sld xmlns:a="http://schemas.openxmlformats.org/drawingml/2006/main" xmlns:r="http://schemas.openxmlformats.org/officeDocument/2006/relationships" xmlns:p="http://schemas.openxmlformats.org/presentationml/2006/main">
   <p:cSld>
     <p:spTree>
@@ -34409,151 +33209,10 @@
 </p:sld>
 </file>
 
-<file path=ppt/slides/slide9.xml><?xml version="1.0" encoding="utf-8"?>
-<p:sld xmlns:a="http://schemas.openxmlformats.org/drawingml/2006/main" xmlns:r="http://schemas.openxmlformats.org/officeDocument/2006/relationships" xmlns:p="http://schemas.openxmlformats.org/presentationml/2006/main">
-  <p:cSld>
-    <p:spTree>
-      <p:nvGrpSpPr>
-        <p:cNvPr id="1" name="Shape 132"/>
-        <p:cNvGrpSpPr/>
-        <p:nvPr/>
-      </p:nvGrpSpPr>
-      <p:grpSpPr>
-        <a:xfrm>
-          <a:off x="0" y="0"/>
-          <a:ext cx="0" cy="0"/>
-          <a:chOff x="0" y="0"/>
-          <a:chExt cx="0" cy="0"/>
-        </a:xfrm>
-      </p:grpSpPr>
-      <p:sp>
-        <p:nvSpPr>
-          <p:cNvPr id="133" name="Google Shape;133;p22"/>
-          <p:cNvSpPr txBox="1">
-            <a:spLocks noGrp="1"/>
-          </p:cNvSpPr>
-          <p:nvPr>
-            <p:ph type="body" idx="1"/>
-          </p:nvPr>
-        </p:nvSpPr>
-        <p:spPr>
-          <a:xfrm>
-            <a:off x="1981200" y="1493850"/>
-            <a:ext cx="8154000" cy="5013300"/>
-          </a:xfrm>
-          <a:prstGeom prst="rect">
-            <a:avLst/>
-          </a:prstGeom>
-        </p:spPr>
-        <p:txBody>
-          <a:bodyPr spcFirstLastPara="1" wrap="square" lIns="91425" tIns="91425" rIns="91425" bIns="91425" anchor="t" anchorCtr="0">
-            <a:noAutofit/>
-          </a:bodyPr>
-          <a:lstStyle/>
-          <a:p>
-            <a:pPr marL="0" indent="0">
-              <a:lnSpc>
-                <a:spcPct val="115000"/>
-              </a:lnSpc>
-              <a:buNone/>
-            </a:pPr>
-            <a:r>
-              <a:rPr lang="en" sz="1900">
-                <a:solidFill>
-                  <a:srgbClr val="000000"/>
-                </a:solidFill>
-              </a:rPr>
-              <a:t>How would you describe the shape of the distribution of hours per week students spend on extracurricular activities?</a:t>
-            </a:r>
-            <a:endParaRPr sz="1900">
-              <a:solidFill>
-                <a:schemeClr val="accent1"/>
-              </a:solidFill>
-            </a:endParaRPr>
-          </a:p>
-        </p:txBody>
-      </p:sp>
-      <p:sp>
-        <p:nvSpPr>
-          <p:cNvPr id="134" name="Google Shape;134;p22"/>
-          <p:cNvSpPr txBox="1">
-            <a:spLocks noGrp="1"/>
-          </p:cNvSpPr>
-          <p:nvPr>
-            <p:ph type="title"/>
-          </p:nvPr>
-        </p:nvSpPr>
-        <p:spPr>
-          <a:xfrm>
-            <a:off x="1981200" y="350838"/>
-            <a:ext cx="8229600" cy="1143000"/>
-          </a:xfrm>
-          <a:prstGeom prst="rect">
-            <a:avLst/>
-          </a:prstGeom>
-        </p:spPr>
-        <p:txBody>
-          <a:bodyPr spcFirstLastPara="1" wrap="square" lIns="91425" tIns="91425" rIns="91425" bIns="91425" anchor="b" anchorCtr="0">
-            <a:noAutofit/>
-          </a:bodyPr>
-          <a:lstStyle/>
-          <a:p>
-            <a:r>
-              <a:rPr lang="en">
-                <a:solidFill>
-                  <a:schemeClr val="accent1"/>
-                </a:solidFill>
-              </a:rPr>
-              <a:t>Extracurricular activities</a:t>
-            </a:r>
-            <a:endParaRPr>
-              <a:solidFill>
-                <a:schemeClr val="accent1"/>
-              </a:solidFill>
-            </a:endParaRPr>
-          </a:p>
-        </p:txBody>
-      </p:sp>
-      <p:pic>
-        <p:nvPicPr>
-          <p:cNvPr id="135" name="Google Shape;135;p22"/>
-          <p:cNvPicPr preferRelativeResize="0"/>
-          <p:nvPr/>
-        </p:nvPicPr>
-        <p:blipFill>
-          <a:blip r:embed="rId3">
-            <a:alphaModFix/>
-          </a:blip>
-          <a:stretch>
-            <a:fillRect/>
-          </a:stretch>
-        </p:blipFill>
-        <p:spPr>
-          <a:xfrm>
-            <a:off x="3457624" y="2556899"/>
-            <a:ext cx="5201149" cy="3023925"/>
-          </a:xfrm>
-          <a:prstGeom prst="rect">
-            <a:avLst/>
-          </a:prstGeom>
-          <a:noFill/>
-          <a:ln>
-            <a:noFill/>
-          </a:ln>
-        </p:spPr>
-      </p:pic>
-    </p:spTree>
-  </p:cSld>
-  <p:clrMapOvr>
-    <a:masterClrMapping/>
-  </p:clrMapOvr>
-</p:sld>
-</file>
-
 <file path=ppt/theme/theme1.xml><?xml version="1.0" encoding="utf-8"?>
 <a:theme xmlns:a="http://schemas.openxmlformats.org/drawingml/2006/main" name="Frame">
   <a:themeElements>
-    <a:clrScheme name="Frame">
+    <a:clrScheme name="Custom 1">
       <a:dk1>
         <a:srgbClr val="2F2B20"/>
       </a:dk1>
@@ -34784,42 +33443,42 @@
 <file path=ppt/theme/theme2.xml><?xml version="1.0" encoding="utf-8"?>
 <a:theme xmlns:a="http://schemas.openxmlformats.org/drawingml/2006/main" name="Simple Light">
   <a:themeElements>
-    <a:clrScheme name="Custom 347">
+    <a:clrScheme name="Custom 1">
       <a:dk1>
-        <a:srgbClr val="000000"/>
+        <a:srgbClr val="2F2B20"/>
       </a:dk1>
       <a:lt1>
         <a:srgbClr val="FFFFFF"/>
       </a:lt1>
       <a:dk2>
-        <a:srgbClr val="666666"/>
+        <a:srgbClr val="675E47"/>
       </a:dk2>
       <a:lt2>
-        <a:srgbClr val="CCCCCC"/>
+        <a:srgbClr val="DFDCB7"/>
       </a:lt2>
       <a:accent1>
-        <a:srgbClr val="3A81BA"/>
+        <a:srgbClr val="A9A57C"/>
       </a:accent1>
       <a:accent2>
-        <a:srgbClr val="D89F39"/>
+        <a:srgbClr val="9CBEBD"/>
       </a:accent2>
       <a:accent3>
-        <a:srgbClr val="8BAB42"/>
+        <a:srgbClr val="D2CB6C"/>
       </a:accent3>
       <a:accent4>
-        <a:srgbClr val="57A7B5"/>
+        <a:srgbClr val="95A39D"/>
       </a:accent4>
       <a:accent5>
-        <a:srgbClr val="8B81D2"/>
+        <a:srgbClr val="C89F5D"/>
       </a:accent5>
       <a:accent6>
-        <a:srgbClr val="963334"/>
+        <a:srgbClr val="B1A089"/>
       </a:accent6>
       <a:hlink>
-        <a:srgbClr val="1155CC"/>
+        <a:srgbClr val="D25814"/>
       </a:hlink>
       <a:folHlink>
-        <a:srgbClr val="6611CC"/>
+        <a:srgbClr val="849A0A"/>
       </a:folHlink>
     </a:clrScheme>
     <a:fontScheme name="Office">

--- a/slides/04-summarizing-data.pptx
+++ b/slides/04-summarizing-data.pptx
@@ -19178,10 +19178,15 @@
             <p:ph idx="1"/>
           </p:nvPr>
         </p:nvSpPr>
-        <p:spPr/>
+        <p:spPr>
+          <a:xfrm>
+            <a:off x="3869268" y="199292"/>
+            <a:ext cx="7315200" cy="5785456"/>
+          </a:xfrm>
+        </p:spPr>
         <p:txBody>
           <a:bodyPr anchor="t">
-            <a:normAutofit/>
+            <a:normAutofit lnSpcReduction="10000"/>
           </a:bodyPr>
           <a:lstStyle/>
           <a:p>
@@ -19205,7 +19210,7 @@
           <a:p>
             <a:r>
               <a:rPr lang="en-US" sz="2800" dirty="0"/>
-              <a:t>Calculate mean, medial, variance, and standard deviation for the following dataset:</a:t>
+              <a:t>Calculate mean, median, variance, and standard deviation for the following dataset:</a:t>
             </a:r>
           </a:p>
           <a:p>
@@ -19215,8 +19220,56 @@
               <a:t>14, 3, -2, 8, 0 </a:t>
             </a:r>
           </a:p>
-        </p:txBody>
-      </p:sp>
+          <a:p>
+            <a:endParaRPr lang="en-US" sz="2800" dirty="0"/>
+          </a:p>
+          <a:p>
+            <a:r>
+              <a:rPr lang="en-US" sz="2800" dirty="0"/>
+              <a:t>Draw a boxplot for the dataset above</a:t>
+            </a:r>
+          </a:p>
+          <a:p>
+            <a:endParaRPr lang="en-US" sz="2800" dirty="0"/>
+          </a:p>
+          <a:p>
+            <a:r>
+              <a:rPr lang="en-US" sz="2800" dirty="0"/>
+              <a:t>Give me feedback for hw-01</a:t>
+            </a:r>
+          </a:p>
+        </p:txBody>
+      </p:sp>
+      <p:pic>
+        <p:nvPicPr>
+          <p:cNvPr id="5" name="Picture 4" descr="A qr code with a few squares&#10;&#10;Description automatically generated">
+            <a:extLst>
+              <a:ext uri="{FF2B5EF4-FFF2-40B4-BE49-F238E27FC236}">
+                <a16:creationId xmlns:a16="http://schemas.microsoft.com/office/drawing/2014/main" id="{418BCD36-E551-267E-6637-3FB20A068F78}"/>
+              </a:ext>
+            </a:extLst>
+          </p:cNvPr>
+          <p:cNvPicPr>
+            <a:picLocks noChangeAspect="1"/>
+          </p:cNvPicPr>
+          <p:nvPr/>
+        </p:nvPicPr>
+        <p:blipFill>
+          <a:blip r:embed="rId2"/>
+          <a:stretch>
+            <a:fillRect/>
+          </a:stretch>
+        </p:blipFill>
+        <p:spPr>
+          <a:xfrm>
+            <a:off x="8645769" y="5103697"/>
+            <a:ext cx="1242646" cy="1242646"/>
+          </a:xfrm>
+          <a:prstGeom prst="rect">
+            <a:avLst/>
+          </a:prstGeom>
+        </p:spPr>
+      </p:pic>
     </p:spTree>
     <p:extLst>
       <p:ext uri="{BB962C8B-B14F-4D97-AF65-F5344CB8AC3E}">
